--- a/ppt_m4/Module 4.pptx
+++ b/ppt_m4/Module 4.pptx
@@ -175,7 +175,7 @@
   </p:defaultTextStyle>
   <p:extLst>
     <p:ext uri="{EFAFB233-063F-42B5-8137-9DF3F51BA10A}">
-      <p15:sldGuideLst xmlns:p15="http://schemas.microsoft.com/office/powerpoint/2012/main">
+      <p15:sldGuideLst xmlns:p15="http://schemas.microsoft.com/office/powerpoint/2012/main" xmlns="">
         <p15:guide id="1" orient="horz" pos="2160">
           <p15:clr>
             <a:srgbClr val="A4A3A4"/>
@@ -275,7 +275,7 @@
             <a:fld id="{5E684183-F63B-429B-A8D4-73DE6625D228}" type="datetimeFigureOut">
               <a:rPr lang="en-US" smtClean="0"/>
               <a:pPr/>
-              <a:t>6/20/2023</a:t>
+              <a:t>7/2/2023</a:t>
             </a:fld>
             <a:endParaRPr lang="en-US"/>
           </a:p>
@@ -445,7 +445,7 @@
     </p:spTree>
     <p:extLst>
       <p:ext uri="{BB962C8B-B14F-4D97-AF65-F5344CB8AC3E}">
-        <p14:creationId xmlns:p14="http://schemas.microsoft.com/office/powerpoint/2010/main" val="3595112096"/>
+        <p14:creationId xmlns:p14="http://schemas.microsoft.com/office/powerpoint/2010/main" xmlns="" val="3595112096"/>
       </p:ext>
     </p:extLst>
   </p:cSld>
@@ -913,7 +913,7 @@
     </p:spTree>
     <p:extLst>
       <p:ext uri="{BB962C8B-B14F-4D97-AF65-F5344CB8AC3E}">
-        <p14:creationId xmlns:p14="http://schemas.microsoft.com/office/powerpoint/2010/main" val="1397272689"/>
+        <p14:creationId xmlns:p14="http://schemas.microsoft.com/office/powerpoint/2010/main" xmlns="" val="1397272689"/>
       </p:ext>
     </p:extLst>
   </p:cSld>
@@ -1000,7 +1000,7 @@
     </p:spTree>
     <p:extLst>
       <p:ext uri="{BB962C8B-B14F-4D97-AF65-F5344CB8AC3E}">
-        <p14:creationId xmlns:p14="http://schemas.microsoft.com/office/powerpoint/2010/main" val="3507484204"/>
+        <p14:creationId xmlns:p14="http://schemas.microsoft.com/office/powerpoint/2010/main" xmlns="" val="3507484204"/>
       </p:ext>
     </p:extLst>
   </p:cSld>
@@ -1109,7 +1109,7 @@
     </p:spTree>
     <p:extLst>
       <p:ext uri="{BB962C8B-B14F-4D97-AF65-F5344CB8AC3E}">
-        <p14:creationId xmlns:p14="http://schemas.microsoft.com/office/powerpoint/2010/main" val="1131775709"/>
+        <p14:creationId xmlns:p14="http://schemas.microsoft.com/office/powerpoint/2010/main" xmlns="" val="1131775709"/>
       </p:ext>
     </p:extLst>
   </p:cSld>
@@ -1218,7 +1218,7 @@
     </p:spTree>
     <p:extLst>
       <p:ext uri="{BB962C8B-B14F-4D97-AF65-F5344CB8AC3E}">
-        <p14:creationId xmlns:p14="http://schemas.microsoft.com/office/powerpoint/2010/main" val="1472009109"/>
+        <p14:creationId xmlns:p14="http://schemas.microsoft.com/office/powerpoint/2010/main" xmlns="" val="1472009109"/>
       </p:ext>
     </p:extLst>
   </p:cSld>
@@ -1359,7 +1359,7 @@
             <a:fld id="{2B638D4C-5CA7-43AB-9935-9FA57582368D}" type="datetime1">
               <a:rPr lang="en-US" smtClean="0"/>
               <a:pPr/>
-              <a:t>6/20/2023</a:t>
+              <a:t>7/2/2023</a:t>
             </a:fld>
             <a:endParaRPr lang="en-US"/>
           </a:p>
@@ -2232,7 +2232,7 @@
             <a:fld id="{786222AF-38C2-43AB-A7CB-2FCC33FA986D}" type="datetime1">
               <a:rPr lang="en-US" smtClean="0"/>
               <a:pPr/>
-              <a:t>6/20/2023</a:t>
+              <a:t>7/2/2023</a:t>
             </a:fld>
             <a:endParaRPr lang="en-US"/>
           </a:p>
@@ -2411,7 +2411,7 @@
             <a:fld id="{3FD75FB9-98E3-480F-9F66-43BD788B7ED1}" type="datetime1">
               <a:rPr lang="en-US" smtClean="0"/>
               <a:pPr/>
-              <a:t>6/20/2023</a:t>
+              <a:t>7/2/2023</a:t>
             </a:fld>
             <a:endParaRPr lang="en-US"/>
           </a:p>
@@ -3036,7 +3036,7 @@
     </p:spTree>
     <p:extLst>
       <p:ext uri="{BB962C8B-B14F-4D97-AF65-F5344CB8AC3E}">
-        <p14:creationId xmlns:p14="http://schemas.microsoft.com/office/powerpoint/2010/main" val="1314520147"/>
+        <p14:creationId xmlns:p14="http://schemas.microsoft.com/office/powerpoint/2010/main" xmlns="" val="1314520147"/>
       </p:ext>
     </p:extLst>
   </p:cSld>
@@ -3160,7 +3160,7 @@
             <a:fld id="{575F3701-36F3-4A68-B5C1-240C4EB6EC88}" type="datetime1">
               <a:rPr lang="en-US" smtClean="0"/>
               <a:pPr/>
-              <a:t>6/20/2023</a:t>
+              <a:t>7/2/2023</a:t>
             </a:fld>
             <a:endParaRPr lang="en-US"/>
           </a:p>
@@ -3369,7 +3369,7 @@
             <a:fld id="{5532E152-E3E8-4CDD-885B-73F5AAEA2CF9}" type="datetime1">
               <a:rPr lang="en-US" smtClean="0"/>
               <a:pPr/>
-              <a:t>6/20/2023</a:t>
+              <a:t>7/2/2023</a:t>
             </a:fld>
             <a:endParaRPr lang="en-US"/>
           </a:p>
@@ -4187,7 +4187,7 @@
             <a:fld id="{B5CEDF4A-AE48-4140-98D2-AB131868351C}" type="datetime1">
               <a:rPr lang="en-US" smtClean="0"/>
               <a:pPr/>
-              <a:t>6/20/2023</a:t>
+              <a:t>7/2/2023</a:t>
             </a:fld>
             <a:endParaRPr lang="en-US"/>
           </a:p>
@@ -4427,7 +4427,7 @@
             <a:fld id="{9396337B-237F-4817-AF59-0B39841E12F0}" type="datetime1">
               <a:rPr lang="en-US" smtClean="0"/>
               <a:pPr/>
-              <a:t>6/20/2023</a:t>
+              <a:t>7/2/2023</a:t>
             </a:fld>
             <a:endParaRPr lang="en-US"/>
           </a:p>
@@ -4754,7 +4754,7 @@
             <a:fld id="{9BC4F7E1-528E-4F8D-8379-57FE65B2A64C}" type="datetime1">
               <a:rPr lang="en-US" smtClean="0"/>
               <a:pPr/>
-              <a:t>6/20/2023</a:t>
+              <a:t>7/2/2023</a:t>
             </a:fld>
             <a:endParaRPr lang="en-US"/>
           </a:p>
@@ -4849,7 +4849,7 @@
             <a:fld id="{7C1EF07C-2FA2-4B29-8D32-45F9180B8CB4}" type="datetime1">
               <a:rPr lang="en-US" smtClean="0"/>
               <a:pPr/>
-              <a:t>6/20/2023</a:t>
+              <a:t>7/2/2023</a:t>
             </a:fld>
             <a:endParaRPr lang="en-US"/>
           </a:p>
@@ -5365,7 +5365,7 @@
             <a:fld id="{DEA2A67F-461C-4388-9024-6299C395E0BE}" type="datetime1">
               <a:rPr lang="en-US" smtClean="0"/>
               <a:pPr/>
-              <a:t>6/20/2023</a:t>
+              <a:t>7/2/2023</a:t>
             </a:fld>
             <a:endParaRPr lang="en-US"/>
           </a:p>
@@ -5880,7 +5880,7 @@
             <a:fld id="{128B7D37-2026-44A7-B82B-C97ACB3C7E83}" type="datetime1">
               <a:rPr lang="en-US" smtClean="0"/>
               <a:pPr/>
-              <a:t>6/20/2023</a:t>
+              <a:t>7/2/2023</a:t>
             </a:fld>
             <a:endParaRPr lang="en-US"/>
           </a:p>
@@ -6131,7 +6131,7 @@
             <a:fld id="{24A19150-C038-42D8-871B-2242FF05250E}" type="datetime1">
               <a:rPr lang="en-US" smtClean="0"/>
               <a:pPr/>
-              <a:t>6/20/2023</a:t>
+              <a:t>7/2/2023</a:t>
             </a:fld>
             <a:endParaRPr lang="en-US"/>
           </a:p>
@@ -6754,7 +6754,7 @@
           <a:blip r:embed="rId2">
             <a:extLst>
               <a:ext uri="{28A0092B-C50C-407E-A947-70E740481C1C}">
-                <a14:useLocalDpi xmlns:a14="http://schemas.microsoft.com/office/drawing/2010/main" val="0"/>
+                <a14:useLocalDpi xmlns:a14="http://schemas.microsoft.com/office/drawing/2010/main" xmlns="" val="0"/>
               </a:ext>
             </a:extLst>
           </a:blip>
@@ -6774,7 +6774,7 @@
           <a:noFill/>
           <a:extLst>
             <a:ext uri="{909E8E84-426E-40DD-AFC4-6F175D3DCCD1}">
-              <a14:hiddenFill xmlns:a14="http://schemas.microsoft.com/office/drawing/2010/main">
+              <a14:hiddenFill xmlns:a14="http://schemas.microsoft.com/office/drawing/2010/main" xmlns="">
                 <a:solidFill>
                   <a:srgbClr val="FFFFFF"/>
                 </a:solidFill>
@@ -9816,7 +9816,7 @@
               <a:buChar char="§"/>
             </a:pPr>
             <a:r>
-              <a:rPr lang="en-US" sz="3600" dirty="0" err="1">
+              <a:rPr lang="en-US" sz="3600" dirty="0">
                 <a:ln w="0"/>
                 <a:solidFill>
                   <a:schemeClr val="accent1"/>
@@ -9829,8 +9829,14 @@
                   </a:outerShdw>
                 </a:effectLst>
               </a:rPr>
-              <a:t>Jupyter</a:t>
-            </a:r>
+              <a:t>Jupyter Notebooks</a:t>
+            </a:r>
+          </a:p>
+          <a:p>
+            <a:pPr>
+              <a:buFont typeface="Wingdings" panose="05000000000000000000" pitchFamily="2" charset="2"/>
+              <a:buChar char="§"/>
+            </a:pPr>
             <a:r>
               <a:rPr lang="en-US" sz="3600" dirty="0">
                 <a:ln w="0"/>
@@ -9845,7 +9851,7 @@
                   </a:outerShdw>
                 </a:effectLst>
               </a:rPr>
-              <a:t> Notebooks</a:t>
+              <a:t>Numpy Basics</a:t>
             </a:r>
           </a:p>
           <a:p>
@@ -9854,7 +9860,7 @@
               <a:buChar char="§"/>
             </a:pPr>
             <a:r>
-              <a:rPr lang="en-US" sz="3600" dirty="0" err="1">
+              <a:rPr lang="en-US" sz="3600" dirty="0">
                 <a:ln w="0"/>
                 <a:solidFill>
                   <a:schemeClr val="accent1"/>
@@ -9867,8 +9873,14 @@
                   </a:outerShdw>
                 </a:effectLst>
               </a:rPr>
-              <a:t>Numpy</a:t>
-            </a:r>
+              <a:t>Pandas Basics</a:t>
+            </a:r>
+          </a:p>
+          <a:p>
+            <a:pPr>
+              <a:buFont typeface="Wingdings" panose="05000000000000000000" pitchFamily="2" charset="2"/>
+              <a:buChar char="§"/>
+            </a:pPr>
             <a:r>
               <a:rPr lang="en-US" sz="3600" dirty="0">
                 <a:ln w="0"/>
@@ -9883,67 +9895,7 @@
                   </a:outerShdw>
                 </a:effectLst>
               </a:rPr>
-              <a:t> Basics</a:t>
-            </a:r>
-          </a:p>
-          <a:p>
-            <a:pPr>
-              <a:buFont typeface="Wingdings" panose="05000000000000000000" pitchFamily="2" charset="2"/>
-              <a:buChar char="§"/>
-            </a:pPr>
-            <a:r>
-              <a:rPr lang="en-US" sz="3600" dirty="0">
-                <a:ln w="0"/>
-                <a:solidFill>
-                  <a:schemeClr val="accent1"/>
-                </a:solidFill>
-                <a:effectLst>
-                  <a:outerShdw blurRad="38100" dist="25400" dir="5400000" algn="ctr" rotWithShape="0">
-                    <a:srgbClr val="6E747A">
-                      <a:alpha val="43000"/>
-                    </a:srgbClr>
-                  </a:outerShdw>
-                </a:effectLst>
-              </a:rPr>
-              <a:t>Pandas Basics</a:t>
-            </a:r>
-          </a:p>
-          <a:p>
-            <a:pPr>
-              <a:buFont typeface="Wingdings" panose="05000000000000000000" pitchFamily="2" charset="2"/>
-              <a:buChar char="§"/>
-            </a:pPr>
-            <a:r>
-              <a:rPr lang="en-US" sz="3600" dirty="0" err="1">
-                <a:ln w="0"/>
-                <a:solidFill>
-                  <a:schemeClr val="accent1"/>
-                </a:solidFill>
-                <a:effectLst>
-                  <a:outerShdw blurRad="38100" dist="25400" dir="5400000" algn="ctr" rotWithShape="0">
-                    <a:srgbClr val="6E747A">
-                      <a:alpha val="43000"/>
-                    </a:srgbClr>
-                  </a:outerShdw>
-                </a:effectLst>
-              </a:rPr>
-              <a:t>Matplotlib</a:t>
-            </a:r>
-            <a:r>
-              <a:rPr lang="en-US" sz="3600" dirty="0">
-                <a:ln w="0"/>
-                <a:solidFill>
-                  <a:schemeClr val="accent1"/>
-                </a:solidFill>
-                <a:effectLst>
-                  <a:outerShdw blurRad="38100" dist="25400" dir="5400000" algn="ctr" rotWithShape="0">
-                    <a:srgbClr val="6E747A">
-                      <a:alpha val="43000"/>
-                    </a:srgbClr>
-                  </a:outerShdw>
-                </a:effectLst>
-              </a:rPr>
-              <a:t> Basics</a:t>
+              <a:t>Matplotlib Basics</a:t>
             </a:r>
           </a:p>
         </p:txBody>
@@ -12614,7 +12566,7 @@
           <a:blip r:embed="rId2">
             <a:extLst>
               <a:ext uri="{28A0092B-C50C-407E-A947-70E740481C1C}">
-                <a14:useLocalDpi xmlns:a14="http://schemas.microsoft.com/office/drawing/2010/main" val="0"/>
+                <a14:useLocalDpi xmlns:a14="http://schemas.microsoft.com/office/drawing/2010/main" xmlns="" val="0"/>
               </a:ext>
             </a:extLst>
           </a:blip>
@@ -12634,7 +12586,7 @@
           <a:noFill/>
           <a:extLst>
             <a:ext uri="{909E8E84-426E-40DD-AFC4-6F175D3DCCD1}">
-              <a14:hiddenFill xmlns:a14="http://schemas.microsoft.com/office/drawing/2010/main">
+              <a14:hiddenFill xmlns:a14="http://schemas.microsoft.com/office/drawing/2010/main" xmlns="">
                 <a:solidFill>
                   <a:srgbClr val="FFFFFF"/>
                 </a:solidFill>
@@ -12694,12 +12646,8 @@
           <a:lstStyle/>
           <a:p>
             <a:r>
-              <a:rPr lang="en-US" dirty="0" err="1"/>
-              <a:t>Numpy</a:t>
-            </a:r>
-            <a:r>
-              <a:rPr lang="en-US" dirty="0"/>
-              <a:t> Basics</a:t>
+              <a:rPr lang="en-US" dirty="0"/>
+              <a:t>Numpy Basics</a:t>
             </a:r>
           </a:p>
         </p:txBody>
@@ -15763,48 +15711,48 @@
               <a:rPr lang="en-US" dirty="0"/>
             </a:br>
             <a:r>
-              <a:rPr lang="en-US" dirty="0"/>
+              <a:rPr lang="en-US" sz="2900" dirty="0"/>
               <a:t/>
             </a:r>
             <a:br>
-              <a:rPr lang="en-US" dirty="0"/>
+              <a:rPr lang="en-US" sz="2900" dirty="0"/>
             </a:br>
             <a:r>
-              <a:rPr lang="en-US" dirty="0" err="1"/>
+              <a:rPr lang="en-US" sz="2900" dirty="0" err="1"/>
               <a:t>df</a:t>
             </a:r>
             <a:r>
-              <a:rPr lang="en-US" dirty="0"/>
+              <a:rPr lang="en-US" sz="2900" dirty="0"/>
               <a:t> = </a:t>
             </a:r>
             <a:r>
-              <a:rPr lang="en-US" dirty="0" err="1"/>
+              <a:rPr lang="en-US" sz="2900" dirty="0" err="1"/>
               <a:t>pd.DataFrame</a:t>
             </a:r>
             <a:r>
-              <a:rPr lang="en-US" dirty="0"/>
+              <a:rPr lang="en-US" sz="2900" dirty="0"/>
               <a:t>(data)</a:t>
             </a:r>
             <a:br>
-              <a:rPr lang="en-US" dirty="0"/>
+              <a:rPr lang="en-US" sz="2900" dirty="0"/>
             </a:br>
             <a:r>
-              <a:rPr lang="en-US" dirty="0"/>
+              <a:rPr lang="en-US" sz="2900" dirty="0"/>
               <a:t/>
             </a:r>
             <a:br>
-              <a:rPr lang="en-US" dirty="0"/>
+              <a:rPr lang="en-US" sz="2900" dirty="0"/>
             </a:br>
             <a:r>
-              <a:rPr lang="en-US" dirty="0"/>
+              <a:rPr lang="en-US" sz="2900" dirty="0"/>
               <a:t>print(</a:t>
             </a:r>
             <a:r>
-              <a:rPr lang="en-US" dirty="0" err="1"/>
+              <a:rPr lang="en-US" sz="2900" dirty="0" err="1"/>
               <a:t>df</a:t>
             </a:r>
             <a:r>
-              <a:rPr lang="en-US" dirty="0"/>
+              <a:rPr lang="en-US" sz="2900" dirty="0"/>
               <a:t>) </a:t>
             </a:r>
           </a:p>
@@ -16735,7 +16683,7 @@
           <p:cNvPr id="2" name="Title 1">
             <a:extLst>
               <a:ext uri="{FF2B5EF4-FFF2-40B4-BE49-F238E27FC236}">
-                <a16:creationId xmlns:a16="http://schemas.microsoft.com/office/drawing/2014/main" xmlns="" id="{A63CFFD3-91D1-DFAB-FC36-F4D245C0D4D4}"/>
+                <a16:creationId xmlns="" xmlns:a16="http://schemas.microsoft.com/office/drawing/2014/main" id="{A63CFFD3-91D1-DFAB-FC36-F4D245C0D4D4}"/>
               </a:ext>
             </a:extLst>
           </p:cNvPr>
@@ -16763,7 +16711,7 @@
           <p:cNvPr id="3" name="Content Placeholder 2">
             <a:extLst>
               <a:ext uri="{FF2B5EF4-FFF2-40B4-BE49-F238E27FC236}">
-                <a16:creationId xmlns:a16="http://schemas.microsoft.com/office/drawing/2014/main" xmlns="" id="{94ACE853-1F29-D234-5256-6B1FC83ACABB}"/>
+                <a16:creationId xmlns="" xmlns:a16="http://schemas.microsoft.com/office/drawing/2014/main" id="{94ACE853-1F29-D234-5256-6B1FC83ACABB}"/>
               </a:ext>
             </a:extLst>
           </p:cNvPr>
@@ -16803,7 +16751,7 @@
           <p:cNvPr id="4" name="Slide Number Placeholder 3">
             <a:extLst>
               <a:ext uri="{FF2B5EF4-FFF2-40B4-BE49-F238E27FC236}">
-                <a16:creationId xmlns:a16="http://schemas.microsoft.com/office/drawing/2014/main" xmlns="" id="{4FA14DCE-48EE-AD2A-E2AC-2D659F6BFDAB}"/>
+                <a16:creationId xmlns="" xmlns:a16="http://schemas.microsoft.com/office/drawing/2014/main" id="{4FA14DCE-48EE-AD2A-E2AC-2D659F6BFDAB}"/>
               </a:ext>
             </a:extLst>
           </p:cNvPr>
@@ -16831,7 +16779,7 @@
     </p:spTree>
     <p:extLst>
       <p:ext uri="{BB962C8B-B14F-4D97-AF65-F5344CB8AC3E}">
-        <p14:creationId xmlns:p14="http://schemas.microsoft.com/office/powerpoint/2010/main" val="1111593529"/>
+        <p14:creationId xmlns:p14="http://schemas.microsoft.com/office/powerpoint/2010/main" xmlns="" val="1111593529"/>
       </p:ext>
     </p:extLst>
   </p:cSld>
@@ -16873,7 +16821,7 @@
           <p:cNvPr id="2" name="Title 1">
             <a:extLst>
               <a:ext uri="{FF2B5EF4-FFF2-40B4-BE49-F238E27FC236}">
-                <a16:creationId xmlns:a16="http://schemas.microsoft.com/office/drawing/2014/main" xmlns="" id="{F7D12C22-A4AC-F285-F760-80D1C293BA1B}"/>
+                <a16:creationId xmlns="" xmlns:a16="http://schemas.microsoft.com/office/drawing/2014/main" id="{F7D12C22-A4AC-F285-F760-80D1C293BA1B}"/>
               </a:ext>
             </a:extLst>
           </p:cNvPr>
@@ -16902,7 +16850,7 @@
           <p:cNvPr id="3" name="Content Placeholder 2">
             <a:extLst>
               <a:ext uri="{FF2B5EF4-FFF2-40B4-BE49-F238E27FC236}">
-                <a16:creationId xmlns:a16="http://schemas.microsoft.com/office/drawing/2014/main" xmlns="" id="{701CAA77-8315-30CB-D8BF-273DA2324BBA}"/>
+                <a16:creationId xmlns="" xmlns:a16="http://schemas.microsoft.com/office/drawing/2014/main" id="{701CAA77-8315-30CB-D8BF-273DA2324BBA}"/>
               </a:ext>
             </a:extLst>
           </p:cNvPr>
@@ -16971,7 +16919,7 @@
           <p:cNvPr id="4" name="Slide Number Placeholder 3">
             <a:extLst>
               <a:ext uri="{FF2B5EF4-FFF2-40B4-BE49-F238E27FC236}">
-                <a16:creationId xmlns:a16="http://schemas.microsoft.com/office/drawing/2014/main" xmlns="" id="{7C49075E-D1AC-B16F-F26F-B856EED64D7E}"/>
+                <a16:creationId xmlns="" xmlns:a16="http://schemas.microsoft.com/office/drawing/2014/main" id="{7C49075E-D1AC-B16F-F26F-B856EED64D7E}"/>
               </a:ext>
             </a:extLst>
           </p:cNvPr>
@@ -16999,7 +16947,7 @@
     </p:spTree>
     <p:extLst>
       <p:ext uri="{BB962C8B-B14F-4D97-AF65-F5344CB8AC3E}">
-        <p14:creationId xmlns:p14="http://schemas.microsoft.com/office/powerpoint/2010/main" val="3500549097"/>
+        <p14:creationId xmlns:p14="http://schemas.microsoft.com/office/powerpoint/2010/main" xmlns="" val="3500549097"/>
       </p:ext>
     </p:extLst>
   </p:cSld>
@@ -17041,7 +16989,7 @@
           <p:cNvPr id="2" name="Title 1">
             <a:extLst>
               <a:ext uri="{FF2B5EF4-FFF2-40B4-BE49-F238E27FC236}">
-                <a16:creationId xmlns:a16="http://schemas.microsoft.com/office/drawing/2014/main" xmlns="" id="{2DCE5216-922A-9C02-445D-595512945017}"/>
+                <a16:creationId xmlns="" xmlns:a16="http://schemas.microsoft.com/office/drawing/2014/main" id="{2DCE5216-922A-9C02-445D-595512945017}"/>
               </a:ext>
             </a:extLst>
           </p:cNvPr>
@@ -17055,7 +17003,7 @@
         <p:spPr>
           <a:xfrm>
             <a:off x="457200" y="304800"/>
-            <a:ext cx="7467600" cy="639762"/>
+            <a:ext cx="7924800" cy="639762"/>
           </a:xfrm>
         </p:spPr>
         <p:txBody>
@@ -17080,7 +17028,7 @@
           <p:cNvPr id="3" name="Content Placeholder 2">
             <a:extLst>
               <a:ext uri="{FF2B5EF4-FFF2-40B4-BE49-F238E27FC236}">
-                <a16:creationId xmlns:a16="http://schemas.microsoft.com/office/drawing/2014/main" xmlns="" id="{B91B9185-57E4-828D-C15E-FA39D37918D7}"/>
+                <a16:creationId xmlns="" xmlns:a16="http://schemas.microsoft.com/office/drawing/2014/main" id="{B91B9185-57E4-828D-C15E-FA39D37918D7}"/>
               </a:ext>
             </a:extLst>
           </p:cNvPr>
@@ -17273,7 +17221,7 @@
           <p:cNvPr id="4" name="Slide Number Placeholder 3">
             <a:extLst>
               <a:ext uri="{FF2B5EF4-FFF2-40B4-BE49-F238E27FC236}">
-                <a16:creationId xmlns:a16="http://schemas.microsoft.com/office/drawing/2014/main" xmlns="" id="{9DA06D31-898B-92DA-1FC2-9367F8710CDA}"/>
+                <a16:creationId xmlns="" xmlns:a16="http://schemas.microsoft.com/office/drawing/2014/main" id="{9DA06D31-898B-92DA-1FC2-9367F8710CDA}"/>
               </a:ext>
             </a:extLst>
           </p:cNvPr>
@@ -17301,7 +17249,7 @@
     </p:spTree>
     <p:extLst>
       <p:ext uri="{BB962C8B-B14F-4D97-AF65-F5344CB8AC3E}">
-        <p14:creationId xmlns:p14="http://schemas.microsoft.com/office/powerpoint/2010/main" val="589225380"/>
+        <p14:creationId xmlns:p14="http://schemas.microsoft.com/office/powerpoint/2010/main" xmlns="" val="589225380"/>
       </p:ext>
     </p:extLst>
   </p:cSld>
@@ -17343,7 +17291,7 @@
           <p:cNvPr id="2" name="Title 1">
             <a:extLst>
               <a:ext uri="{FF2B5EF4-FFF2-40B4-BE49-F238E27FC236}">
-                <a16:creationId xmlns:a16="http://schemas.microsoft.com/office/drawing/2014/main" xmlns="" id="{9ACECE5D-53E6-314F-1FB5-3BC453F7C0D4}"/>
+                <a16:creationId xmlns="" xmlns:a16="http://schemas.microsoft.com/office/drawing/2014/main" id="{9ACECE5D-53E6-314F-1FB5-3BC453F7C0D4}"/>
               </a:ext>
             </a:extLst>
           </p:cNvPr>
@@ -17390,7 +17338,7 @@
           <p:cNvPr id="3" name="Content Placeholder 2">
             <a:extLst>
               <a:ext uri="{FF2B5EF4-FFF2-40B4-BE49-F238E27FC236}">
-                <a16:creationId xmlns:a16="http://schemas.microsoft.com/office/drawing/2014/main" xmlns="" id="{2629B9CE-6CA4-6DBB-7157-6EF8D3A5DD3B}"/>
+                <a16:creationId xmlns="" xmlns:a16="http://schemas.microsoft.com/office/drawing/2014/main" id="{2629B9CE-6CA4-6DBB-7157-6EF8D3A5DD3B}"/>
               </a:ext>
             </a:extLst>
           </p:cNvPr>
@@ -17456,7 +17404,7 @@
           <p:cNvPr id="4" name="Slide Number Placeholder 3">
             <a:extLst>
               <a:ext uri="{FF2B5EF4-FFF2-40B4-BE49-F238E27FC236}">
-                <a16:creationId xmlns:a16="http://schemas.microsoft.com/office/drawing/2014/main" xmlns="" id="{1158613F-E939-5B8D-8A10-91123902E97E}"/>
+                <a16:creationId xmlns="" xmlns:a16="http://schemas.microsoft.com/office/drawing/2014/main" id="{1158613F-E939-5B8D-8A10-91123902E97E}"/>
               </a:ext>
             </a:extLst>
           </p:cNvPr>
@@ -17484,7 +17432,7 @@
     </p:spTree>
     <p:extLst>
       <p:ext uri="{BB962C8B-B14F-4D97-AF65-F5344CB8AC3E}">
-        <p14:creationId xmlns:p14="http://schemas.microsoft.com/office/powerpoint/2010/main" val="2423041203"/>
+        <p14:creationId xmlns:p14="http://schemas.microsoft.com/office/powerpoint/2010/main" xmlns="" val="2423041203"/>
       </p:ext>
     </p:extLst>
   </p:cSld>
@@ -17526,7 +17474,7 @@
           <p:cNvPr id="2" name="Title 1">
             <a:extLst>
               <a:ext uri="{FF2B5EF4-FFF2-40B4-BE49-F238E27FC236}">
-                <a16:creationId xmlns:a16="http://schemas.microsoft.com/office/drawing/2014/main" xmlns="" id="{721F1561-1926-A269-7D29-FD61B7B18FE3}"/>
+                <a16:creationId xmlns="" xmlns:a16="http://schemas.microsoft.com/office/drawing/2014/main" id="{721F1561-1926-A269-7D29-FD61B7B18FE3}"/>
               </a:ext>
             </a:extLst>
           </p:cNvPr>
@@ -17573,7 +17521,7 @@
           <p:cNvPr id="3" name="Content Placeholder 2">
             <a:extLst>
               <a:ext uri="{FF2B5EF4-FFF2-40B4-BE49-F238E27FC236}">
-                <a16:creationId xmlns:a16="http://schemas.microsoft.com/office/drawing/2014/main" xmlns="" id="{0777572D-4B76-5D99-4EED-ABB08E1F3DF7}"/>
+                <a16:creationId xmlns="" xmlns:a16="http://schemas.microsoft.com/office/drawing/2014/main" id="{0777572D-4B76-5D99-4EED-ABB08E1F3DF7}"/>
               </a:ext>
             </a:extLst>
           </p:cNvPr>
@@ -17680,7 +17628,7 @@
           <p:cNvPr id="4" name="Slide Number Placeholder 3">
             <a:extLst>
               <a:ext uri="{FF2B5EF4-FFF2-40B4-BE49-F238E27FC236}">
-                <a16:creationId xmlns:a16="http://schemas.microsoft.com/office/drawing/2014/main" xmlns="" id="{BA17EC5C-E07C-9F47-0ABD-1E2511BDB297}"/>
+                <a16:creationId xmlns="" xmlns:a16="http://schemas.microsoft.com/office/drawing/2014/main" id="{BA17EC5C-E07C-9F47-0ABD-1E2511BDB297}"/>
               </a:ext>
             </a:extLst>
           </p:cNvPr>
@@ -17708,7 +17656,7 @@
     </p:spTree>
     <p:extLst>
       <p:ext uri="{BB962C8B-B14F-4D97-AF65-F5344CB8AC3E}">
-        <p14:creationId xmlns:p14="http://schemas.microsoft.com/office/powerpoint/2010/main" val="2811407254"/>
+        <p14:creationId xmlns:p14="http://schemas.microsoft.com/office/powerpoint/2010/main" xmlns="" val="2811407254"/>
       </p:ext>
     </p:extLst>
   </p:cSld>
@@ -17904,7 +17852,7 @@
           <p:cNvPr id="2" name="Title 1">
             <a:extLst>
               <a:ext uri="{FF2B5EF4-FFF2-40B4-BE49-F238E27FC236}">
-                <a16:creationId xmlns:a16="http://schemas.microsoft.com/office/drawing/2014/main" xmlns="" id="{5449B8E5-8BFB-044B-0839-2A5A0D2D47D2}"/>
+                <a16:creationId xmlns="" xmlns:a16="http://schemas.microsoft.com/office/drawing/2014/main" id="{5449B8E5-8BFB-044B-0839-2A5A0D2D47D2}"/>
               </a:ext>
             </a:extLst>
           </p:cNvPr>
@@ -17936,7 +17884,7 @@
           <p:cNvPr id="3" name="Subtitle 2">
             <a:extLst>
               <a:ext uri="{FF2B5EF4-FFF2-40B4-BE49-F238E27FC236}">
-                <a16:creationId xmlns:a16="http://schemas.microsoft.com/office/drawing/2014/main" xmlns="" id="{A734D08B-AFE2-EE8D-E061-3D4B955BCD9C}"/>
+                <a16:creationId xmlns="" xmlns:a16="http://schemas.microsoft.com/office/drawing/2014/main" id="{A734D08B-AFE2-EE8D-E061-3D4B955BCD9C}"/>
               </a:ext>
             </a:extLst>
           </p:cNvPr>
@@ -17965,7 +17913,7 @@
           <p:cNvPr id="4" name="Slide Number Placeholder 3">
             <a:extLst>
               <a:ext uri="{FF2B5EF4-FFF2-40B4-BE49-F238E27FC236}">
-                <a16:creationId xmlns:a16="http://schemas.microsoft.com/office/drawing/2014/main" xmlns="" id="{BC61B923-219D-ACBF-1069-CA2A4B7FDB0A}"/>
+                <a16:creationId xmlns="" xmlns:a16="http://schemas.microsoft.com/office/drawing/2014/main" id="{BC61B923-219D-ACBF-1069-CA2A4B7FDB0A}"/>
               </a:ext>
             </a:extLst>
           </p:cNvPr>
@@ -18002,7 +17950,7 @@
           <a:blip r:embed="rId2">
             <a:extLst>
               <a:ext uri="{28A0092B-C50C-407E-A947-70E740481C1C}">
-                <a14:useLocalDpi xmlns:a14="http://schemas.microsoft.com/office/drawing/2010/main" val="0"/>
+                <a14:useLocalDpi xmlns:a14="http://schemas.microsoft.com/office/drawing/2010/main" xmlns="" val="0"/>
               </a:ext>
             </a:extLst>
           </a:blip>
@@ -18022,7 +17970,7 @@
           <a:noFill/>
           <a:extLst>
             <a:ext uri="{909E8E84-426E-40DD-AFC4-6F175D3DCCD1}">
-              <a14:hiddenFill xmlns:a14="http://schemas.microsoft.com/office/drawing/2010/main">
+              <a14:hiddenFill xmlns:a14="http://schemas.microsoft.com/office/drawing/2010/main" xmlns="">
                 <a:solidFill>
                   <a:srgbClr val="FFFFFF"/>
                 </a:solidFill>
@@ -18034,7 +17982,7 @@
     </p:spTree>
     <p:extLst>
       <p:ext uri="{BB962C8B-B14F-4D97-AF65-F5344CB8AC3E}">
-        <p14:creationId xmlns:p14="http://schemas.microsoft.com/office/powerpoint/2010/main" val="2311633851"/>
+        <p14:creationId xmlns:p14="http://schemas.microsoft.com/office/powerpoint/2010/main" xmlns="" val="2311633851"/>
       </p:ext>
     </p:extLst>
   </p:cSld>
@@ -18076,7 +18024,7 @@
           <p:cNvPr id="2" name="Title 1">
             <a:extLst>
               <a:ext uri="{FF2B5EF4-FFF2-40B4-BE49-F238E27FC236}">
-                <a16:creationId xmlns:a16="http://schemas.microsoft.com/office/drawing/2014/main" xmlns="" id="{8969B7ED-032C-201A-C311-0330BE88EF31}"/>
+                <a16:creationId xmlns="" xmlns:a16="http://schemas.microsoft.com/office/drawing/2014/main" id="{8969B7ED-032C-201A-C311-0330BE88EF31}"/>
               </a:ext>
             </a:extLst>
           </p:cNvPr>
@@ -18105,7 +18053,7 @@
           <p:cNvPr id="3" name="Content Placeholder 2">
             <a:extLst>
               <a:ext uri="{FF2B5EF4-FFF2-40B4-BE49-F238E27FC236}">
-                <a16:creationId xmlns:a16="http://schemas.microsoft.com/office/drawing/2014/main" xmlns="" id="{3224D49F-451E-D0B3-6B4C-4CF71535FD29}"/>
+                <a16:creationId xmlns="" xmlns:a16="http://schemas.microsoft.com/office/drawing/2014/main" id="{3224D49F-451E-D0B3-6B4C-4CF71535FD29}"/>
               </a:ext>
             </a:extLst>
           </p:cNvPr>
@@ -18233,7 +18181,7 @@
           <p:cNvPr id="4" name="Slide Number Placeholder 3">
             <a:extLst>
               <a:ext uri="{FF2B5EF4-FFF2-40B4-BE49-F238E27FC236}">
-                <a16:creationId xmlns:a16="http://schemas.microsoft.com/office/drawing/2014/main" xmlns="" id="{51A10F0F-E2BC-9BF6-C664-CBF3E3DAF006}"/>
+                <a16:creationId xmlns="" xmlns:a16="http://schemas.microsoft.com/office/drawing/2014/main" id="{51A10F0F-E2BC-9BF6-C664-CBF3E3DAF006}"/>
               </a:ext>
             </a:extLst>
           </p:cNvPr>
@@ -18261,7 +18209,7 @@
     </p:spTree>
     <p:extLst>
       <p:ext uri="{BB962C8B-B14F-4D97-AF65-F5344CB8AC3E}">
-        <p14:creationId xmlns:p14="http://schemas.microsoft.com/office/powerpoint/2010/main" val="2661190586"/>
+        <p14:creationId xmlns:p14="http://schemas.microsoft.com/office/powerpoint/2010/main" xmlns="" val="2661190586"/>
       </p:ext>
     </p:extLst>
   </p:cSld>
@@ -18303,7 +18251,7 @@
           <p:cNvPr id="2" name="Title 1">
             <a:extLst>
               <a:ext uri="{FF2B5EF4-FFF2-40B4-BE49-F238E27FC236}">
-                <a16:creationId xmlns:a16="http://schemas.microsoft.com/office/drawing/2014/main" xmlns="" id="{4C3AF399-B815-8A52-5410-7B83720B0717}"/>
+                <a16:creationId xmlns="" xmlns:a16="http://schemas.microsoft.com/office/drawing/2014/main" id="{4C3AF399-B815-8A52-5410-7B83720B0717}"/>
               </a:ext>
             </a:extLst>
           </p:cNvPr>
@@ -18336,7 +18284,7 @@
           <p:cNvPr id="5" name="Content Placeholder 4">
             <a:extLst>
               <a:ext uri="{FF2B5EF4-FFF2-40B4-BE49-F238E27FC236}">
-                <a16:creationId xmlns:a16="http://schemas.microsoft.com/office/drawing/2014/main" xmlns="" id="{67C17FB9-A3B1-1C74-F019-D71923344868}"/>
+                <a16:creationId xmlns="" xmlns:a16="http://schemas.microsoft.com/office/drawing/2014/main" id="{67C17FB9-A3B1-1C74-F019-D71923344868}"/>
               </a:ext>
             </a:extLst>
           </p:cNvPr>
@@ -18347,7 +18295,7 @@
             <p:ph sz="quarter" idx="1"/>
             <p:extLst>
               <p:ext uri="{D42A27DB-BD31-4B8C-83A1-F6EECF244321}">
-                <p14:modId xmlns:p14="http://schemas.microsoft.com/office/powerpoint/2010/main" val="3182147997"/>
+                <p14:modId xmlns:p14="http://schemas.microsoft.com/office/powerpoint/2010/main" xmlns="" val="3182147997"/>
               </p:ext>
             </p:extLst>
           </p:nvPr>
@@ -18364,7 +18312,7 @@
                 <a:gridCol w="5162741">
                   <a:extLst>
                     <a:ext uri="{9D8B030D-6E8A-4147-A177-3AD203B41FA5}">
-                      <a16:colId xmlns:a16="http://schemas.microsoft.com/office/drawing/2014/main" xmlns="" val="1924135745"/>
+                      <a16:colId xmlns="" xmlns:a16="http://schemas.microsoft.com/office/drawing/2014/main" val="1924135745"/>
                     </a:ext>
                   </a:extLst>
                 </a:gridCol>
@@ -18658,7 +18606,7 @@
                 </a:tc>
                 <a:extLst>
                   <a:ext uri="{0D108BD9-81ED-4DB2-BD59-A6C34878D82A}">
-                    <a16:rowId xmlns:a16="http://schemas.microsoft.com/office/drawing/2014/main" xmlns="" val="1332729004"/>
+                    <a16:rowId xmlns="" xmlns:a16="http://schemas.microsoft.com/office/drawing/2014/main" val="1332729004"/>
                   </a:ext>
                 </a:extLst>
               </a:tr>
@@ -18671,7 +18619,7 @@
           <p:cNvPr id="4" name="Slide Number Placeholder 3">
             <a:extLst>
               <a:ext uri="{FF2B5EF4-FFF2-40B4-BE49-F238E27FC236}">
-                <a16:creationId xmlns:a16="http://schemas.microsoft.com/office/drawing/2014/main" xmlns="" id="{ABCC1D52-7B38-344D-037E-493AB638AE28}"/>
+                <a16:creationId xmlns="" xmlns:a16="http://schemas.microsoft.com/office/drawing/2014/main" id="{ABCC1D52-7B38-344D-037E-493AB638AE28}"/>
               </a:ext>
             </a:extLst>
           </p:cNvPr>
@@ -18701,7 +18649,7 @@
           <p:cNvPr id="7" name="Rectangle 3">
             <a:extLst>
               <a:ext uri="{FF2B5EF4-FFF2-40B4-BE49-F238E27FC236}">
-                <a16:creationId xmlns:a16="http://schemas.microsoft.com/office/drawing/2014/main" xmlns="" id="{006DC80A-81AD-5F17-50EB-79A3FFBCC92B}"/>
+                <a16:creationId xmlns="" xmlns:a16="http://schemas.microsoft.com/office/drawing/2014/main" id="{006DC80A-81AD-5F17-50EB-79A3FFBCC92B}"/>
               </a:ext>
             </a:extLst>
           </p:cNvPr>
@@ -18727,7 +18675,7 @@
           <a:effectLst/>
           <a:extLst>
             <a:ext uri="{91240B29-F687-4F45-9708-019B960494DF}">
-              <a14:hiddenLine xmlns:a14="http://schemas.microsoft.com/office/drawing/2010/main" w="9525">
+              <a14:hiddenLine xmlns:a14="http://schemas.microsoft.com/office/drawing/2010/main" xmlns="" w="9525">
                 <a:solidFill>
                   <a:schemeClr val="tx1"/>
                 </a:solidFill>
@@ -18737,7 +18685,7 @@
               </a14:hiddenLine>
             </a:ext>
             <a:ext uri="{AF507438-7753-43E0-B8FC-AC1667EBCBE1}">
-              <a14:hiddenEffects xmlns:a14="http://schemas.microsoft.com/office/drawing/2010/main">
+              <a14:hiddenEffects xmlns:a14="http://schemas.microsoft.com/office/drawing/2010/main" xmlns="">
                 <a:effectLst>
                   <a:outerShdw dist="35921" dir="2700000" algn="ctr" rotWithShape="0">
                     <a:schemeClr val="bg2"/>
@@ -18765,7 +18713,7 @@
           <p:cNvPr id="9" name="Picture 8">
             <a:extLst>
               <a:ext uri="{FF2B5EF4-FFF2-40B4-BE49-F238E27FC236}">
-                <a16:creationId xmlns:a16="http://schemas.microsoft.com/office/drawing/2014/main" xmlns="" id="{0857BAFD-A396-D2CD-7D02-DBC150B03FA4}"/>
+                <a16:creationId xmlns="" xmlns:a16="http://schemas.microsoft.com/office/drawing/2014/main" id="{0857BAFD-A396-D2CD-7D02-DBC150B03FA4}"/>
               </a:ext>
             </a:extLst>
           </p:cNvPr>
@@ -18793,7 +18741,7 @@
     </p:spTree>
     <p:extLst>
       <p:ext uri="{BB962C8B-B14F-4D97-AF65-F5344CB8AC3E}">
-        <p14:creationId xmlns:p14="http://schemas.microsoft.com/office/powerpoint/2010/main" val="2095393497"/>
+        <p14:creationId xmlns:p14="http://schemas.microsoft.com/office/powerpoint/2010/main" xmlns="" val="2095393497"/>
       </p:ext>
     </p:extLst>
   </p:cSld>
@@ -18835,7 +18783,7 @@
           <p:cNvPr id="2" name="Title 1">
             <a:extLst>
               <a:ext uri="{FF2B5EF4-FFF2-40B4-BE49-F238E27FC236}">
-                <a16:creationId xmlns:a16="http://schemas.microsoft.com/office/drawing/2014/main" xmlns="" id="{B61B7619-4840-1E27-55E7-569724911044}"/>
+                <a16:creationId xmlns="" xmlns:a16="http://schemas.microsoft.com/office/drawing/2014/main" id="{B61B7619-4840-1E27-55E7-569724911044}"/>
               </a:ext>
             </a:extLst>
           </p:cNvPr>
@@ -18870,7 +18818,7 @@
           <p:cNvPr id="5" name="Content Placeholder 4">
             <a:extLst>
               <a:ext uri="{FF2B5EF4-FFF2-40B4-BE49-F238E27FC236}">
-                <a16:creationId xmlns:a16="http://schemas.microsoft.com/office/drawing/2014/main" xmlns="" id="{2F498973-4EB1-AF99-872D-C82D8C87EE19}"/>
+                <a16:creationId xmlns="" xmlns:a16="http://schemas.microsoft.com/office/drawing/2014/main" id="{2F498973-4EB1-AF99-872D-C82D8C87EE19}"/>
               </a:ext>
             </a:extLst>
           </p:cNvPr>
@@ -18881,7 +18829,7 @@
             <p:ph sz="quarter" idx="1"/>
             <p:extLst>
               <p:ext uri="{D42A27DB-BD31-4B8C-83A1-F6EECF244321}">
-                <p14:modId xmlns:p14="http://schemas.microsoft.com/office/powerpoint/2010/main" val="527749876"/>
+                <p14:modId xmlns:p14="http://schemas.microsoft.com/office/powerpoint/2010/main" xmlns="" val="527749876"/>
               </p:ext>
             </p:extLst>
           </p:nvPr>
@@ -18898,7 +18846,7 @@
                 <a:gridCol w="5391532">
                   <a:extLst>
                     <a:ext uri="{9D8B030D-6E8A-4147-A177-3AD203B41FA5}">
-                      <a16:colId xmlns:a16="http://schemas.microsoft.com/office/drawing/2014/main" xmlns="" val="4264022271"/>
+                      <a16:colId xmlns="" xmlns:a16="http://schemas.microsoft.com/office/drawing/2014/main" val="4264022271"/>
                     </a:ext>
                   </a:extLst>
                 </a:gridCol>
@@ -18933,7 +18881,7 @@
                 </a:tc>
                 <a:extLst>
                   <a:ext uri="{0D108BD9-81ED-4DB2-BD59-A6C34878D82A}">
-                    <a16:rowId xmlns:a16="http://schemas.microsoft.com/office/drawing/2014/main" xmlns="" val="2193001768"/>
+                    <a16:rowId xmlns="" xmlns:a16="http://schemas.microsoft.com/office/drawing/2014/main" val="2193001768"/>
                   </a:ext>
                 </a:extLst>
               </a:tr>
@@ -18946,7 +18894,7 @@
           <p:cNvPr id="4" name="Slide Number Placeholder 3">
             <a:extLst>
               <a:ext uri="{FF2B5EF4-FFF2-40B4-BE49-F238E27FC236}">
-                <a16:creationId xmlns:a16="http://schemas.microsoft.com/office/drawing/2014/main" xmlns="" id="{91BDFF58-9D2C-7E03-0B61-ECAF8C86D913}"/>
+                <a16:creationId xmlns="" xmlns:a16="http://schemas.microsoft.com/office/drawing/2014/main" id="{91BDFF58-9D2C-7E03-0B61-ECAF8C86D913}"/>
               </a:ext>
             </a:extLst>
           </p:cNvPr>
@@ -18976,7 +18924,7 @@
           <p:cNvPr id="7" name="Rectangle 3">
             <a:extLst>
               <a:ext uri="{FF2B5EF4-FFF2-40B4-BE49-F238E27FC236}">
-                <a16:creationId xmlns:a16="http://schemas.microsoft.com/office/drawing/2014/main" xmlns="" id="{58D38597-723A-4C92-E5E7-50A9EE0C442C}"/>
+                <a16:creationId xmlns="" xmlns:a16="http://schemas.microsoft.com/office/drawing/2014/main" id="{58D38597-723A-4C92-E5E7-50A9EE0C442C}"/>
               </a:ext>
             </a:extLst>
           </p:cNvPr>
@@ -19002,7 +18950,7 @@
           <a:effectLst/>
           <a:extLst>
             <a:ext uri="{91240B29-F687-4F45-9708-019B960494DF}">
-              <a14:hiddenLine xmlns:a14="http://schemas.microsoft.com/office/drawing/2010/main" w="9525">
+              <a14:hiddenLine xmlns:a14="http://schemas.microsoft.com/office/drawing/2010/main" xmlns="" w="9525">
                 <a:solidFill>
                   <a:schemeClr val="tx1"/>
                 </a:solidFill>
@@ -19012,7 +18960,7 @@
               </a14:hiddenLine>
             </a:ext>
             <a:ext uri="{AF507438-7753-43E0-B8FC-AC1667EBCBE1}">
-              <a14:hiddenEffects xmlns:a14="http://schemas.microsoft.com/office/drawing/2010/main">
+              <a14:hiddenEffects xmlns:a14="http://schemas.microsoft.com/office/drawing/2010/main" xmlns="">
                 <a:effectLst>
                   <a:outerShdw dist="35921" dir="2700000" algn="ctr" rotWithShape="0">
                     <a:schemeClr val="bg2"/>
@@ -19040,7 +18988,7 @@
           <p:cNvPr id="8" name="Rectangle 4">
             <a:extLst>
               <a:ext uri="{FF2B5EF4-FFF2-40B4-BE49-F238E27FC236}">
-                <a16:creationId xmlns:a16="http://schemas.microsoft.com/office/drawing/2014/main" xmlns="" id="{1969DC21-FF1C-9356-7BA5-36F74D5B02EC}"/>
+                <a16:creationId xmlns="" xmlns:a16="http://schemas.microsoft.com/office/drawing/2014/main" id="{1969DC21-FF1C-9356-7BA5-36F74D5B02EC}"/>
               </a:ext>
             </a:extLst>
           </p:cNvPr>
@@ -19064,14 +19012,14 @@
           <a:effectLst/>
           <a:extLst>
             <a:ext uri="{909E8E84-426E-40DD-AFC4-6F175D3DCCD1}">
-              <a14:hiddenFill xmlns:a14="http://schemas.microsoft.com/office/drawing/2010/main">
+              <a14:hiddenFill xmlns:a14="http://schemas.microsoft.com/office/drawing/2010/main" xmlns="">
                 <a:solidFill>
                   <a:schemeClr val="accent1"/>
                 </a:solidFill>
               </a14:hiddenFill>
             </a:ext>
             <a:ext uri="{91240B29-F687-4F45-9708-019B960494DF}">
-              <a14:hiddenLine xmlns:a14="http://schemas.microsoft.com/office/drawing/2010/main" w="9525">
+              <a14:hiddenLine xmlns:a14="http://schemas.microsoft.com/office/drawing/2010/main" xmlns="" w="9525">
                 <a:solidFill>
                   <a:schemeClr val="tx1"/>
                 </a:solidFill>
@@ -19081,7 +19029,7 @@
               </a14:hiddenLine>
             </a:ext>
             <a:ext uri="{AF507438-7753-43E0-B8FC-AC1667EBCBE1}">
-              <a14:hiddenEffects xmlns:a14="http://schemas.microsoft.com/office/drawing/2010/main">
+              <a14:hiddenEffects xmlns:a14="http://schemas.microsoft.com/office/drawing/2010/main" xmlns="">
                 <a:effectLst>
                   <a:outerShdw dist="35921" dir="2700000" algn="ctr" rotWithShape="0">
                     <a:schemeClr val="bg2"/>
@@ -21065,7 +21013,7 @@
     </p:spTree>
     <p:extLst>
       <p:ext uri="{BB962C8B-B14F-4D97-AF65-F5344CB8AC3E}">
-        <p14:creationId xmlns:p14="http://schemas.microsoft.com/office/powerpoint/2010/main" val="3110119979"/>
+        <p14:creationId xmlns:p14="http://schemas.microsoft.com/office/powerpoint/2010/main" xmlns="" val="3110119979"/>
       </p:ext>
     </p:extLst>
   </p:cSld>
@@ -21107,7 +21055,7 @@
           <p:cNvPr id="2" name="Title 1">
             <a:extLst>
               <a:ext uri="{FF2B5EF4-FFF2-40B4-BE49-F238E27FC236}">
-                <a16:creationId xmlns:a16="http://schemas.microsoft.com/office/drawing/2014/main" xmlns="" id="{FEB4C414-2D29-4EF4-12CA-D0AB1B54D68F}"/>
+                <a16:creationId xmlns="" xmlns:a16="http://schemas.microsoft.com/office/drawing/2014/main" id="{FEB4C414-2D29-4EF4-12CA-D0AB1B54D68F}"/>
               </a:ext>
             </a:extLst>
           </p:cNvPr>
@@ -21140,7 +21088,7 @@
           <p:cNvPr id="6" name="Content Placeholder 5">
             <a:extLst>
               <a:ext uri="{FF2B5EF4-FFF2-40B4-BE49-F238E27FC236}">
-                <a16:creationId xmlns:a16="http://schemas.microsoft.com/office/drawing/2014/main" xmlns="" id="{AFBA3B2E-E54C-7290-B368-5DB719167CEC}"/>
+                <a16:creationId xmlns="" xmlns:a16="http://schemas.microsoft.com/office/drawing/2014/main" id="{AFBA3B2E-E54C-7290-B368-5DB719167CEC}"/>
               </a:ext>
             </a:extLst>
           </p:cNvPr>
@@ -21169,7 +21117,7 @@
           <p:cNvPr id="4" name="Slide Number Placeholder 3">
             <a:extLst>
               <a:ext uri="{FF2B5EF4-FFF2-40B4-BE49-F238E27FC236}">
-                <a16:creationId xmlns:a16="http://schemas.microsoft.com/office/drawing/2014/main" xmlns="" id="{90C51534-62D1-81B2-4136-24A0232DF1F1}"/>
+                <a16:creationId xmlns="" xmlns:a16="http://schemas.microsoft.com/office/drawing/2014/main" id="{90C51534-62D1-81B2-4136-24A0232DF1F1}"/>
               </a:ext>
             </a:extLst>
           </p:cNvPr>
@@ -21197,7 +21145,7 @@
     </p:spTree>
     <p:extLst>
       <p:ext uri="{BB962C8B-B14F-4D97-AF65-F5344CB8AC3E}">
-        <p14:creationId xmlns:p14="http://schemas.microsoft.com/office/powerpoint/2010/main" val="1500051179"/>
+        <p14:creationId xmlns:p14="http://schemas.microsoft.com/office/powerpoint/2010/main" xmlns="" val="1500051179"/>
       </p:ext>
     </p:extLst>
   </p:cSld>
@@ -21239,7 +21187,7 @@
           <p:cNvPr id="2" name="Title 1">
             <a:extLst>
               <a:ext uri="{FF2B5EF4-FFF2-40B4-BE49-F238E27FC236}">
-                <a16:creationId xmlns:a16="http://schemas.microsoft.com/office/drawing/2014/main" xmlns="" id="{4C72DCB0-08C9-12EA-7119-64D7C2782D71}"/>
+                <a16:creationId xmlns="" xmlns:a16="http://schemas.microsoft.com/office/drawing/2014/main" id="{4C72DCB0-08C9-12EA-7119-64D7C2782D71}"/>
               </a:ext>
             </a:extLst>
           </p:cNvPr>
@@ -21274,7 +21222,7 @@
           <p:cNvPr id="4" name="Slide Number Placeholder 3">
             <a:extLst>
               <a:ext uri="{FF2B5EF4-FFF2-40B4-BE49-F238E27FC236}">
-                <a16:creationId xmlns:a16="http://schemas.microsoft.com/office/drawing/2014/main" xmlns="" id="{22CB754F-C65C-F718-6CC5-78CD966AA1DC}"/>
+                <a16:creationId xmlns="" xmlns:a16="http://schemas.microsoft.com/office/drawing/2014/main" id="{22CB754F-C65C-F718-6CC5-78CD966AA1DC}"/>
               </a:ext>
             </a:extLst>
           </p:cNvPr>
@@ -21304,7 +21252,7 @@
           <p:cNvPr id="5" name="Rectangle 2">
             <a:extLst>
               <a:ext uri="{FF2B5EF4-FFF2-40B4-BE49-F238E27FC236}">
-                <a16:creationId xmlns:a16="http://schemas.microsoft.com/office/drawing/2014/main" xmlns="" id="{B8B5C399-FA98-C896-77A9-440FA4929DD9}"/>
+                <a16:creationId xmlns="" xmlns:a16="http://schemas.microsoft.com/office/drawing/2014/main" id="{B8B5C399-FA98-C896-77A9-440FA4929DD9}"/>
               </a:ext>
             </a:extLst>
           </p:cNvPr>
@@ -21330,14 +21278,14 @@
           <a:effectLst/>
           <a:extLst>
             <a:ext uri="{909E8E84-426E-40DD-AFC4-6F175D3DCCD1}">
-              <a14:hiddenFill xmlns:a14="http://schemas.microsoft.com/office/drawing/2010/main">
+              <a14:hiddenFill xmlns:a14="http://schemas.microsoft.com/office/drawing/2010/main" xmlns="">
                 <a:solidFill>
                   <a:schemeClr val="accent1"/>
                 </a:solidFill>
               </a14:hiddenFill>
             </a:ext>
             <a:ext uri="{91240B29-F687-4F45-9708-019B960494DF}">
-              <a14:hiddenLine xmlns:a14="http://schemas.microsoft.com/office/drawing/2010/main" w="9525">
+              <a14:hiddenLine xmlns:a14="http://schemas.microsoft.com/office/drawing/2010/main" xmlns="" w="9525">
                 <a:solidFill>
                   <a:schemeClr val="tx1"/>
                 </a:solidFill>
@@ -21347,7 +21295,7 @@
               </a14:hiddenLine>
             </a:ext>
             <a:ext uri="{AF507438-7753-43E0-B8FC-AC1667EBCBE1}">
-              <a14:hiddenEffects xmlns:a14="http://schemas.microsoft.com/office/drawing/2010/main">
+              <a14:hiddenEffects xmlns:a14="http://schemas.microsoft.com/office/drawing/2010/main" xmlns="">
                 <a:effectLst>
                   <a:outerShdw dist="35921" dir="2700000" algn="ctr" rotWithShape="0">
                     <a:schemeClr val="bg2"/>
@@ -23407,7 +23355,7 @@
     </p:spTree>
     <p:extLst>
       <p:ext uri="{BB962C8B-B14F-4D97-AF65-F5344CB8AC3E}">
-        <p14:creationId xmlns:p14="http://schemas.microsoft.com/office/powerpoint/2010/main" val="2560600133"/>
+        <p14:creationId xmlns:p14="http://schemas.microsoft.com/office/powerpoint/2010/main" xmlns="" val="2560600133"/>
       </p:ext>
     </p:extLst>
   </p:cSld>
@@ -23449,7 +23397,7 @@
           <p:cNvPr id="2" name="Title 1">
             <a:extLst>
               <a:ext uri="{FF2B5EF4-FFF2-40B4-BE49-F238E27FC236}">
-                <a16:creationId xmlns:a16="http://schemas.microsoft.com/office/drawing/2014/main" xmlns="" id="{93301647-8762-C105-56EA-594F97E20F89}"/>
+                <a16:creationId xmlns="" xmlns:a16="http://schemas.microsoft.com/office/drawing/2014/main" id="{93301647-8762-C105-56EA-594F97E20F89}"/>
               </a:ext>
             </a:extLst>
           </p:cNvPr>
@@ -23477,7 +23425,7 @@
           <p:cNvPr id="6" name="Content Placeholder 5">
             <a:extLst>
               <a:ext uri="{FF2B5EF4-FFF2-40B4-BE49-F238E27FC236}">
-                <a16:creationId xmlns:a16="http://schemas.microsoft.com/office/drawing/2014/main" xmlns="" id="{0DA2378B-CDFB-C115-93F6-5C4A82894B7C}"/>
+                <a16:creationId xmlns="" xmlns:a16="http://schemas.microsoft.com/office/drawing/2014/main" id="{0DA2378B-CDFB-C115-93F6-5C4A82894B7C}"/>
               </a:ext>
             </a:extLst>
           </p:cNvPr>
@@ -23506,7 +23454,7 @@
           <p:cNvPr id="4" name="Slide Number Placeholder 3">
             <a:extLst>
               <a:ext uri="{FF2B5EF4-FFF2-40B4-BE49-F238E27FC236}">
-                <a16:creationId xmlns:a16="http://schemas.microsoft.com/office/drawing/2014/main" xmlns="" id="{9D4C71D4-EB45-80AB-19E7-BADA81BB2E04}"/>
+                <a16:creationId xmlns="" xmlns:a16="http://schemas.microsoft.com/office/drawing/2014/main" id="{9D4C71D4-EB45-80AB-19E7-BADA81BB2E04}"/>
               </a:ext>
             </a:extLst>
           </p:cNvPr>
@@ -23534,7 +23482,7 @@
     </p:spTree>
     <p:extLst>
       <p:ext uri="{BB962C8B-B14F-4D97-AF65-F5344CB8AC3E}">
-        <p14:creationId xmlns:p14="http://schemas.microsoft.com/office/powerpoint/2010/main" val="3161654906"/>
+        <p14:creationId xmlns:p14="http://schemas.microsoft.com/office/powerpoint/2010/main" xmlns="" val="3161654906"/>
       </p:ext>
     </p:extLst>
   </p:cSld>
@@ -23576,7 +23524,7 @@
           <p:cNvPr id="2" name="Title 1">
             <a:extLst>
               <a:ext uri="{FF2B5EF4-FFF2-40B4-BE49-F238E27FC236}">
-                <a16:creationId xmlns:a16="http://schemas.microsoft.com/office/drawing/2014/main" xmlns="" id="{AA1145F7-09D4-3649-4317-9579ED46F158}"/>
+                <a16:creationId xmlns="" xmlns:a16="http://schemas.microsoft.com/office/drawing/2014/main" id="{AA1145F7-09D4-3649-4317-9579ED46F158}"/>
               </a:ext>
             </a:extLst>
           </p:cNvPr>
@@ -23609,7 +23557,7 @@
           <p:cNvPr id="4" name="Slide Number Placeholder 3">
             <a:extLst>
               <a:ext uri="{FF2B5EF4-FFF2-40B4-BE49-F238E27FC236}">
-                <a16:creationId xmlns:a16="http://schemas.microsoft.com/office/drawing/2014/main" xmlns="" id="{1D9854EF-BDAB-94D0-E78B-969031FD064C}"/>
+                <a16:creationId xmlns="" xmlns:a16="http://schemas.microsoft.com/office/drawing/2014/main" id="{1D9854EF-BDAB-94D0-E78B-969031FD064C}"/>
               </a:ext>
             </a:extLst>
           </p:cNvPr>
@@ -23639,7 +23587,7 @@
           <p:cNvPr id="5" name="Rectangle 2">
             <a:extLst>
               <a:ext uri="{FF2B5EF4-FFF2-40B4-BE49-F238E27FC236}">
-                <a16:creationId xmlns:a16="http://schemas.microsoft.com/office/drawing/2014/main" xmlns="" id="{14D8B1F3-DD1D-35A3-2245-DCB7F29C194E}"/>
+                <a16:creationId xmlns="" xmlns:a16="http://schemas.microsoft.com/office/drawing/2014/main" id="{14D8B1F3-DD1D-35A3-2245-DCB7F29C194E}"/>
               </a:ext>
             </a:extLst>
           </p:cNvPr>
@@ -23665,14 +23613,14 @@
           <a:effectLst/>
           <a:extLst>
             <a:ext uri="{909E8E84-426E-40DD-AFC4-6F175D3DCCD1}">
-              <a14:hiddenFill xmlns:a14="http://schemas.microsoft.com/office/drawing/2010/main">
+              <a14:hiddenFill xmlns:a14="http://schemas.microsoft.com/office/drawing/2010/main" xmlns="">
                 <a:solidFill>
                   <a:schemeClr val="accent1"/>
                 </a:solidFill>
               </a14:hiddenFill>
             </a:ext>
             <a:ext uri="{91240B29-F687-4F45-9708-019B960494DF}">
-              <a14:hiddenLine xmlns:a14="http://schemas.microsoft.com/office/drawing/2010/main" w="9525">
+              <a14:hiddenLine xmlns:a14="http://schemas.microsoft.com/office/drawing/2010/main" xmlns="" w="9525">
                 <a:solidFill>
                   <a:schemeClr val="tx1"/>
                 </a:solidFill>
@@ -23682,7 +23630,7 @@
               </a14:hiddenLine>
             </a:ext>
             <a:ext uri="{AF507438-7753-43E0-B8FC-AC1667EBCBE1}">
-              <a14:hiddenEffects xmlns:a14="http://schemas.microsoft.com/office/drawing/2010/main">
+              <a14:hiddenEffects xmlns:a14="http://schemas.microsoft.com/office/drawing/2010/main" xmlns="">
                 <a:effectLst>
                   <a:outerShdw dist="35921" dir="2700000" algn="ctr" rotWithShape="0">
                     <a:schemeClr val="bg2"/>
@@ -25727,7 +25675,7 @@
     </p:spTree>
     <p:extLst>
       <p:ext uri="{BB962C8B-B14F-4D97-AF65-F5344CB8AC3E}">
-        <p14:creationId xmlns:p14="http://schemas.microsoft.com/office/powerpoint/2010/main" val="3941162094"/>
+        <p14:creationId xmlns:p14="http://schemas.microsoft.com/office/powerpoint/2010/main" xmlns="" val="3941162094"/>
       </p:ext>
     </p:extLst>
   </p:cSld>
@@ -25769,7 +25717,7 @@
           <p:cNvPr id="2" name="Title 1">
             <a:extLst>
               <a:ext uri="{FF2B5EF4-FFF2-40B4-BE49-F238E27FC236}">
-                <a16:creationId xmlns:a16="http://schemas.microsoft.com/office/drawing/2014/main" xmlns="" id="{ADBC9C74-BFF1-19D8-C9C6-C5AE02C8E34B}"/>
+                <a16:creationId xmlns="" xmlns:a16="http://schemas.microsoft.com/office/drawing/2014/main" id="{ADBC9C74-BFF1-19D8-C9C6-C5AE02C8E34B}"/>
               </a:ext>
             </a:extLst>
           </p:cNvPr>
@@ -25797,7 +25745,7 @@
           <p:cNvPr id="6" name="Content Placeholder 5">
             <a:extLst>
               <a:ext uri="{FF2B5EF4-FFF2-40B4-BE49-F238E27FC236}">
-                <a16:creationId xmlns:a16="http://schemas.microsoft.com/office/drawing/2014/main" xmlns="" id="{1D774455-CE27-0EB6-86D6-61697F126081}"/>
+                <a16:creationId xmlns="" xmlns:a16="http://schemas.microsoft.com/office/drawing/2014/main" id="{1D774455-CE27-0EB6-86D6-61697F126081}"/>
               </a:ext>
             </a:extLst>
           </p:cNvPr>
@@ -25826,7 +25774,7 @@
           <p:cNvPr id="4" name="Slide Number Placeholder 3">
             <a:extLst>
               <a:ext uri="{FF2B5EF4-FFF2-40B4-BE49-F238E27FC236}">
-                <a16:creationId xmlns:a16="http://schemas.microsoft.com/office/drawing/2014/main" xmlns="" id="{629B7BA9-4B28-E40F-B6EA-A2047FF319E5}"/>
+                <a16:creationId xmlns="" xmlns:a16="http://schemas.microsoft.com/office/drawing/2014/main" id="{629B7BA9-4B28-E40F-B6EA-A2047FF319E5}"/>
               </a:ext>
             </a:extLst>
           </p:cNvPr>
@@ -25854,7 +25802,7 @@
     </p:spTree>
     <p:extLst>
       <p:ext uri="{BB962C8B-B14F-4D97-AF65-F5344CB8AC3E}">
-        <p14:creationId xmlns:p14="http://schemas.microsoft.com/office/powerpoint/2010/main" val="3565868722"/>
+        <p14:creationId xmlns:p14="http://schemas.microsoft.com/office/powerpoint/2010/main" xmlns="" val="3565868722"/>
       </p:ext>
     </p:extLst>
   </p:cSld>
@@ -25896,7 +25844,7 @@
           <p:cNvPr id="2" name="Title 1">
             <a:extLst>
               <a:ext uri="{FF2B5EF4-FFF2-40B4-BE49-F238E27FC236}">
-                <a16:creationId xmlns:a16="http://schemas.microsoft.com/office/drawing/2014/main" xmlns="" id="{D48CBE34-4CF7-7C3B-FB39-EF9185AA64A0}"/>
+                <a16:creationId xmlns="" xmlns:a16="http://schemas.microsoft.com/office/drawing/2014/main" id="{D48CBE34-4CF7-7C3B-FB39-EF9185AA64A0}"/>
               </a:ext>
             </a:extLst>
           </p:cNvPr>
@@ -25929,7 +25877,7 @@
           <p:cNvPr id="4" name="Slide Number Placeholder 3">
             <a:extLst>
               <a:ext uri="{FF2B5EF4-FFF2-40B4-BE49-F238E27FC236}">
-                <a16:creationId xmlns:a16="http://schemas.microsoft.com/office/drawing/2014/main" xmlns="" id="{26F5498D-D299-D827-66EB-75DB7320A907}"/>
+                <a16:creationId xmlns="" xmlns:a16="http://schemas.microsoft.com/office/drawing/2014/main" id="{26F5498D-D299-D827-66EB-75DB7320A907}"/>
               </a:ext>
             </a:extLst>
           </p:cNvPr>
@@ -25959,7 +25907,7 @@
           <p:cNvPr id="5" name="Rectangle 2">
             <a:extLst>
               <a:ext uri="{FF2B5EF4-FFF2-40B4-BE49-F238E27FC236}">
-                <a16:creationId xmlns:a16="http://schemas.microsoft.com/office/drawing/2014/main" xmlns="" id="{D0BEBF86-36D1-5504-3114-ABBD98057905}"/>
+                <a16:creationId xmlns="" xmlns:a16="http://schemas.microsoft.com/office/drawing/2014/main" id="{D0BEBF86-36D1-5504-3114-ABBD98057905}"/>
               </a:ext>
             </a:extLst>
           </p:cNvPr>
@@ -25985,14 +25933,14 @@
           <a:effectLst/>
           <a:extLst>
             <a:ext uri="{909E8E84-426E-40DD-AFC4-6F175D3DCCD1}">
-              <a14:hiddenFill xmlns:a14="http://schemas.microsoft.com/office/drawing/2010/main">
+              <a14:hiddenFill xmlns:a14="http://schemas.microsoft.com/office/drawing/2010/main" xmlns="">
                 <a:solidFill>
                   <a:schemeClr val="accent1"/>
                 </a:solidFill>
               </a14:hiddenFill>
             </a:ext>
             <a:ext uri="{91240B29-F687-4F45-9708-019B960494DF}">
-              <a14:hiddenLine xmlns:a14="http://schemas.microsoft.com/office/drawing/2010/main" w="9525">
+              <a14:hiddenLine xmlns:a14="http://schemas.microsoft.com/office/drawing/2010/main" xmlns="" w="9525">
                 <a:solidFill>
                   <a:schemeClr val="tx1"/>
                 </a:solidFill>
@@ -26002,7 +25950,7 @@
               </a14:hiddenLine>
             </a:ext>
             <a:ext uri="{AF507438-7753-43E0-B8FC-AC1667EBCBE1}">
-              <a14:hiddenEffects xmlns:a14="http://schemas.microsoft.com/office/drawing/2010/main">
+              <a14:hiddenEffects xmlns:a14="http://schemas.microsoft.com/office/drawing/2010/main" xmlns="">
                 <a:effectLst>
                   <a:outerShdw dist="35921" dir="2700000" algn="ctr" rotWithShape="0">
                     <a:schemeClr val="bg2"/>
@@ -27968,7 +27916,7 @@
     </p:spTree>
     <p:extLst>
       <p:ext uri="{BB962C8B-B14F-4D97-AF65-F5344CB8AC3E}">
-        <p14:creationId xmlns:p14="http://schemas.microsoft.com/office/powerpoint/2010/main" val="966657119"/>
+        <p14:creationId xmlns:p14="http://schemas.microsoft.com/office/powerpoint/2010/main" xmlns="" val="966657119"/>
       </p:ext>
     </p:extLst>
   </p:cSld>
@@ -28300,7 +28248,7 @@
           <p:cNvPr id="2" name="Title 1">
             <a:extLst>
               <a:ext uri="{FF2B5EF4-FFF2-40B4-BE49-F238E27FC236}">
-                <a16:creationId xmlns:a16="http://schemas.microsoft.com/office/drawing/2014/main" xmlns="" id="{5063E125-8D59-D581-54E8-873CE8C6B8DD}"/>
+                <a16:creationId xmlns="" xmlns:a16="http://schemas.microsoft.com/office/drawing/2014/main" id="{5063E125-8D59-D581-54E8-873CE8C6B8DD}"/>
               </a:ext>
             </a:extLst>
           </p:cNvPr>
@@ -28335,7 +28283,7 @@
           <p:cNvPr id="6" name="Content Placeholder 5">
             <a:extLst>
               <a:ext uri="{FF2B5EF4-FFF2-40B4-BE49-F238E27FC236}">
-                <a16:creationId xmlns:a16="http://schemas.microsoft.com/office/drawing/2014/main" xmlns="" id="{934EBA18-B5AD-530D-DE28-33E5C40302EB}"/>
+                <a16:creationId xmlns="" xmlns:a16="http://schemas.microsoft.com/office/drawing/2014/main" id="{934EBA18-B5AD-530D-DE28-33E5C40302EB}"/>
               </a:ext>
             </a:extLst>
           </p:cNvPr>
@@ -28364,7 +28312,7 @@
           <p:cNvPr id="4" name="Slide Number Placeholder 3">
             <a:extLst>
               <a:ext uri="{FF2B5EF4-FFF2-40B4-BE49-F238E27FC236}">
-                <a16:creationId xmlns:a16="http://schemas.microsoft.com/office/drawing/2014/main" xmlns="" id="{05AB8FCD-2A46-402C-E416-12B01F10FA6A}"/>
+                <a16:creationId xmlns="" xmlns:a16="http://schemas.microsoft.com/office/drawing/2014/main" id="{05AB8FCD-2A46-402C-E416-12B01F10FA6A}"/>
               </a:ext>
             </a:extLst>
           </p:cNvPr>
@@ -28394,7 +28342,7 @@
           <p:cNvPr id="8" name="TextBox 7">
             <a:extLst>
               <a:ext uri="{FF2B5EF4-FFF2-40B4-BE49-F238E27FC236}">
-                <a16:creationId xmlns:a16="http://schemas.microsoft.com/office/drawing/2014/main" xmlns="" id="{4DDF6E6A-D3B1-08E5-C275-26CF8D987976}"/>
+                <a16:creationId xmlns="" xmlns:a16="http://schemas.microsoft.com/office/drawing/2014/main" id="{4DDF6E6A-D3B1-08E5-C275-26CF8D987976}"/>
               </a:ext>
             </a:extLst>
           </p:cNvPr>
@@ -28732,7 +28680,7 @@
     </p:spTree>
     <p:extLst>
       <p:ext uri="{BB962C8B-B14F-4D97-AF65-F5344CB8AC3E}">
-        <p14:creationId xmlns:p14="http://schemas.microsoft.com/office/powerpoint/2010/main" val="1562834069"/>
+        <p14:creationId xmlns:p14="http://schemas.microsoft.com/office/powerpoint/2010/main" xmlns="" val="1562834069"/>
       </p:ext>
     </p:extLst>
   </p:cSld>
@@ -28774,7 +28722,7 @@
           <p:cNvPr id="2" name="Title 1">
             <a:extLst>
               <a:ext uri="{FF2B5EF4-FFF2-40B4-BE49-F238E27FC236}">
-                <a16:creationId xmlns:a16="http://schemas.microsoft.com/office/drawing/2014/main" xmlns="" id="{A1CC149F-5D49-0E1C-E56C-67A20437193C}"/>
+                <a16:creationId xmlns="" xmlns:a16="http://schemas.microsoft.com/office/drawing/2014/main" id="{A1CC149F-5D49-0E1C-E56C-67A20437193C}"/>
               </a:ext>
             </a:extLst>
           </p:cNvPr>
@@ -28807,7 +28755,7 @@
           <p:cNvPr id="4" name="Slide Number Placeholder 3">
             <a:extLst>
               <a:ext uri="{FF2B5EF4-FFF2-40B4-BE49-F238E27FC236}">
-                <a16:creationId xmlns:a16="http://schemas.microsoft.com/office/drawing/2014/main" xmlns="" id="{81D73CF4-479B-7072-DD1E-40926B3CA392}"/>
+                <a16:creationId xmlns="" xmlns:a16="http://schemas.microsoft.com/office/drawing/2014/main" id="{81D73CF4-479B-7072-DD1E-40926B3CA392}"/>
               </a:ext>
             </a:extLst>
           </p:cNvPr>
@@ -28837,7 +28785,7 @@
           <p:cNvPr id="6" name="Rectangle 2">
             <a:extLst>
               <a:ext uri="{FF2B5EF4-FFF2-40B4-BE49-F238E27FC236}">
-                <a16:creationId xmlns:a16="http://schemas.microsoft.com/office/drawing/2014/main" xmlns="" id="{95CC2CDD-C2B7-143A-E234-E062C2B30C1B}"/>
+                <a16:creationId xmlns="" xmlns:a16="http://schemas.microsoft.com/office/drawing/2014/main" id="{95CC2CDD-C2B7-143A-E234-E062C2B30C1B}"/>
               </a:ext>
             </a:extLst>
           </p:cNvPr>
@@ -28863,14 +28811,14 @@
           <a:effectLst/>
           <a:extLst>
             <a:ext uri="{909E8E84-426E-40DD-AFC4-6F175D3DCCD1}">
-              <a14:hiddenFill xmlns:a14="http://schemas.microsoft.com/office/drawing/2010/main">
+              <a14:hiddenFill xmlns:a14="http://schemas.microsoft.com/office/drawing/2010/main" xmlns="">
                 <a:solidFill>
                   <a:schemeClr val="accent1"/>
                 </a:solidFill>
               </a14:hiddenFill>
             </a:ext>
             <a:ext uri="{91240B29-F687-4F45-9708-019B960494DF}">
-              <a14:hiddenLine xmlns:a14="http://schemas.microsoft.com/office/drawing/2010/main" w="9525">
+              <a14:hiddenLine xmlns:a14="http://schemas.microsoft.com/office/drawing/2010/main" xmlns="" w="9525">
                 <a:solidFill>
                   <a:schemeClr val="tx1"/>
                 </a:solidFill>
@@ -28880,7 +28828,7 @@
               </a14:hiddenLine>
             </a:ext>
             <a:ext uri="{AF507438-7753-43E0-B8FC-AC1667EBCBE1}">
-              <a14:hiddenEffects xmlns:a14="http://schemas.microsoft.com/office/drawing/2010/main">
+              <a14:hiddenEffects xmlns:a14="http://schemas.microsoft.com/office/drawing/2010/main" xmlns="">
                 <a:effectLst>
                   <a:outerShdw dist="35921" dir="2700000" algn="ctr" rotWithShape="0">
                     <a:schemeClr val="bg2"/>
@@ -29069,6 +29017,19 @@
               <a:t> </a:t>
             </a:r>
             <a:r>
+              <a:rPr kumimoji="0" lang="en-US" altLang="en-US" sz="1800" b="0" i="0" u="none" strike="noStrike" cap="none" normalizeH="0" baseline="0" dirty="0" err="1">
+                <a:ln>
+                  <a:noFill/>
+                </a:ln>
+                <a:solidFill>
+                  <a:srgbClr val="000000"/>
+                </a:solidFill>
+                <a:effectLst/>
+                <a:latin typeface="Consolas" panose="020B0609020204030204" pitchFamily="49" charset="0"/>
+              </a:rPr>
+              <a:t>matplotlib</a:t>
+            </a:r>
+            <a:r>
               <a:rPr kumimoji="0" lang="en-US" altLang="en-US" sz="1800" b="0" i="0" u="none" strike="noStrike" cap="none" normalizeH="0" baseline="0" dirty="0">
                 <a:ln>
                   <a:noFill/>
@@ -29079,7 +29040,7 @@
                 <a:effectLst/>
                 <a:latin typeface="Consolas" panose="020B0609020204030204" pitchFamily="49" charset="0"/>
               </a:rPr>
-              <a:t>matplotlib </a:t>
+              <a:t> </a:t>
             </a:r>
             <a:r>
               <a:rPr kumimoji="0" lang="en-US" altLang="en-US" sz="1800" b="1" i="0" u="none" strike="noStrike" cap="none" normalizeH="0" baseline="0" dirty="0">
@@ -30594,7 +30555,7 @@
     </p:spTree>
     <p:extLst>
       <p:ext uri="{BB962C8B-B14F-4D97-AF65-F5344CB8AC3E}">
-        <p14:creationId xmlns:p14="http://schemas.microsoft.com/office/powerpoint/2010/main" val="650241756"/>
+        <p14:creationId xmlns:p14="http://schemas.microsoft.com/office/powerpoint/2010/main" xmlns="" val="650241756"/>
       </p:ext>
     </p:extLst>
   </p:cSld>
@@ -30636,7 +30597,7 @@
           <p:cNvPr id="2" name="Title 1">
             <a:extLst>
               <a:ext uri="{FF2B5EF4-FFF2-40B4-BE49-F238E27FC236}">
-                <a16:creationId xmlns:a16="http://schemas.microsoft.com/office/drawing/2014/main" xmlns="" id="{70314910-E27B-B84B-906A-948A7F11B61E}"/>
+                <a16:creationId xmlns="" xmlns:a16="http://schemas.microsoft.com/office/drawing/2014/main" id="{70314910-E27B-B84B-906A-948A7F11B61E}"/>
               </a:ext>
             </a:extLst>
           </p:cNvPr>
@@ -30671,7 +30632,7 @@
           <p:cNvPr id="4" name="Slide Number Placeholder 3">
             <a:extLst>
               <a:ext uri="{FF2B5EF4-FFF2-40B4-BE49-F238E27FC236}">
-                <a16:creationId xmlns:a16="http://schemas.microsoft.com/office/drawing/2014/main" xmlns="" id="{0CC5C332-D875-2E40-EF96-B60BAD6C40ED}"/>
+                <a16:creationId xmlns="" xmlns:a16="http://schemas.microsoft.com/office/drawing/2014/main" id="{0CC5C332-D875-2E40-EF96-B60BAD6C40ED}"/>
               </a:ext>
             </a:extLst>
           </p:cNvPr>
@@ -30701,7 +30662,7 @@
           <p:cNvPr id="9" name="Content Placeholder 8">
             <a:extLst>
               <a:ext uri="{FF2B5EF4-FFF2-40B4-BE49-F238E27FC236}">
-                <a16:creationId xmlns:a16="http://schemas.microsoft.com/office/drawing/2014/main" xmlns="" id="{E6CB1161-BACE-1BF8-35D3-4E47D908BF28}"/>
+                <a16:creationId xmlns="" xmlns:a16="http://schemas.microsoft.com/office/drawing/2014/main" id="{E6CB1161-BACE-1BF8-35D3-4E47D908BF28}"/>
               </a:ext>
             </a:extLst>
           </p:cNvPr>
@@ -30728,7 +30689,7 @@
     </p:spTree>
     <p:extLst>
       <p:ext uri="{BB962C8B-B14F-4D97-AF65-F5344CB8AC3E}">
-        <p14:creationId xmlns:p14="http://schemas.microsoft.com/office/powerpoint/2010/main" val="3465950877"/>
+        <p14:creationId xmlns:p14="http://schemas.microsoft.com/office/powerpoint/2010/main" xmlns="" val="3465950877"/>
       </p:ext>
     </p:extLst>
   </p:cSld>
@@ -30770,7 +30731,7 @@
           <p:cNvPr id="2" name="Title 1">
             <a:extLst>
               <a:ext uri="{FF2B5EF4-FFF2-40B4-BE49-F238E27FC236}">
-                <a16:creationId xmlns:a16="http://schemas.microsoft.com/office/drawing/2014/main" xmlns="" id="{FE2E5896-1992-0F40-35B9-F5CDDCF57BEC}"/>
+                <a16:creationId xmlns="" xmlns:a16="http://schemas.microsoft.com/office/drawing/2014/main" id="{FE2E5896-1992-0F40-35B9-F5CDDCF57BEC}"/>
               </a:ext>
             </a:extLst>
           </p:cNvPr>
@@ -30803,7 +30764,7 @@
           <p:cNvPr id="4" name="Slide Number Placeholder 3">
             <a:extLst>
               <a:ext uri="{FF2B5EF4-FFF2-40B4-BE49-F238E27FC236}">
-                <a16:creationId xmlns:a16="http://schemas.microsoft.com/office/drawing/2014/main" xmlns="" id="{5ACC1CF0-F1F5-9D2F-8A36-956B0AC2DAA6}"/>
+                <a16:creationId xmlns="" xmlns:a16="http://schemas.microsoft.com/office/drawing/2014/main" id="{5ACC1CF0-F1F5-9D2F-8A36-956B0AC2DAA6}"/>
               </a:ext>
             </a:extLst>
           </p:cNvPr>
@@ -30833,7 +30794,7 @@
           <p:cNvPr id="5" name="Rectangle 2">
             <a:extLst>
               <a:ext uri="{FF2B5EF4-FFF2-40B4-BE49-F238E27FC236}">
-                <a16:creationId xmlns:a16="http://schemas.microsoft.com/office/drawing/2014/main" xmlns="" id="{5FA24598-7827-BAA5-CAA1-7465D53C5900}"/>
+                <a16:creationId xmlns="" xmlns:a16="http://schemas.microsoft.com/office/drawing/2014/main" id="{5FA24598-7827-BAA5-CAA1-7465D53C5900}"/>
               </a:ext>
             </a:extLst>
           </p:cNvPr>
@@ -30859,14 +30820,14 @@
           <a:effectLst/>
           <a:extLst>
             <a:ext uri="{909E8E84-426E-40DD-AFC4-6F175D3DCCD1}">
-              <a14:hiddenFill xmlns:a14="http://schemas.microsoft.com/office/drawing/2010/main">
+              <a14:hiddenFill xmlns:a14="http://schemas.microsoft.com/office/drawing/2010/main" xmlns="">
                 <a:solidFill>
                   <a:schemeClr val="accent1"/>
                 </a:solidFill>
               </a14:hiddenFill>
             </a:ext>
             <a:ext uri="{91240B29-F687-4F45-9708-019B960494DF}">
-              <a14:hiddenLine xmlns:a14="http://schemas.microsoft.com/office/drawing/2010/main" w="9525">
+              <a14:hiddenLine xmlns:a14="http://schemas.microsoft.com/office/drawing/2010/main" xmlns="" w="9525">
                 <a:solidFill>
                   <a:schemeClr val="tx1"/>
                 </a:solidFill>
@@ -30876,7 +30837,7 @@
               </a14:hiddenLine>
             </a:ext>
             <a:ext uri="{AF507438-7753-43E0-B8FC-AC1667EBCBE1}">
-              <a14:hiddenEffects xmlns:a14="http://schemas.microsoft.com/office/drawing/2010/main">
+              <a14:hiddenEffects xmlns:a14="http://schemas.microsoft.com/office/drawing/2010/main" xmlns="">
                 <a:effectLst>
                   <a:outerShdw dist="35921" dir="2700000" algn="ctr" rotWithShape="0">
                     <a:schemeClr val="bg2"/>
@@ -31925,7 +31886,7 @@
     </p:spTree>
     <p:extLst>
       <p:ext uri="{BB962C8B-B14F-4D97-AF65-F5344CB8AC3E}">
-        <p14:creationId xmlns:p14="http://schemas.microsoft.com/office/powerpoint/2010/main" val="1678775255"/>
+        <p14:creationId xmlns:p14="http://schemas.microsoft.com/office/powerpoint/2010/main" xmlns="" val="1678775255"/>
       </p:ext>
     </p:extLst>
   </p:cSld>
@@ -31967,7 +31928,7 @@
           <p:cNvPr id="2" name="Title 1">
             <a:extLst>
               <a:ext uri="{FF2B5EF4-FFF2-40B4-BE49-F238E27FC236}">
-                <a16:creationId xmlns:a16="http://schemas.microsoft.com/office/drawing/2014/main" xmlns="" id="{3A5014A6-8D59-B62A-CD41-FE7FECEF84C2}"/>
+                <a16:creationId xmlns="" xmlns:a16="http://schemas.microsoft.com/office/drawing/2014/main" id="{3A5014A6-8D59-B62A-CD41-FE7FECEF84C2}"/>
               </a:ext>
             </a:extLst>
           </p:cNvPr>
@@ -32000,7 +31961,7 @@
           <p:cNvPr id="6" name="Content Placeholder 5">
             <a:extLst>
               <a:ext uri="{FF2B5EF4-FFF2-40B4-BE49-F238E27FC236}">
-                <a16:creationId xmlns:a16="http://schemas.microsoft.com/office/drawing/2014/main" xmlns="" id="{CE617953-6F25-A1D9-90C2-14D9E6404DF8}"/>
+                <a16:creationId xmlns="" xmlns:a16="http://schemas.microsoft.com/office/drawing/2014/main" id="{CE617953-6F25-A1D9-90C2-14D9E6404DF8}"/>
               </a:ext>
             </a:extLst>
           </p:cNvPr>
@@ -32029,7 +31990,7 @@
           <p:cNvPr id="4" name="Slide Number Placeholder 3">
             <a:extLst>
               <a:ext uri="{FF2B5EF4-FFF2-40B4-BE49-F238E27FC236}">
-                <a16:creationId xmlns:a16="http://schemas.microsoft.com/office/drawing/2014/main" xmlns="" id="{AC636E0C-9D67-1830-AC57-18C97C08C2BC}"/>
+                <a16:creationId xmlns="" xmlns:a16="http://schemas.microsoft.com/office/drawing/2014/main" id="{AC636E0C-9D67-1830-AC57-18C97C08C2BC}"/>
               </a:ext>
             </a:extLst>
           </p:cNvPr>
@@ -32059,7 +32020,7 @@
           <p:cNvPr id="8" name="TextBox 7">
             <a:extLst>
               <a:ext uri="{FF2B5EF4-FFF2-40B4-BE49-F238E27FC236}">
-                <a16:creationId xmlns:a16="http://schemas.microsoft.com/office/drawing/2014/main" xmlns="" id="{BF9C4440-13B2-046E-B3D3-22FF65590D4B}"/>
+                <a16:creationId xmlns="" xmlns:a16="http://schemas.microsoft.com/office/drawing/2014/main" id="{BF9C4440-13B2-046E-B3D3-22FF65590D4B}"/>
               </a:ext>
             </a:extLst>
           </p:cNvPr>
@@ -32144,7 +32105,27 @@
                 <a:effectLst/>
                 <a:latin typeface="urw-din"/>
               </a:rPr>
-              <a:t> method in which the first two arguments are for range and the third one for step-wise increment. The result is a NumPy array.</a:t>
+              <a:t> method in which the first two arguments are for range and the third one for step-wise increment. The result is a </a:t>
+            </a:r>
+            <a:r>
+              <a:rPr lang="en-US" b="0" i="0" dirty="0" err="1">
+                <a:solidFill>
+                  <a:srgbClr val="273239"/>
+                </a:solidFill>
+                <a:effectLst/>
+                <a:latin typeface="urw-din"/>
+              </a:rPr>
+              <a:t>NumPy</a:t>
+            </a:r>
+            <a:r>
+              <a:rPr lang="en-US" b="0" i="0" dirty="0">
+                <a:solidFill>
+                  <a:srgbClr val="273239"/>
+                </a:solidFill>
+                <a:effectLst/>
+                <a:latin typeface="urw-din"/>
+              </a:rPr>
+              <a:t> array.</a:t>
             </a:r>
           </a:p>
           <a:p>
@@ -32163,24 +32144,34 @@
               <a:t>To get corresponding y-axis values, we simply use the predefined </a:t>
             </a:r>
             <a:r>
-              <a:rPr lang="en-US" b="1" i="0" dirty="0" err="1">
+              <a:rPr lang="en-US" b="1" i="0" dirty="0">
                 <a:solidFill>
                   <a:srgbClr val="273239"/>
                 </a:solidFill>
                 <a:effectLst/>
                 <a:latin typeface="urw-din"/>
               </a:rPr>
-              <a:t>np.sin</a:t>
-            </a:r>
-            <a:r>
-              <a:rPr lang="en-US" b="1" i="0" dirty="0">
+              <a:t>np.sin()</a:t>
+            </a:r>
+            <a:r>
+              <a:rPr lang="en-US" b="0" i="0" dirty="0">
                 <a:solidFill>
                   <a:srgbClr val="273239"/>
                 </a:solidFill>
                 <a:effectLst/>
                 <a:latin typeface="urw-din"/>
               </a:rPr>
-              <a:t>()</a:t>
+              <a:t> method on the </a:t>
+            </a:r>
+            <a:r>
+              <a:rPr lang="en-US" b="0" i="0" dirty="0" err="1">
+                <a:solidFill>
+                  <a:srgbClr val="273239"/>
+                </a:solidFill>
+                <a:effectLst/>
+                <a:latin typeface="urw-din"/>
+              </a:rPr>
+              <a:t>NumPy</a:t>
             </a:r>
             <a:r>
               <a:rPr lang="en-US" b="0" i="0" dirty="0">
@@ -32190,7 +32181,7 @@
                 <a:effectLst/>
                 <a:latin typeface="urw-din"/>
               </a:rPr>
-              <a:t> method on the NumPy array.</a:t>
+              <a:t> array.</a:t>
             </a:r>
           </a:p>
           <a:p>
@@ -32244,7 +32235,7 @@
     </p:spTree>
     <p:extLst>
       <p:ext uri="{BB962C8B-B14F-4D97-AF65-F5344CB8AC3E}">
-        <p14:creationId xmlns:p14="http://schemas.microsoft.com/office/powerpoint/2010/main" val="3106994763"/>
+        <p14:creationId xmlns:p14="http://schemas.microsoft.com/office/powerpoint/2010/main" xmlns="" val="3106994763"/>
       </p:ext>
     </p:extLst>
   </p:cSld>
@@ -32427,7 +32418,7 @@
     </p:spTree>
     <p:extLst>
       <p:ext uri="{BB962C8B-B14F-4D97-AF65-F5344CB8AC3E}">
-        <p14:creationId xmlns:p14="http://schemas.microsoft.com/office/powerpoint/2010/main" val="160138387"/>
+        <p14:creationId xmlns:p14="http://schemas.microsoft.com/office/powerpoint/2010/main" xmlns="" val="160138387"/>
       </p:ext>
     </p:extLst>
   </p:cSld>
@@ -32588,7 +32579,7 @@
     </p:spTree>
     <p:extLst>
       <p:ext uri="{BB962C8B-B14F-4D97-AF65-F5344CB8AC3E}">
-        <p14:creationId xmlns:p14="http://schemas.microsoft.com/office/powerpoint/2010/main" val="2407997134"/>
+        <p14:creationId xmlns:p14="http://schemas.microsoft.com/office/powerpoint/2010/main" xmlns="" val="2407997134"/>
       </p:ext>
     </p:extLst>
   </p:cSld>
@@ -32699,7 +32690,7 @@
     </p:spTree>
     <p:extLst>
       <p:ext uri="{BB962C8B-B14F-4D97-AF65-F5344CB8AC3E}">
-        <p14:creationId xmlns:p14="http://schemas.microsoft.com/office/powerpoint/2010/main" val="1316773092"/>
+        <p14:creationId xmlns:p14="http://schemas.microsoft.com/office/powerpoint/2010/main" xmlns="" val="1316773092"/>
       </p:ext>
     </p:extLst>
   </p:cSld>

--- a/ppt_m4/Module 4.pptx
+++ b/ppt_m4/Module 4.pptx
@@ -5,7 +5,7 @@
     <p:sldMasterId id="2147483672" r:id="rId1"/>
   </p:sldMasterIdLst>
   <p:notesMasterIdLst>
-    <p:notesMasterId r:id="rId69"/>
+    <p:notesMasterId r:id="rId67"/>
   </p:notesMasterIdLst>
   <p:sldIdLst>
     <p:sldId id="256" r:id="rId2"/>
@@ -72,9 +72,7 @@
     <p:sldId id="318" r:id="rId63"/>
     <p:sldId id="319" r:id="rId64"/>
     <p:sldId id="320" r:id="rId65"/>
-    <p:sldId id="322" r:id="rId66"/>
-    <p:sldId id="324" r:id="rId67"/>
-    <p:sldId id="323" r:id="rId68"/>
+    <p:sldId id="323" r:id="rId66"/>
   </p:sldIdLst>
   <p:sldSz cx="9144000" cy="6858000" type="screen4x3"/>
   <p:notesSz cx="6858000" cy="9144000"/>
@@ -175,7 +173,7 @@
   </p:defaultTextStyle>
   <p:extLst>
     <p:ext uri="{EFAFB233-063F-42B5-8137-9DF3F51BA10A}">
-      <p15:sldGuideLst xmlns:p15="http://schemas.microsoft.com/office/powerpoint/2012/main" xmlns="">
+      <p15:sldGuideLst xmlns="" xmlns:p15="http://schemas.microsoft.com/office/powerpoint/2012/main">
         <p15:guide id="1" orient="horz" pos="2160">
           <p15:clr>
             <a:srgbClr val="A4A3A4"/>
@@ -275,7 +273,7 @@
             <a:fld id="{5E684183-F63B-429B-A8D4-73DE6625D228}" type="datetimeFigureOut">
               <a:rPr lang="en-US" smtClean="0"/>
               <a:pPr/>
-              <a:t>7/2/2023</a:t>
+              <a:t>8/6/2023</a:t>
             </a:fld>
             <a:endParaRPr lang="en-US"/>
           </a:p>
@@ -445,7 +443,7 @@
     </p:spTree>
     <p:extLst>
       <p:ext uri="{BB962C8B-B14F-4D97-AF65-F5344CB8AC3E}">
-        <p14:creationId xmlns:p14="http://schemas.microsoft.com/office/powerpoint/2010/main" xmlns="" val="3595112096"/>
+        <p14:creationId xmlns="" xmlns:p14="http://schemas.microsoft.com/office/powerpoint/2010/main" val="3595112096"/>
       </p:ext>
     </p:extLst>
   </p:cSld>
@@ -913,7 +911,7 @@
     </p:spTree>
     <p:extLst>
       <p:ext uri="{BB962C8B-B14F-4D97-AF65-F5344CB8AC3E}">
-        <p14:creationId xmlns:p14="http://schemas.microsoft.com/office/powerpoint/2010/main" xmlns="" val="1397272689"/>
+        <p14:creationId xmlns="" xmlns:p14="http://schemas.microsoft.com/office/powerpoint/2010/main" val="1397272689"/>
       </p:ext>
     </p:extLst>
   </p:cSld>
@@ -1000,225 +998,7 @@
     </p:spTree>
     <p:extLst>
       <p:ext uri="{BB962C8B-B14F-4D97-AF65-F5344CB8AC3E}">
-        <p14:creationId xmlns:p14="http://schemas.microsoft.com/office/powerpoint/2010/main" xmlns="" val="3507484204"/>
-      </p:ext>
-    </p:extLst>
-  </p:cSld>
-  <p:clrMapOvr>
-    <a:masterClrMapping/>
-  </p:clrMapOvr>
-</p:notes>
-</file>
-
-<file path=ppt/notesSlides/notesSlide3.xml><?xml version="1.0" encoding="utf-8"?>
-<p:notes xmlns:a="http://schemas.openxmlformats.org/drawingml/2006/main" xmlns:r="http://schemas.openxmlformats.org/officeDocument/2006/relationships" xmlns:p="http://schemas.openxmlformats.org/presentationml/2006/main" showMasterSp="0" showMasterPhAnim="0">
-  <p:cSld>
-    <p:spTree>
-      <p:nvGrpSpPr>
-        <p:cNvPr id="1" name="Shape 225"/>
-        <p:cNvGrpSpPr/>
-        <p:nvPr/>
-      </p:nvGrpSpPr>
-      <p:grpSpPr>
-        <a:xfrm>
-          <a:off x="0" y="0"/>
-          <a:ext cx="0" cy="0"/>
-          <a:chOff x="0" y="0"/>
-          <a:chExt cx="0" cy="0"/>
-        </a:xfrm>
-      </p:grpSpPr>
-      <p:sp>
-        <p:nvSpPr>
-          <p:cNvPr id="226" name="Google Shape;226;g70e3186832_0_7:notes"/>
-          <p:cNvSpPr>
-            <a:spLocks noGrp="1" noRot="1" noChangeAspect="1"/>
-          </p:cNvSpPr>
-          <p:nvPr>
-            <p:ph type="sldImg" idx="2"/>
-          </p:nvPr>
-        </p:nvSpPr>
-        <p:spPr>
-          <a:xfrm>
-            <a:off x="1143000" y="685800"/>
-            <a:ext cx="4572000" cy="3429000"/>
-          </a:xfrm>
-          <a:custGeom>
-            <a:avLst/>
-            <a:gdLst/>
-            <a:ahLst/>
-            <a:cxnLst/>
-            <a:rect l="l" t="t" r="r" b="b"/>
-            <a:pathLst>
-              <a:path w="120000" h="120000" extrusionOk="0">
-                <a:moveTo>
-                  <a:pt x="0" y="0"/>
-                </a:moveTo>
-                <a:lnTo>
-                  <a:pt x="120000" y="0"/>
-                </a:lnTo>
-                <a:lnTo>
-                  <a:pt x="120000" y="120000"/>
-                </a:lnTo>
-                <a:lnTo>
-                  <a:pt x="0" y="120000"/>
-                </a:lnTo>
-                <a:close/>
-              </a:path>
-            </a:pathLst>
-          </a:custGeom>
-        </p:spPr>
-      </p:sp>
-      <p:sp>
-        <p:nvSpPr>
-          <p:cNvPr id="227" name="Google Shape;227;g70e3186832_0_7:notes"/>
-          <p:cNvSpPr txBox="1">
-            <a:spLocks noGrp="1"/>
-          </p:cNvSpPr>
-          <p:nvPr>
-            <p:ph type="body" idx="1"/>
-          </p:nvPr>
-        </p:nvSpPr>
-        <p:spPr>
-          <a:xfrm>
-            <a:off x="685800" y="4343400"/>
-            <a:ext cx="5486400" cy="4114800"/>
-          </a:xfrm>
-          <a:prstGeom prst="rect">
-            <a:avLst/>
-          </a:prstGeom>
-        </p:spPr>
-        <p:txBody>
-          <a:bodyPr spcFirstLastPara="1" wrap="square" lIns="91425" tIns="91425" rIns="91425" bIns="91425" anchor="t" anchorCtr="0">
-            <a:noAutofit/>
-          </a:bodyPr>
-          <a:lstStyle/>
-          <a:p>
-            <a:pPr marL="0" lvl="0" indent="0" algn="l" rtl="0">
-              <a:spcBef>
-                <a:spcPts val="0"/>
-              </a:spcBef>
-              <a:spcAft>
-                <a:spcPts val="0"/>
-              </a:spcAft>
-              <a:buNone/>
-            </a:pPr>
-            <a:endParaRPr/>
-          </a:p>
-        </p:txBody>
-      </p:sp>
-    </p:spTree>
-    <p:extLst>
-      <p:ext uri="{BB962C8B-B14F-4D97-AF65-F5344CB8AC3E}">
-        <p14:creationId xmlns:p14="http://schemas.microsoft.com/office/powerpoint/2010/main" xmlns="" val="1131775709"/>
-      </p:ext>
-    </p:extLst>
-  </p:cSld>
-  <p:clrMapOvr>
-    <a:masterClrMapping/>
-  </p:clrMapOvr>
-</p:notes>
-</file>
-
-<file path=ppt/notesSlides/notesSlide4.xml><?xml version="1.0" encoding="utf-8"?>
-<p:notes xmlns:a="http://schemas.openxmlformats.org/drawingml/2006/main" xmlns:r="http://schemas.openxmlformats.org/officeDocument/2006/relationships" xmlns:p="http://schemas.openxmlformats.org/presentationml/2006/main" showMasterSp="0" showMasterPhAnim="0">
-  <p:cSld>
-    <p:spTree>
-      <p:nvGrpSpPr>
-        <p:cNvPr id="1" name="Shape 225"/>
-        <p:cNvGrpSpPr/>
-        <p:nvPr/>
-      </p:nvGrpSpPr>
-      <p:grpSpPr>
-        <a:xfrm>
-          <a:off x="0" y="0"/>
-          <a:ext cx="0" cy="0"/>
-          <a:chOff x="0" y="0"/>
-          <a:chExt cx="0" cy="0"/>
-        </a:xfrm>
-      </p:grpSpPr>
-      <p:sp>
-        <p:nvSpPr>
-          <p:cNvPr id="226" name="Google Shape;226;g70e3186832_0_7:notes"/>
-          <p:cNvSpPr>
-            <a:spLocks noGrp="1" noRot="1" noChangeAspect="1"/>
-          </p:cNvSpPr>
-          <p:nvPr>
-            <p:ph type="sldImg" idx="2"/>
-          </p:nvPr>
-        </p:nvSpPr>
-        <p:spPr>
-          <a:xfrm>
-            <a:off x="1143000" y="685800"/>
-            <a:ext cx="4572000" cy="3429000"/>
-          </a:xfrm>
-          <a:custGeom>
-            <a:avLst/>
-            <a:gdLst/>
-            <a:ahLst/>
-            <a:cxnLst/>
-            <a:rect l="l" t="t" r="r" b="b"/>
-            <a:pathLst>
-              <a:path w="120000" h="120000" extrusionOk="0">
-                <a:moveTo>
-                  <a:pt x="0" y="0"/>
-                </a:moveTo>
-                <a:lnTo>
-                  <a:pt x="120000" y="0"/>
-                </a:lnTo>
-                <a:lnTo>
-                  <a:pt x="120000" y="120000"/>
-                </a:lnTo>
-                <a:lnTo>
-                  <a:pt x="0" y="120000"/>
-                </a:lnTo>
-                <a:close/>
-              </a:path>
-            </a:pathLst>
-          </a:custGeom>
-        </p:spPr>
-      </p:sp>
-      <p:sp>
-        <p:nvSpPr>
-          <p:cNvPr id="227" name="Google Shape;227;g70e3186832_0_7:notes"/>
-          <p:cNvSpPr txBox="1">
-            <a:spLocks noGrp="1"/>
-          </p:cNvSpPr>
-          <p:nvPr>
-            <p:ph type="body" idx="1"/>
-          </p:nvPr>
-        </p:nvSpPr>
-        <p:spPr>
-          <a:xfrm>
-            <a:off x="685800" y="4343400"/>
-            <a:ext cx="5486400" cy="4114800"/>
-          </a:xfrm>
-          <a:prstGeom prst="rect">
-            <a:avLst/>
-          </a:prstGeom>
-        </p:spPr>
-        <p:txBody>
-          <a:bodyPr spcFirstLastPara="1" wrap="square" lIns="91425" tIns="91425" rIns="91425" bIns="91425" anchor="t" anchorCtr="0">
-            <a:noAutofit/>
-          </a:bodyPr>
-          <a:lstStyle/>
-          <a:p>
-            <a:pPr marL="0" lvl="0" indent="0" algn="l" rtl="0">
-              <a:spcBef>
-                <a:spcPts val="0"/>
-              </a:spcBef>
-              <a:spcAft>
-                <a:spcPts val="0"/>
-              </a:spcAft>
-              <a:buNone/>
-            </a:pPr>
-            <a:endParaRPr/>
-          </a:p>
-        </p:txBody>
-      </p:sp>
-    </p:spTree>
-    <p:extLst>
-      <p:ext uri="{BB962C8B-B14F-4D97-AF65-F5344CB8AC3E}">
-        <p14:creationId xmlns:p14="http://schemas.microsoft.com/office/powerpoint/2010/main" xmlns="" val="1472009109"/>
+        <p14:creationId xmlns="" xmlns:p14="http://schemas.microsoft.com/office/powerpoint/2010/main" val="3507484204"/>
       </p:ext>
     </p:extLst>
   </p:cSld>
@@ -1359,7 +1139,7 @@
             <a:fld id="{2B638D4C-5CA7-43AB-9935-9FA57582368D}" type="datetime1">
               <a:rPr lang="en-US" smtClean="0"/>
               <a:pPr/>
-              <a:t>7/2/2023</a:t>
+              <a:t>8/6/2023</a:t>
             </a:fld>
             <a:endParaRPr lang="en-US"/>
           </a:p>
@@ -2232,7 +2012,7 @@
             <a:fld id="{786222AF-38C2-43AB-A7CB-2FCC33FA986D}" type="datetime1">
               <a:rPr lang="en-US" smtClean="0"/>
               <a:pPr/>
-              <a:t>7/2/2023</a:t>
+              <a:t>8/6/2023</a:t>
             </a:fld>
             <a:endParaRPr lang="en-US"/>
           </a:p>
@@ -2411,7 +2191,7 @@
             <a:fld id="{3FD75FB9-98E3-480F-9F66-43BD788B7ED1}" type="datetime1">
               <a:rPr lang="en-US" smtClean="0"/>
               <a:pPr/>
-              <a:t>7/2/2023</a:t>
+              <a:t>8/6/2023</a:t>
             </a:fld>
             <a:endParaRPr lang="en-US"/>
           </a:p>
@@ -3036,7 +2816,7 @@
     </p:spTree>
     <p:extLst>
       <p:ext uri="{BB962C8B-B14F-4D97-AF65-F5344CB8AC3E}">
-        <p14:creationId xmlns:p14="http://schemas.microsoft.com/office/powerpoint/2010/main" xmlns="" val="1314520147"/>
+        <p14:creationId xmlns="" xmlns:p14="http://schemas.microsoft.com/office/powerpoint/2010/main" val="1314520147"/>
       </p:ext>
     </p:extLst>
   </p:cSld>
@@ -3160,7 +2940,7 @@
             <a:fld id="{575F3701-36F3-4A68-B5C1-240C4EB6EC88}" type="datetime1">
               <a:rPr lang="en-US" smtClean="0"/>
               <a:pPr/>
-              <a:t>7/2/2023</a:t>
+              <a:t>8/6/2023</a:t>
             </a:fld>
             <a:endParaRPr lang="en-US"/>
           </a:p>
@@ -3369,7 +3149,7 @@
             <a:fld id="{5532E152-E3E8-4CDD-885B-73F5AAEA2CF9}" type="datetime1">
               <a:rPr lang="en-US" smtClean="0"/>
               <a:pPr/>
-              <a:t>7/2/2023</a:t>
+              <a:t>8/6/2023</a:t>
             </a:fld>
             <a:endParaRPr lang="en-US"/>
           </a:p>
@@ -4187,7 +3967,7 @@
             <a:fld id="{B5CEDF4A-AE48-4140-98D2-AB131868351C}" type="datetime1">
               <a:rPr lang="en-US" smtClean="0"/>
               <a:pPr/>
-              <a:t>7/2/2023</a:t>
+              <a:t>8/6/2023</a:t>
             </a:fld>
             <a:endParaRPr lang="en-US"/>
           </a:p>
@@ -4427,7 +4207,7 @@
             <a:fld id="{9396337B-237F-4817-AF59-0B39841E12F0}" type="datetime1">
               <a:rPr lang="en-US" smtClean="0"/>
               <a:pPr/>
-              <a:t>7/2/2023</a:t>
+              <a:t>8/6/2023</a:t>
             </a:fld>
             <a:endParaRPr lang="en-US"/>
           </a:p>
@@ -4754,7 +4534,7 @@
             <a:fld id="{9BC4F7E1-528E-4F8D-8379-57FE65B2A64C}" type="datetime1">
               <a:rPr lang="en-US" smtClean="0"/>
               <a:pPr/>
-              <a:t>7/2/2023</a:t>
+              <a:t>8/6/2023</a:t>
             </a:fld>
             <a:endParaRPr lang="en-US"/>
           </a:p>
@@ -4849,7 +4629,7 @@
             <a:fld id="{7C1EF07C-2FA2-4B29-8D32-45F9180B8CB4}" type="datetime1">
               <a:rPr lang="en-US" smtClean="0"/>
               <a:pPr/>
-              <a:t>7/2/2023</a:t>
+              <a:t>8/6/2023</a:t>
             </a:fld>
             <a:endParaRPr lang="en-US"/>
           </a:p>
@@ -5365,7 +5145,7 @@
             <a:fld id="{DEA2A67F-461C-4388-9024-6299C395E0BE}" type="datetime1">
               <a:rPr lang="en-US" smtClean="0"/>
               <a:pPr/>
-              <a:t>7/2/2023</a:t>
+              <a:t>8/6/2023</a:t>
             </a:fld>
             <a:endParaRPr lang="en-US"/>
           </a:p>
@@ -5880,7 +5660,7 @@
             <a:fld id="{128B7D37-2026-44A7-B82B-C97ACB3C7E83}" type="datetime1">
               <a:rPr lang="en-US" smtClean="0"/>
               <a:pPr/>
-              <a:t>7/2/2023</a:t>
+              <a:t>8/6/2023</a:t>
             </a:fld>
             <a:endParaRPr lang="en-US"/>
           </a:p>
@@ -6131,7 +5911,7 @@
             <a:fld id="{24A19150-C038-42D8-871B-2242FF05250E}" type="datetime1">
               <a:rPr lang="en-US" smtClean="0"/>
               <a:pPr/>
-              <a:t>7/2/2023</a:t>
+              <a:t>8/6/2023</a:t>
             </a:fld>
             <a:endParaRPr lang="en-US"/>
           </a:p>
@@ -6754,7 +6534,7 @@
           <a:blip r:embed="rId2">
             <a:extLst>
               <a:ext uri="{28A0092B-C50C-407E-A947-70E740481C1C}">
-                <a14:useLocalDpi xmlns:a14="http://schemas.microsoft.com/office/drawing/2010/main" xmlns="" val="0"/>
+                <a14:useLocalDpi xmlns="" xmlns:a14="http://schemas.microsoft.com/office/drawing/2010/main" val="0"/>
               </a:ext>
             </a:extLst>
           </a:blip>
@@ -6774,7 +6554,7 @@
           <a:noFill/>
           <a:extLst>
             <a:ext uri="{909E8E84-426E-40DD-AFC4-6F175D3DCCD1}">
-              <a14:hiddenFill xmlns:a14="http://schemas.microsoft.com/office/drawing/2010/main" xmlns="">
+              <a14:hiddenFill xmlns="" xmlns:a14="http://schemas.microsoft.com/office/drawing/2010/main">
                 <a:solidFill>
                   <a:srgbClr val="FFFFFF"/>
                 </a:solidFill>
@@ -7381,21 +7161,64 @@
                 <a:latin typeface="Times New Roman" pitchFamily="18" charset="0"/>
                 <a:cs typeface="Times New Roman" pitchFamily="18" charset="0"/>
               </a:rPr>
-              <a:t>A </a:t>
+              <a:t>A tuple whose elements give the lengths of the corresponding array dimensions. </a:t>
+            </a:r>
+            <a:endParaRPr lang="en-US" dirty="0" smtClean="0">
+              <a:latin typeface="Times New Roman" pitchFamily="18" charset="0"/>
+              <a:cs typeface="Times New Roman" pitchFamily="18" charset="0"/>
+            </a:endParaRPr>
+          </a:p>
+          <a:p>
+            <a:endParaRPr lang="en-US" dirty="0">
+              <a:latin typeface="Times New Roman" pitchFamily="18" charset="0"/>
+              <a:cs typeface="Times New Roman" pitchFamily="18" charset="0"/>
+            </a:endParaRPr>
+          </a:p>
+          <a:p>
+            <a:pPr>
+              <a:buNone/>
+            </a:pPr>
+            <a:r>
+              <a:rPr lang="en-US" dirty="0"/>
+              <a:t>Ex6:</a:t>
+            </a:r>
+          </a:p>
+          <a:p>
+            <a:pPr>
+              <a:buNone/>
+            </a:pPr>
+            <a:r>
+              <a:rPr lang="en-US" dirty="0"/>
+              <a:t>#find the shape of array</a:t>
+            </a:r>
+          </a:p>
+          <a:p>
+            <a:pPr>
+              <a:buNone/>
+            </a:pPr>
+            <a:r>
+              <a:rPr lang="en-US" dirty="0">
+                <a:solidFill>
+                  <a:srgbClr val="FFC000"/>
+                </a:solidFill>
+              </a:rPr>
+              <a:t>arr1 = </a:t>
             </a:r>
             <a:r>
               <a:rPr lang="en-US" dirty="0" err="1">
-                <a:latin typeface="Times New Roman" pitchFamily="18" charset="0"/>
-                <a:cs typeface="Times New Roman" pitchFamily="18" charset="0"/>
-              </a:rPr>
-              <a:t>tuple</a:t>
+                <a:solidFill>
+                  <a:srgbClr val="FFC000"/>
+                </a:solidFill>
+              </a:rPr>
+              <a:t>npy.array</a:t>
             </a:r>
             <a:r>
               <a:rPr lang="en-US" dirty="0">
-                <a:latin typeface="Times New Roman" pitchFamily="18" charset="0"/>
-                <a:cs typeface="Times New Roman" pitchFamily="18" charset="0"/>
-              </a:rPr>
-              <a:t> whose elements give the lengths of the corresponding array dimensions. </a:t>
+                <a:solidFill>
+                  <a:srgbClr val="FFC000"/>
+                </a:solidFill>
+              </a:rPr>
+              <a:t>([1, 3, 5, 7])</a:t>
             </a:r>
           </a:p>
           <a:p>
@@ -7403,64 +7226,27 @@
               <a:buNone/>
             </a:pPr>
             <a:r>
-              <a:rPr lang="en-US" dirty="0"/>
-              <a:t>Ex6:</a:t>
+              <a:rPr lang="en-US" dirty="0">
+                <a:solidFill>
+                  <a:srgbClr val="FFC000"/>
+                </a:solidFill>
+              </a:rPr>
+              <a:t>print(arr1.shape</a:t>
+            </a:r>
+            <a:r>
+              <a:rPr lang="en-US" dirty="0" smtClean="0">
+                <a:solidFill>
+                  <a:srgbClr val="FFC000"/>
+                </a:solidFill>
+              </a:rPr>
+              <a:t>)</a:t>
             </a:r>
           </a:p>
           <a:p>
             <a:pPr>
               <a:buNone/>
             </a:pPr>
-            <a:r>
-              <a:rPr lang="en-US" dirty="0"/>
-              <a:t>#find the shape of array</a:t>
-            </a:r>
-          </a:p>
-          <a:p>
-            <a:pPr>
-              <a:buNone/>
-            </a:pPr>
-            <a:r>
-              <a:rPr lang="en-US" dirty="0">
-                <a:solidFill>
-                  <a:srgbClr val="FFC000"/>
-                </a:solidFill>
-              </a:rPr>
-              <a:t>arr1 = </a:t>
-            </a:r>
-            <a:r>
-              <a:rPr lang="en-US" dirty="0" err="1">
-                <a:solidFill>
-                  <a:srgbClr val="FFC000"/>
-                </a:solidFill>
-              </a:rPr>
-              <a:t>npy.array</a:t>
-            </a:r>
-            <a:r>
-              <a:rPr lang="en-US" dirty="0">
-                <a:solidFill>
-                  <a:srgbClr val="FFC000"/>
-                </a:solidFill>
-              </a:rPr>
-              <a:t>([1, 3, 5, 7])</a:t>
-            </a:r>
-          </a:p>
-          <a:p>
-            <a:pPr>
-              <a:buNone/>
-            </a:pPr>
-            <a:r>
-              <a:rPr lang="en-US" dirty="0">
-                <a:solidFill>
-                  <a:srgbClr val="FFC000"/>
-                </a:solidFill>
-              </a:rPr>
-              <a:t>print(arr1.shape</a:t>
-            </a:r>
-            <a:r>
-              <a:rPr lang="en-US" dirty="0"/>
-              <a:t>)</a:t>
-            </a:r>
+            <a:endParaRPr lang="en-US" dirty="0"/>
           </a:p>
           <a:p>
             <a:pPr>
@@ -7587,18 +7373,18 @@
         </p:nvSpPr>
         <p:spPr>
           <a:xfrm>
-            <a:off x="457200" y="609600"/>
-            <a:ext cx="8229600" cy="5699760"/>
+            <a:off x="381000" y="304800"/>
+            <a:ext cx="8458200" cy="6248400"/>
           </a:xfrm>
         </p:spPr>
         <p:txBody>
           <a:bodyPr>
-            <a:normAutofit fontScale="40000" lnSpcReduction="20000"/>
+            <a:noAutofit/>
           </a:bodyPr>
           <a:lstStyle/>
           <a:p>
             <a:r>
-              <a:rPr lang="en-US" sz="3600" dirty="0"/>
+              <a:rPr lang="en-US" sz="1800" dirty="0"/>
               <a:t>Besides creating an array from a sequence of elements, you can easily create an array filled with 0’s:</a:t>
             </a:r>
           </a:p>
@@ -7607,27 +7393,27 @@
               <a:buNone/>
             </a:pPr>
             <a:r>
-              <a:rPr lang="en-US" sz="3600" dirty="0"/>
+              <a:rPr lang="en-US" sz="1800" dirty="0"/>
               <a:t>&gt;&gt;&gt; </a:t>
             </a:r>
             <a:r>
-              <a:rPr lang="en-US" sz="3600" dirty="0" err="1"/>
+              <a:rPr lang="en-US" sz="1800" dirty="0" err="1"/>
               <a:t>np</a:t>
             </a:r>
             <a:r>
-              <a:rPr lang="en-US" sz="3600" b="1" dirty="0" err="1"/>
+              <a:rPr lang="en-US" sz="1800" b="1" dirty="0" err="1"/>
               <a:t>.</a:t>
             </a:r>
             <a:r>
-              <a:rPr lang="en-US" sz="3600" dirty="0" err="1"/>
+              <a:rPr lang="en-US" sz="1800" dirty="0" err="1"/>
               <a:t>zeros</a:t>
             </a:r>
             <a:r>
-              <a:rPr lang="en-US" sz="3600" b="1" dirty="0"/>
+              <a:rPr lang="en-US" sz="1800" b="1" dirty="0"/>
               <a:t>(2)</a:t>
             </a:r>
             <a:r>
-              <a:rPr lang="en-US" sz="3600" dirty="0"/>
+              <a:rPr lang="en-US" sz="1800" dirty="0"/>
               <a:t> </a:t>
             </a:r>
           </a:p>
@@ -7636,8 +7422,12 @@
               <a:buNone/>
             </a:pPr>
             <a:r>
-              <a:rPr lang="en-US" sz="3600" dirty="0"/>
-              <a:t>Output:</a:t>
+              <a:rPr lang="en-US" sz="1800" b="1" dirty="0"/>
+              <a:t>Output</a:t>
+            </a:r>
+            <a:r>
+              <a:rPr lang="en-US" sz="1800" dirty="0"/>
+              <a:t>:</a:t>
             </a:r>
           </a:p>
           <a:p>
@@ -7645,17 +7435,17 @@
               <a:buNone/>
             </a:pPr>
             <a:r>
-              <a:rPr lang="en-US" sz="3600" i="1" dirty="0"/>
+              <a:rPr lang="en-US" sz="1800" i="1" dirty="0"/>
               <a:t>array([0., 0.])</a:t>
             </a:r>
             <a:r>
-              <a:rPr lang="en-US" sz="3600" dirty="0"/>
+              <a:rPr lang="en-US" sz="1800" dirty="0"/>
               <a:t> </a:t>
             </a:r>
           </a:p>
           <a:p>
             <a:r>
-              <a:rPr lang="en-US" sz="3600" dirty="0"/>
+              <a:rPr lang="en-US" sz="1800" dirty="0"/>
               <a:t>Or an array filled with 1’s:</a:t>
             </a:r>
           </a:p>
@@ -7664,27 +7454,27 @@
               <a:buNone/>
             </a:pPr>
             <a:r>
-              <a:rPr lang="en-US" sz="3600" dirty="0"/>
+              <a:rPr lang="en-US" sz="1800" dirty="0"/>
               <a:t>&gt;&gt;&gt; </a:t>
             </a:r>
             <a:r>
-              <a:rPr lang="en-US" sz="3600" dirty="0" err="1"/>
+              <a:rPr lang="en-US" sz="1800" dirty="0" err="1"/>
               <a:t>np</a:t>
             </a:r>
             <a:r>
-              <a:rPr lang="en-US" sz="3600" b="1" dirty="0" err="1"/>
+              <a:rPr lang="en-US" sz="1800" b="1" dirty="0" err="1"/>
               <a:t>.</a:t>
             </a:r>
             <a:r>
-              <a:rPr lang="en-US" sz="3600" dirty="0" err="1"/>
+              <a:rPr lang="en-US" sz="1800" dirty="0" err="1"/>
               <a:t>ones</a:t>
             </a:r>
             <a:r>
-              <a:rPr lang="en-US" sz="3600" b="1" dirty="0"/>
+              <a:rPr lang="en-US" sz="1800" b="1" dirty="0"/>
               <a:t>(2)</a:t>
             </a:r>
             <a:r>
-              <a:rPr lang="en-US" sz="3600" dirty="0"/>
+              <a:rPr lang="en-US" sz="1800" dirty="0"/>
               <a:t> </a:t>
             </a:r>
           </a:p>
@@ -7693,8 +7483,12 @@
               <a:buNone/>
             </a:pPr>
             <a:r>
-              <a:rPr lang="en-US" sz="3600" dirty="0"/>
-              <a:t>Output:</a:t>
+              <a:rPr lang="en-US" sz="1800" b="1" dirty="0"/>
+              <a:t>Output</a:t>
+            </a:r>
+            <a:r>
+              <a:rPr lang="en-US" sz="1800" dirty="0"/>
+              <a:t>:</a:t>
             </a:r>
           </a:p>
           <a:p>
@@ -7702,17 +7496,17 @@
               <a:buNone/>
             </a:pPr>
             <a:r>
-              <a:rPr lang="en-US" sz="3600" i="1" dirty="0"/>
+              <a:rPr lang="en-US" sz="1800" i="1" dirty="0"/>
               <a:t>array([1., 1.])</a:t>
             </a:r>
             <a:r>
-              <a:rPr lang="en-US" sz="3600" dirty="0"/>
+              <a:rPr lang="en-US" sz="1800" dirty="0"/>
               <a:t> </a:t>
             </a:r>
           </a:p>
           <a:p>
             <a:r>
-              <a:rPr lang="en-US" sz="3600" dirty="0"/>
+              <a:rPr lang="en-US" sz="1800" dirty="0"/>
               <a:t>You can create an array with a range of elements:</a:t>
             </a:r>
           </a:p>
@@ -7721,27 +7515,27 @@
               <a:buNone/>
             </a:pPr>
             <a:r>
-              <a:rPr lang="en-US" sz="3600" dirty="0"/>
+              <a:rPr lang="en-US" sz="1800" dirty="0"/>
               <a:t>&gt;&gt;&gt; </a:t>
             </a:r>
             <a:r>
-              <a:rPr lang="en-US" sz="3600" dirty="0" err="1"/>
+              <a:rPr lang="en-US" sz="1800" dirty="0" err="1"/>
               <a:t>np</a:t>
             </a:r>
             <a:r>
-              <a:rPr lang="en-US" sz="3600" b="1" dirty="0" err="1"/>
+              <a:rPr lang="en-US" sz="1800" b="1" dirty="0" err="1"/>
               <a:t>.</a:t>
             </a:r>
             <a:r>
-              <a:rPr lang="en-US" sz="3600" dirty="0" err="1"/>
+              <a:rPr lang="en-US" sz="1800" dirty="0" err="1"/>
               <a:t>arange</a:t>
             </a:r>
             <a:r>
-              <a:rPr lang="en-US" sz="3600" b="1" dirty="0"/>
+              <a:rPr lang="en-US" sz="1800" b="1" dirty="0"/>
               <a:t>(4)</a:t>
             </a:r>
             <a:r>
-              <a:rPr lang="en-US" sz="3600" dirty="0"/>
+              <a:rPr lang="en-US" sz="1800" dirty="0"/>
               <a:t> </a:t>
             </a:r>
           </a:p>
@@ -7750,8 +7544,12 @@
               <a:buNone/>
             </a:pPr>
             <a:r>
-              <a:rPr lang="en-US" sz="3600" i="1" dirty="0"/>
-              <a:t>Output:</a:t>
+              <a:rPr lang="en-US" sz="1800" b="1" i="1" dirty="0"/>
+              <a:t>Output</a:t>
+            </a:r>
+            <a:r>
+              <a:rPr lang="en-US" sz="1800" i="1" dirty="0"/>
+              <a:t>:</a:t>
             </a:r>
           </a:p>
           <a:p>
@@ -7759,37 +7557,37 @@
               <a:buNone/>
             </a:pPr>
             <a:r>
-              <a:rPr lang="en-US" sz="3600" i="1" dirty="0"/>
+              <a:rPr lang="en-US" sz="1800" i="1" dirty="0"/>
               <a:t>array([0, 1, 2, 3])</a:t>
             </a:r>
           </a:p>
           <a:p>
             <a:r>
-              <a:rPr lang="en-US" sz="3600" dirty="0"/>
+              <a:rPr lang="en-US" sz="1800" dirty="0"/>
               <a:t>And even an array that contains a range of evenly spaced intervals. To do this, you will specify the </a:t>
             </a:r>
             <a:r>
-              <a:rPr lang="en-US" sz="3600" b="1" dirty="0"/>
+              <a:rPr lang="en-US" sz="1800" b="1" dirty="0"/>
               <a:t>first number</a:t>
             </a:r>
             <a:r>
-              <a:rPr lang="en-US" sz="3600" dirty="0"/>
+              <a:rPr lang="en-US" sz="1800" dirty="0"/>
               <a:t>, </a:t>
             </a:r>
             <a:r>
-              <a:rPr lang="en-US" sz="3600" b="1" dirty="0"/>
+              <a:rPr lang="en-US" sz="1800" b="1" dirty="0"/>
               <a:t>last number</a:t>
             </a:r>
             <a:r>
-              <a:rPr lang="en-US" sz="3600" dirty="0"/>
+              <a:rPr lang="en-US" sz="1800" dirty="0"/>
               <a:t>, and the </a:t>
             </a:r>
             <a:r>
-              <a:rPr lang="en-US" sz="3600" b="1" dirty="0"/>
+              <a:rPr lang="en-US" sz="1800" b="1" dirty="0"/>
               <a:t>step size</a:t>
             </a:r>
             <a:r>
-              <a:rPr lang="en-US" sz="3600" dirty="0"/>
+              <a:rPr lang="en-US" sz="1800" dirty="0"/>
               <a:t>.</a:t>
             </a:r>
           </a:p>
@@ -7798,43 +7596,43 @@
               <a:buNone/>
             </a:pPr>
             <a:r>
-              <a:rPr lang="en-US" sz="3600" dirty="0"/>
+              <a:rPr lang="en-US" sz="1800" dirty="0"/>
               <a:t>&gt;&gt;&gt; </a:t>
             </a:r>
             <a:r>
-              <a:rPr lang="en-US" sz="3600" dirty="0" err="1"/>
+              <a:rPr lang="en-US" sz="1800" dirty="0" err="1"/>
               <a:t>np</a:t>
             </a:r>
             <a:r>
-              <a:rPr lang="en-US" sz="3600" b="1" dirty="0" err="1"/>
+              <a:rPr lang="en-US" sz="1800" b="1" dirty="0" err="1"/>
               <a:t>.</a:t>
             </a:r>
             <a:r>
-              <a:rPr lang="en-US" sz="3600" dirty="0" err="1"/>
+              <a:rPr lang="en-US" sz="1800" dirty="0" err="1"/>
               <a:t>arange</a:t>
             </a:r>
             <a:r>
-              <a:rPr lang="en-US" sz="3600" b="1" dirty="0"/>
+              <a:rPr lang="en-US" sz="1800" b="1" dirty="0"/>
               <a:t>(2,</a:t>
             </a:r>
             <a:r>
-              <a:rPr lang="en-US" sz="3600" dirty="0"/>
+              <a:rPr lang="en-US" sz="1800" dirty="0"/>
               <a:t> </a:t>
             </a:r>
             <a:r>
-              <a:rPr lang="en-US" sz="3600" b="1" dirty="0"/>
+              <a:rPr lang="en-US" sz="1800" b="1" dirty="0"/>
               <a:t>9,</a:t>
             </a:r>
             <a:r>
-              <a:rPr lang="en-US" sz="3600" dirty="0"/>
+              <a:rPr lang="en-US" sz="1800" dirty="0"/>
               <a:t> </a:t>
             </a:r>
             <a:r>
-              <a:rPr lang="en-US" sz="3600" b="1" dirty="0"/>
+              <a:rPr lang="en-US" sz="1800" b="1" dirty="0"/>
               <a:t>2)</a:t>
             </a:r>
             <a:r>
-              <a:rPr lang="en-US" sz="3600" dirty="0"/>
+              <a:rPr lang="en-US" sz="1800" dirty="0"/>
               <a:t> </a:t>
             </a:r>
           </a:p>
@@ -7843,8 +7641,12 @@
               <a:buNone/>
             </a:pPr>
             <a:r>
-              <a:rPr lang="en-US" sz="3600" i="1" dirty="0"/>
-              <a:t>Output:</a:t>
+              <a:rPr lang="en-US" sz="1800" b="1" i="1" dirty="0"/>
+              <a:t>Output</a:t>
+            </a:r>
+            <a:r>
+              <a:rPr lang="en-US" sz="1800" i="1" dirty="0"/>
+              <a:t>:</a:t>
             </a:r>
           </a:p>
           <a:p>
@@ -7852,32 +7654,14 @@
               <a:buNone/>
             </a:pPr>
             <a:r>
-              <a:rPr lang="en-US" sz="3600" i="1" dirty="0"/>
-              <a:t>array([2, 4, 6, 8])</a:t>
-            </a:r>
-            <a:endParaRPr lang="en-US" sz="3600" dirty="0"/>
-          </a:p>
-          <a:p>
-            <a:pPr>
-              <a:buNone/>
-            </a:pPr>
-            <a:endParaRPr lang="en-US" sz="3600" dirty="0"/>
-          </a:p>
-          <a:p>
-            <a:endParaRPr lang="en-US" dirty="0"/>
-          </a:p>
-          <a:p>
-            <a:pPr>
-              <a:buNone/>
-            </a:pPr>
-            <a:r>
-              <a:rPr lang="en-US" dirty="0"/>
-              <a:t/>
-            </a:r>
-            <a:br>
-              <a:rPr lang="en-US" dirty="0"/>
-            </a:br>
-            <a:endParaRPr lang="en-US" dirty="0"/>
+              <a:rPr lang="en-US" sz="1800" i="1" dirty="0"/>
+              <a:t>array([2, 4, 6, 8</a:t>
+            </a:r>
+            <a:r>
+              <a:rPr lang="en-US" sz="1800" i="1" dirty="0" smtClean="0"/>
+              <a:t>])</a:t>
+            </a:r>
+            <a:endParaRPr lang="en-US" sz="1800" dirty="0"/>
           </a:p>
         </p:txBody>
       </p:sp>
@@ -7992,15 +7776,15 @@
           <a:lstStyle/>
           <a:p>
             <a:r>
-              <a:rPr lang="en-US" dirty="0"/>
+              <a:rPr lang="en-US" sz="2000" dirty="0"/>
               <a:t>Sorting an element is simple with </a:t>
             </a:r>
             <a:r>
-              <a:rPr lang="en-US" dirty="0" err="1"/>
+              <a:rPr lang="en-US" sz="2000" dirty="0" err="1"/>
               <a:t>np.sort</a:t>
             </a:r>
             <a:r>
-              <a:rPr lang="en-US" dirty="0"/>
+              <a:rPr lang="en-US" sz="2000" dirty="0"/>
               <a:t>()</a:t>
             </a:r>
           </a:p>
@@ -8009,95 +7793,95 @@
               <a:buNone/>
             </a:pPr>
             <a:r>
-              <a:rPr lang="en-US" dirty="0" err="1"/>
+              <a:rPr lang="en-US" sz="2000" dirty="0" err="1"/>
               <a:t>arr</a:t>
             </a:r>
             <a:r>
-              <a:rPr lang="en-US" dirty="0"/>
+              <a:rPr lang="en-US" sz="2000" dirty="0"/>
               <a:t> </a:t>
             </a:r>
             <a:r>
-              <a:rPr lang="en-US" b="1" dirty="0"/>
+              <a:rPr lang="en-US" sz="2000" b="1" dirty="0"/>
               <a:t>=</a:t>
             </a:r>
             <a:r>
-              <a:rPr lang="en-US" dirty="0"/>
+              <a:rPr lang="en-US" sz="2000" dirty="0"/>
               <a:t> </a:t>
             </a:r>
             <a:r>
-              <a:rPr lang="en-US" dirty="0" err="1"/>
+              <a:rPr lang="en-US" sz="2000" dirty="0" err="1"/>
               <a:t>np</a:t>
             </a:r>
             <a:r>
-              <a:rPr lang="en-US" b="1" dirty="0" err="1"/>
+              <a:rPr lang="en-US" sz="2000" b="1" dirty="0" err="1"/>
               <a:t>.</a:t>
             </a:r>
             <a:r>
-              <a:rPr lang="en-US" dirty="0" err="1"/>
+              <a:rPr lang="en-US" sz="2000" dirty="0" err="1"/>
               <a:t>array</a:t>
             </a:r>
             <a:r>
-              <a:rPr lang="en-US" b="1" dirty="0"/>
+              <a:rPr lang="en-US" sz="2000" b="1" dirty="0"/>
               <a:t>([2,</a:t>
             </a:r>
             <a:r>
-              <a:rPr lang="en-US" dirty="0"/>
+              <a:rPr lang="en-US" sz="2000" dirty="0"/>
               <a:t> </a:t>
             </a:r>
             <a:r>
-              <a:rPr lang="en-US" b="1" dirty="0"/>
+              <a:rPr lang="en-US" sz="2000" b="1" dirty="0"/>
               <a:t>1,</a:t>
             </a:r>
             <a:r>
-              <a:rPr lang="en-US" dirty="0"/>
+              <a:rPr lang="en-US" sz="2000" dirty="0"/>
               <a:t> </a:t>
             </a:r>
             <a:r>
-              <a:rPr lang="en-US" b="1" dirty="0"/>
+              <a:rPr lang="en-US" sz="2000" b="1" dirty="0"/>
               <a:t>5,</a:t>
             </a:r>
             <a:r>
-              <a:rPr lang="en-US" dirty="0"/>
+              <a:rPr lang="en-US" sz="2000" dirty="0"/>
               <a:t> </a:t>
             </a:r>
             <a:r>
-              <a:rPr lang="en-US" b="1" dirty="0"/>
+              <a:rPr lang="en-US" sz="2000" b="1" dirty="0"/>
               <a:t>3,</a:t>
             </a:r>
             <a:r>
-              <a:rPr lang="en-US" dirty="0"/>
+              <a:rPr lang="en-US" sz="2000" dirty="0"/>
               <a:t> </a:t>
             </a:r>
             <a:r>
-              <a:rPr lang="en-US" b="1" dirty="0"/>
+              <a:rPr lang="en-US" sz="2000" b="1" dirty="0"/>
               <a:t>7,</a:t>
             </a:r>
             <a:r>
-              <a:rPr lang="en-US" dirty="0"/>
+              <a:rPr lang="en-US" sz="2000" dirty="0"/>
               <a:t> </a:t>
             </a:r>
             <a:r>
-              <a:rPr lang="en-US" b="1" dirty="0"/>
+              <a:rPr lang="en-US" sz="2000" b="1" dirty="0"/>
               <a:t>4,</a:t>
             </a:r>
             <a:r>
-              <a:rPr lang="en-US" dirty="0"/>
+              <a:rPr lang="en-US" sz="2000" dirty="0"/>
               <a:t> </a:t>
             </a:r>
             <a:r>
-              <a:rPr lang="en-US" b="1" dirty="0"/>
+              <a:rPr lang="en-US" sz="2000" b="1" dirty="0"/>
               <a:t>6,</a:t>
             </a:r>
             <a:r>
-              <a:rPr lang="en-US" dirty="0"/>
+              <a:rPr lang="en-US" sz="2000" dirty="0"/>
               <a:t> </a:t>
             </a:r>
             <a:r>
-              <a:rPr lang="en-US" b="1" dirty="0"/>
+              <a:rPr lang="en-US" sz="2000" b="1" dirty="0"/>
               <a:t>8])</a:t>
             </a:r>
             <a:r>
-              <a:rPr lang="en-US" dirty="0"/>
+              <a:rPr lang="en-US" sz="2000" dirty="0"/>
               <a:t> </a:t>
             </a:r>
           </a:p>
@@ -8106,31 +7890,31 @@
               <a:buNone/>
             </a:pPr>
             <a:r>
-              <a:rPr lang="en-US" dirty="0"/>
+              <a:rPr lang="en-US" sz="2000" dirty="0"/>
               <a:t>&gt;&gt;&gt; </a:t>
             </a:r>
             <a:r>
-              <a:rPr lang="en-US" dirty="0" err="1"/>
+              <a:rPr lang="en-US" sz="2000" dirty="0" err="1"/>
               <a:t>np</a:t>
             </a:r>
             <a:r>
-              <a:rPr lang="en-US" b="1" dirty="0" err="1"/>
+              <a:rPr lang="en-US" sz="2000" b="1" dirty="0" err="1"/>
               <a:t>.</a:t>
             </a:r>
             <a:r>
-              <a:rPr lang="en-US" dirty="0" err="1"/>
+              <a:rPr lang="en-US" sz="2000" dirty="0" err="1"/>
               <a:t>sort</a:t>
             </a:r>
             <a:r>
-              <a:rPr lang="en-US" b="1" dirty="0"/>
+              <a:rPr lang="en-US" sz="2000" b="1" dirty="0"/>
               <a:t>(</a:t>
             </a:r>
             <a:r>
-              <a:rPr lang="en-US" dirty="0" err="1"/>
+              <a:rPr lang="en-US" sz="2000" dirty="0" err="1"/>
               <a:t>arr</a:t>
             </a:r>
             <a:r>
-              <a:rPr lang="en-US" b="1" dirty="0"/>
+              <a:rPr lang="en-US" sz="2000" b="1" dirty="0"/>
               <a:t>)</a:t>
             </a:r>
           </a:p>
@@ -8139,7 +7923,7 @@
               <a:buNone/>
             </a:pPr>
             <a:r>
-              <a:rPr lang="en-US" b="1" dirty="0"/>
+              <a:rPr lang="en-US" sz="2000" b="1" dirty="0"/>
               <a:t>Output:</a:t>
             </a:r>
           </a:p>
@@ -8148,17 +7932,17 @@
               <a:buNone/>
             </a:pPr>
             <a:r>
-              <a:rPr lang="en-US" dirty="0"/>
+              <a:rPr lang="en-US" sz="2000" dirty="0"/>
               <a:t> </a:t>
             </a:r>
             <a:r>
-              <a:rPr lang="en-US" i="1" dirty="0"/>
+              <a:rPr lang="en-US" sz="2000" i="1" dirty="0"/>
               <a:t>array([1, 2, 3, 4, 5, 6, 7, 8])</a:t>
             </a:r>
           </a:p>
           <a:p>
             <a:r>
-              <a:rPr lang="en-US" i="1" dirty="0"/>
+              <a:rPr lang="en-US" sz="2000" i="1" dirty="0"/>
               <a:t>Sorting alphabetical data</a:t>
             </a:r>
           </a:p>
@@ -8167,79 +7951,79 @@
               <a:buNone/>
             </a:pPr>
             <a:r>
-              <a:rPr lang="en-US" dirty="0"/>
+              <a:rPr lang="en-US" sz="2000" dirty="0"/>
               <a:t>import </a:t>
             </a:r>
             <a:r>
-              <a:rPr lang="en-US" dirty="0" err="1"/>
+              <a:rPr lang="en-US" sz="2000" dirty="0" err="1"/>
               <a:t>numpy</a:t>
             </a:r>
             <a:r>
-              <a:rPr lang="en-US" dirty="0"/>
+              <a:rPr lang="en-US" sz="2000" dirty="0"/>
               <a:t> as </a:t>
             </a:r>
             <a:r>
-              <a:rPr lang="en-US" dirty="0" err="1"/>
+              <a:rPr lang="en-US" sz="2000" dirty="0" err="1"/>
               <a:t>np</a:t>
             </a:r>
             <a:r>
-              <a:rPr lang="en-US" dirty="0"/>
+              <a:rPr lang="en-US" sz="2000" dirty="0"/>
               <a:t/>
             </a:r>
             <a:br>
-              <a:rPr lang="en-US" dirty="0"/>
+              <a:rPr lang="en-US" sz="2000" dirty="0"/>
             </a:br>
             <a:r>
-              <a:rPr lang="en-US" dirty="0"/>
+              <a:rPr lang="en-US" sz="2000" dirty="0"/>
               <a:t/>
             </a:r>
             <a:br>
-              <a:rPr lang="en-US" dirty="0"/>
+              <a:rPr lang="en-US" sz="2000" dirty="0"/>
             </a:br>
             <a:r>
-              <a:rPr lang="en-US" dirty="0" err="1"/>
+              <a:rPr lang="en-US" sz="2000" dirty="0" err="1"/>
               <a:t>arr</a:t>
             </a:r>
             <a:r>
-              <a:rPr lang="en-US" dirty="0"/>
+              <a:rPr lang="en-US" sz="2000" dirty="0"/>
               <a:t> = </a:t>
             </a:r>
             <a:r>
-              <a:rPr lang="en-US" dirty="0" err="1"/>
+              <a:rPr lang="en-US" sz="2000" dirty="0" err="1"/>
               <a:t>np.array</a:t>
             </a:r>
             <a:r>
-              <a:rPr lang="en-US" dirty="0"/>
+              <a:rPr lang="en-US" sz="2000" dirty="0"/>
               <a:t>(['banana', 'cherry', 'apple'])</a:t>
             </a:r>
             <a:br>
-              <a:rPr lang="en-US" dirty="0"/>
+              <a:rPr lang="en-US" sz="2000" dirty="0"/>
             </a:br>
             <a:r>
-              <a:rPr lang="en-US" dirty="0"/>
+              <a:rPr lang="en-US" sz="2000" dirty="0"/>
               <a:t/>
             </a:r>
             <a:br>
-              <a:rPr lang="en-US" dirty="0"/>
+              <a:rPr lang="en-US" sz="2000" dirty="0"/>
             </a:br>
             <a:r>
-              <a:rPr lang="en-US" dirty="0"/>
+              <a:rPr lang="en-US" sz="2000" dirty="0"/>
               <a:t>print(</a:t>
             </a:r>
             <a:r>
-              <a:rPr lang="en-US" dirty="0" err="1"/>
+              <a:rPr lang="en-US" sz="2000" dirty="0" err="1"/>
               <a:t>np.sort</a:t>
             </a:r>
             <a:r>
-              <a:rPr lang="en-US" dirty="0"/>
+              <a:rPr lang="en-US" sz="2000" dirty="0"/>
               <a:t>(</a:t>
             </a:r>
             <a:r>
-              <a:rPr lang="en-US" dirty="0" err="1"/>
+              <a:rPr lang="en-US" sz="2000" dirty="0" err="1"/>
               <a:t>arr</a:t>
             </a:r>
             <a:r>
-              <a:rPr lang="en-US" dirty="0"/>
+              <a:rPr lang="en-US" sz="2000" dirty="0"/>
               <a:t>))</a:t>
             </a:r>
           </a:p>
@@ -8248,7 +8032,7 @@
               <a:buNone/>
             </a:pPr>
             <a:r>
-              <a:rPr lang="en-US" dirty="0"/>
+              <a:rPr lang="en-US" sz="2000" dirty="0"/>
               <a:t>Output:</a:t>
             </a:r>
           </a:p>
@@ -8257,7 +8041,7 @@
               <a:buNone/>
             </a:pPr>
             <a:r>
-              <a:rPr lang="en-US" dirty="0"/>
+              <a:rPr lang="en-US" sz="2000" dirty="0"/>
               <a:t>['apple' 'banana' 'cherry']</a:t>
             </a:r>
           </a:p>
@@ -8265,16 +8049,16 @@
             <a:pPr>
               <a:buNone/>
             </a:pPr>
-            <a:endParaRPr lang="en-US" dirty="0"/>
+            <a:endParaRPr lang="en-US" sz="2000" dirty="0"/>
           </a:p>
           <a:p>
             <a:pPr>
               <a:buNone/>
             </a:pPr>
-            <a:endParaRPr lang="en-US" dirty="0"/>
-          </a:p>
-          <a:p>
-            <a:endParaRPr lang="en-US" dirty="0"/>
+            <a:endParaRPr lang="en-US" sz="2000" dirty="0"/>
+          </a:p>
+          <a:p>
+            <a:endParaRPr lang="en-US" sz="2000" dirty="0"/>
           </a:p>
         </p:txBody>
       </p:sp>
@@ -9038,27 +8822,19 @@
               <a:buNone/>
             </a:pPr>
             <a:r>
-              <a:rPr lang="en-US" dirty="0" err="1">
-                <a:latin typeface="Bahnschrift SemiBold Condensed" pitchFamily="34" charset="0"/>
-              </a:rPr>
+              <a:rPr lang="en-US" dirty="0" err="1"/>
               <a:t>arr</a:t>
             </a:r>
             <a:r>
-              <a:rPr lang="en-US" dirty="0">
-                <a:latin typeface="Bahnschrift SemiBold Condensed" pitchFamily="34" charset="0"/>
-              </a:rPr>
+              <a:rPr lang="en-US" dirty="0"/>
               <a:t> = </a:t>
             </a:r>
             <a:r>
-              <a:rPr lang="en-US" dirty="0" err="1">
-                <a:latin typeface="Bahnschrift SemiBold Condensed" pitchFamily="34" charset="0"/>
-              </a:rPr>
+              <a:rPr lang="en-US" dirty="0" err="1"/>
               <a:t>np.array</a:t>
             </a:r>
             <a:r>
-              <a:rPr lang="en-US" dirty="0">
-                <a:latin typeface="Bahnschrift SemiBold Condensed" pitchFamily="34" charset="0"/>
-              </a:rPr>
+              <a:rPr lang="en-US" dirty="0"/>
               <a:t>([[[1, 2, 3], [4, 5, 6]], [[7, 8, 9], [10, 11, 12]]])</a:t>
             </a:r>
           </a:p>
@@ -9177,7 +8953,12 @@
             <p:ph sz="quarter" idx="1"/>
           </p:nvPr>
         </p:nvSpPr>
-        <p:spPr/>
+        <p:spPr>
+          <a:xfrm>
+            <a:off x="457200" y="762000"/>
+            <a:ext cx="7467600" cy="5867400"/>
+          </a:xfrm>
+        </p:spPr>
         <p:txBody>
           <a:bodyPr>
             <a:normAutofit/>
@@ -9244,19 +9025,35 @@
             <a:pPr>
               <a:buNone/>
             </a:pPr>
-            <a:r>
-              <a:rPr lang="en-US" dirty="0"/>
-              <a:t>Output:</a:t>
-            </a:r>
+            <a:endParaRPr lang="en-US" dirty="0" smtClean="0"/>
           </a:p>
           <a:p>
             <a:pPr>
               <a:buNone/>
             </a:pPr>
             <a:r>
-              <a:rPr lang="en-US" dirty="0"/>
+              <a:rPr lang="en-US" dirty="0" smtClean="0"/>
+              <a:t>Output</a:t>
+            </a:r>
+            <a:r>
+              <a:rPr lang="en-US" dirty="0"/>
+              <a:t>:</a:t>
+            </a:r>
+          </a:p>
+          <a:p>
+            <a:pPr>
+              <a:buNone/>
+            </a:pPr>
+            <a:r>
+              <a:rPr lang="en-US" dirty="0" smtClean="0"/>
               <a:t>10</a:t>
             </a:r>
+          </a:p>
+          <a:p>
+            <a:pPr>
+              <a:buNone/>
+            </a:pPr>
+            <a:endParaRPr lang="en-US" dirty="0"/>
           </a:p>
           <a:p>
             <a:r>
@@ -9315,9 +9112,22 @@
             </a:r>
           </a:p>
           <a:p>
-            <a:r>
-              <a:rPr lang="en-US" dirty="0"/>
-              <a:t>Output:</a:t>
+            <a:pPr>
+              <a:buNone/>
+            </a:pPr>
+            <a:endParaRPr lang="en-US" dirty="0" smtClean="0"/>
+          </a:p>
+          <a:p>
+            <a:pPr>
+              <a:buNone/>
+            </a:pPr>
+            <a:r>
+              <a:rPr lang="en-US" dirty="0" smtClean="0"/>
+              <a:t>Output</a:t>
+            </a:r>
+            <a:r>
+              <a:rPr lang="en-US" dirty="0"/>
+              <a:t>:</a:t>
             </a:r>
           </a:p>
           <a:p>
@@ -9403,7 +9213,12 @@
             <p:ph sz="quarter" idx="1"/>
           </p:nvPr>
         </p:nvSpPr>
-        <p:spPr/>
+        <p:spPr>
+          <a:xfrm>
+            <a:off x="457200" y="1219200"/>
+            <a:ext cx="7467600" cy="4873752"/>
+          </a:xfrm>
+        </p:spPr>
         <p:txBody>
           <a:bodyPr/>
           <a:lstStyle/>
@@ -9464,9 +9279,22 @@
             </a:r>
           </a:p>
           <a:p>
-            <a:r>
-              <a:rPr lang="en-US" dirty="0"/>
-              <a:t>Output:</a:t>
+            <a:pPr>
+              <a:buNone/>
+            </a:pPr>
+            <a:endParaRPr lang="en-US" dirty="0" smtClean="0"/>
+          </a:p>
+          <a:p>
+            <a:pPr>
+              <a:buNone/>
+            </a:pPr>
+            <a:r>
+              <a:rPr lang="en-US" dirty="0" smtClean="0"/>
+              <a:t>Output</a:t>
+            </a:r>
+            <a:r>
+              <a:rPr lang="en-US" dirty="0"/>
+              <a:t>:</a:t>
             </a:r>
           </a:p>
           <a:p>
@@ -11609,28 +11437,67 @@
           <a:lstStyle/>
           <a:p>
             <a:r>
+              <a:rPr lang="en-US" dirty="0"/>
+              <a:t>a=</a:t>
+            </a:r>
+            <a:r>
+              <a:rPr lang="en-US" dirty="0" err="1"/>
+              <a:t>np.arange</a:t>
+            </a:r>
+            <a:r>
+              <a:rPr lang="en-US" dirty="0"/>
+              <a:t>(6).reshape(2,3)</a:t>
+            </a:r>
+          </a:p>
+          <a:p>
+            <a:pPr>
+              <a:buNone/>
+            </a:pPr>
+            <a:r>
+              <a:rPr lang="en-US" dirty="0"/>
+              <a:t>Print a</a:t>
+            </a:r>
+          </a:p>
+          <a:p>
+            <a:pPr>
+              <a:buNone/>
+            </a:pPr>
+            <a:r>
+              <a:rPr lang="en-US" dirty="0"/>
+              <a:t>Output</a:t>
+            </a:r>
+            <a:r>
               <a:rPr lang="en-US" dirty="0">
-                <a:solidFill>
-                  <a:srgbClr val="92D050"/>
-                </a:solidFill>
-              </a:rPr>
-              <a:t>a=</a:t>
-            </a:r>
-            <a:r>
-              <a:rPr lang="en-US" dirty="0" err="1">
-                <a:solidFill>
-                  <a:srgbClr val="92D050"/>
-                </a:solidFill>
-              </a:rPr>
+                <a:sym typeface="Wingdings" pitchFamily="2" charset="2"/>
+              </a:rPr>
+              <a:t>:([[0,1,2]</a:t>
+            </a:r>
+          </a:p>
+          <a:p>
+            <a:pPr>
+              <a:buNone/>
+            </a:pPr>
+            <a:r>
+              <a:rPr lang="en-US" dirty="0">
+                <a:sym typeface="Wingdings" pitchFamily="2" charset="2"/>
+              </a:rPr>
+              <a:t>                [3,4,5]])</a:t>
+            </a:r>
+          </a:p>
+          <a:p>
+            <a:r>
+              <a:rPr lang="en-US" dirty="0">
+                <a:sym typeface="Wingdings" pitchFamily="2" charset="2"/>
+              </a:rPr>
+              <a:t>b=</a:t>
+            </a:r>
+            <a:r>
+              <a:rPr lang="en-US" dirty="0" err="1"/>
               <a:t>np.arange</a:t>
             </a:r>
             <a:r>
-              <a:rPr lang="en-US" dirty="0">
-                <a:solidFill>
-                  <a:srgbClr val="92D050"/>
-                </a:solidFill>
-              </a:rPr>
-              <a:t>(6).reshape(2,3)</a:t>
+              <a:rPr lang="en-US" dirty="0"/>
+              <a:t>(7,13).reshape(2,3</a:t>
             </a:r>
           </a:p>
           <a:p>
@@ -11638,12 +11505,8 @@
               <a:buNone/>
             </a:pPr>
             <a:r>
-              <a:rPr lang="en-US" dirty="0">
-                <a:solidFill>
-                  <a:srgbClr val="92D050"/>
-                </a:solidFill>
-              </a:rPr>
-              <a:t>Print a</a:t>
+              <a:rPr lang="en-US" dirty="0"/>
+              <a:t>Print b</a:t>
             </a:r>
           </a:p>
           <a:p>
@@ -11651,21 +11514,8 @@
               <a:buNone/>
             </a:pPr>
             <a:r>
-              <a:rPr lang="en-US" dirty="0">
-                <a:solidFill>
-                  <a:srgbClr val="92D050"/>
-                </a:solidFill>
-              </a:rPr>
-              <a:t>Output</a:t>
-            </a:r>
-            <a:r>
-              <a:rPr lang="en-US" dirty="0">
-                <a:solidFill>
-                  <a:srgbClr val="92D050"/>
-                </a:solidFill>
-                <a:sym typeface="Wingdings" pitchFamily="2" charset="2"/>
-              </a:rPr>
-              <a:t>:([[0,1,2]</a:t>
+              <a:rPr lang="en-US" dirty="0"/>
+              <a:t>Output: ([[7,8,9]</a:t>
             </a:r>
           </a:p>
           <a:p>
@@ -11673,78 +11523,7 @@
               <a:buNone/>
             </a:pPr>
             <a:r>
-              <a:rPr lang="en-US" dirty="0">
-                <a:solidFill>
-                  <a:srgbClr val="92D050"/>
-                </a:solidFill>
-                <a:sym typeface="Wingdings" pitchFamily="2" charset="2"/>
-              </a:rPr>
-              <a:t>                [3,4,5]])</a:t>
-            </a:r>
-          </a:p>
-          <a:p>
-            <a:r>
-              <a:rPr lang="en-US" dirty="0">
-                <a:solidFill>
-                  <a:srgbClr val="92D050"/>
-                </a:solidFill>
-                <a:sym typeface="Wingdings" pitchFamily="2" charset="2"/>
-              </a:rPr>
-              <a:t>b=</a:t>
-            </a:r>
-            <a:r>
-              <a:rPr lang="en-US" dirty="0" err="1">
-                <a:solidFill>
-                  <a:srgbClr val="92D050"/>
-                </a:solidFill>
-              </a:rPr>
-              <a:t>np.arange</a:t>
-            </a:r>
-            <a:r>
-              <a:rPr lang="en-US" dirty="0">
-                <a:solidFill>
-                  <a:srgbClr val="92D050"/>
-                </a:solidFill>
-              </a:rPr>
-              <a:t>(7,13).reshape(2,3</a:t>
-            </a:r>
-          </a:p>
-          <a:p>
-            <a:pPr>
-              <a:buNone/>
-            </a:pPr>
-            <a:r>
-              <a:rPr lang="en-US" dirty="0">
-                <a:solidFill>
-                  <a:srgbClr val="92D050"/>
-                </a:solidFill>
-              </a:rPr>
-              <a:t>Print b</a:t>
-            </a:r>
-          </a:p>
-          <a:p>
-            <a:pPr>
-              <a:buNone/>
-            </a:pPr>
-            <a:r>
-              <a:rPr lang="en-US" dirty="0">
-                <a:solidFill>
-                  <a:srgbClr val="92D050"/>
-                </a:solidFill>
-              </a:rPr>
-              <a:t>Output: ([[7,8,9]</a:t>
-            </a:r>
-          </a:p>
-          <a:p>
-            <a:pPr>
-              <a:buNone/>
-            </a:pPr>
-            <a:r>
-              <a:rPr lang="en-US" dirty="0">
-                <a:solidFill>
-                  <a:srgbClr val="92D050"/>
-                </a:solidFill>
-              </a:rPr>
+              <a:rPr lang="en-US" dirty="0"/>
               <a:t>                 [10,11,12]])</a:t>
             </a:r>
           </a:p>
@@ -12184,12 +11963,12 @@
         <p:spPr>
           <a:xfrm>
             <a:off x="457200" y="838200"/>
-            <a:ext cx="7467600" cy="5635752"/>
+            <a:ext cx="8153400" cy="5635752"/>
           </a:xfrm>
         </p:spPr>
         <p:txBody>
           <a:bodyPr>
-            <a:normAutofit fontScale="70000" lnSpcReduction="20000"/>
+            <a:normAutofit fontScale="92500" lnSpcReduction="20000"/>
           </a:bodyPr>
           <a:lstStyle/>
           <a:p>
@@ -12407,35 +12186,12 @@
             </a:pPr>
             <a:r>
               <a:rPr lang="en-US" dirty="0"/>
-              <a:t>		  [5,12]]])</a:t>
-            </a:r>
-          </a:p>
-          <a:p>
-            <a:endParaRPr lang="en-US" dirty="0">
-              <a:sym typeface="Wingdings" pitchFamily="2" charset="2"/>
-            </a:endParaRPr>
-          </a:p>
-          <a:p>
-            <a:endParaRPr lang="en-US" dirty="0">
-              <a:sym typeface="Wingdings" pitchFamily="2" charset="2"/>
-            </a:endParaRPr>
-          </a:p>
-          <a:p>
-            <a:pPr>
-              <a:buNone/>
-            </a:pPr>
-            <a:r>
-              <a:rPr lang="en-US" dirty="0">
-                <a:sym typeface="Wingdings" pitchFamily="2" charset="2"/>
-              </a:rPr>
-              <a:t>		 	</a:t>
-            </a:r>
-            <a:endParaRPr lang="en-US" dirty="0"/>
-          </a:p>
-          <a:p>
-            <a:pPr>
-              <a:buNone/>
-            </a:pPr>
+              <a:t>		  [5,12</a:t>
+            </a:r>
+            <a:r>
+              <a:rPr lang="en-US" dirty="0" smtClean="0"/>
+              <a:t>]]])</a:t>
+            </a:r>
             <a:endParaRPr lang="en-US" dirty="0"/>
           </a:p>
         </p:txBody>
@@ -12511,8 +12267,8 @@
         </p:nvSpPr>
         <p:spPr>
           <a:xfrm>
-            <a:off x="2658755" y="1905000"/>
-            <a:ext cx="3429000" cy="1503837"/>
+            <a:off x="2514600" y="228601"/>
+            <a:ext cx="3429000" cy="1143000"/>
           </a:xfrm>
         </p:spPr>
         <p:txBody>
@@ -12566,7 +12322,7 @@
           <a:blip r:embed="rId2">
             <a:extLst>
               <a:ext uri="{28A0092B-C50C-407E-A947-70E740481C1C}">
-                <a14:useLocalDpi xmlns:a14="http://schemas.microsoft.com/office/drawing/2010/main" xmlns="" val="0"/>
+                <a14:useLocalDpi xmlns="" xmlns:a14="http://schemas.microsoft.com/office/drawing/2010/main" val="0"/>
               </a:ext>
             </a:extLst>
           </a:blip>
@@ -12577,8 +12333,8 @@
         </p:blipFill>
         <p:spPr bwMode="auto">
           <a:xfrm>
-            <a:off x="685800" y="3029417"/>
-            <a:ext cx="7374910" cy="3081823"/>
+            <a:off x="609600" y="914400"/>
+            <a:ext cx="7772400" cy="3081823"/>
           </a:xfrm>
           <a:prstGeom prst="rect">
             <a:avLst/>
@@ -12586,7 +12342,7 @@
           <a:noFill/>
           <a:extLst>
             <a:ext uri="{909E8E84-426E-40DD-AFC4-6F175D3DCCD1}">
-              <a14:hiddenFill xmlns:a14="http://schemas.microsoft.com/office/drawing/2010/main" xmlns="">
+              <a14:hiddenFill xmlns="" xmlns:a14="http://schemas.microsoft.com/office/drawing/2010/main">
                 <a:solidFill>
                   <a:srgbClr val="FFFFFF"/>
                 </a:solidFill>
@@ -12595,6 +12351,35 @@
           </a:extLst>
         </p:spPr>
       </p:pic>
+      <p:sp>
+        <p:nvSpPr>
+          <p:cNvPr id="5" name="Rectangle 4"/>
+          <p:cNvSpPr/>
+          <p:nvPr/>
+        </p:nvSpPr>
+        <p:spPr>
+          <a:xfrm>
+            <a:off x="685800" y="4114800"/>
+            <a:ext cx="7467600" cy="2677656"/>
+          </a:xfrm>
+          <a:prstGeom prst="rect">
+            <a:avLst/>
+          </a:prstGeom>
+        </p:spPr>
+        <p:txBody>
+          <a:bodyPr wrap="square">
+            <a:spAutoFit/>
+          </a:bodyPr>
+          <a:lstStyle/>
+          <a:p>
+            <a:r>
+              <a:rPr lang="en-US" sz="2800" dirty="0" smtClean="0"/>
+              <a:t>pandas is a software library written for the Python programming language for data manipulation and analysis. In particular, it offers data structures and operations for manipulating numerical tables and time series.</a:t>
+            </a:r>
+            <a:endParaRPr lang="en-US" sz="2800" dirty="0"/>
+          </a:p>
+        </p:txBody>
+      </p:sp>
     </p:spTree>
   </p:cSld>
   <p:clrMapOvr>
@@ -13700,7 +13485,7 @@
         </p:spPr>
         <p:txBody>
           <a:bodyPr>
-            <a:normAutofit fontScale="85000" lnSpcReduction="20000"/>
+            <a:normAutofit fontScale="92500" lnSpcReduction="10000"/>
           </a:bodyPr>
           <a:lstStyle/>
           <a:p>
@@ -13850,26 +13635,12 @@
             </a:pPr>
             <a:r>
               <a:rPr lang="en-US" dirty="0"/>
-              <a:t>             day3 39</a:t>
-            </a:r>
-          </a:p>
-          <a:p>
-            <a:pPr>
-              <a:buNone/>
-            </a:pPr>
-            <a:r>
-              <a:rPr lang="en-US" dirty="0"/>
-              <a:t/>
-            </a:r>
-            <a:br>
-              <a:rPr lang="en-US" dirty="0"/>
-            </a:br>
-            <a:endParaRPr lang="en-US" dirty="0"/>
-          </a:p>
-          <a:p>
-            <a:pPr>
-              <a:buNone/>
-            </a:pPr>
+              <a:t>             day3 </a:t>
+            </a:r>
+            <a:r>
+              <a:rPr lang="en-US" dirty="0" smtClean="0"/>
+              <a:t>39</a:t>
+            </a:r>
             <a:endParaRPr lang="en-US" dirty="0"/>
           </a:p>
         </p:txBody>
@@ -14284,7 +14055,7 @@
         </p:nvSpPr>
         <p:spPr>
           <a:xfrm>
-            <a:off x="457200" y="1600200"/>
+            <a:off x="457200" y="914400"/>
             <a:ext cx="8077200" cy="4873752"/>
           </a:xfrm>
         </p:spPr>
@@ -14474,7 +14245,7 @@
         </p:nvSpPr>
         <p:spPr>
           <a:xfrm>
-            <a:off x="457200" y="274638"/>
+            <a:off x="457200" y="503238"/>
             <a:ext cx="7467600" cy="639762"/>
           </a:xfrm>
         </p:spPr>
@@ -14515,7 +14286,7 @@
         </p:nvSpPr>
         <p:spPr>
           <a:xfrm>
-            <a:off x="457200" y="685800"/>
+            <a:off x="533400" y="1069848"/>
             <a:ext cx="7467600" cy="5788152"/>
           </a:xfrm>
         </p:spPr>
@@ -14632,15 +14403,6 @@
               <a:rPr lang="en-US" dirty="0"/>
               <a:t>(“path”) </a:t>
             </a:r>
-          </a:p>
-          <a:p>
-            <a:pPr>
-              <a:buNone/>
-            </a:pPr>
-            <a:endParaRPr lang="en-US" dirty="0"/>
-          </a:p>
-          <a:p>
-            <a:endParaRPr lang="en-US" dirty="0"/>
           </a:p>
         </p:txBody>
       </p:sp>
@@ -14713,10 +14475,15 @@
             <p:ph sz="quarter" idx="1"/>
           </p:nvPr>
         </p:nvSpPr>
-        <p:spPr/>
+        <p:spPr>
+          <a:xfrm>
+            <a:off x="457200" y="765048"/>
+            <a:ext cx="8153400" cy="4873752"/>
+          </a:xfrm>
+        </p:spPr>
         <p:txBody>
           <a:bodyPr>
-            <a:normAutofit fontScale="92500" lnSpcReduction="20000"/>
+            <a:normAutofit/>
           </a:bodyPr>
           <a:lstStyle/>
           <a:p>
@@ -14853,27 +14620,12 @@
             </a:r>
             <a:r>
               <a:rPr lang="en-US" dirty="0"/>
-              <a:t> will print only starting 5 rows and ending 5 rows</a:t>
-            </a:r>
-          </a:p>
-          <a:p>
-            <a:pPr>
-              <a:buNone/>
-            </a:pPr>
-            <a:r>
-              <a:rPr lang="en-US" dirty="0"/>
-              <a:t/>
-            </a:r>
-            <a:br>
-              <a:rPr lang="en-US" dirty="0"/>
-            </a:br>
-            <a:r>
-              <a:rPr lang="en-US" dirty="0"/>
-              <a:t/>
-            </a:r>
-            <a:br>
-              <a:rPr lang="en-US" dirty="0"/>
-            </a:br>
+              <a:t> will print only starting 5 rows and ending 5 </a:t>
+            </a:r>
+            <a:r>
+              <a:rPr lang="en-US" dirty="0" smtClean="0"/>
+              <a:t>rows</a:t>
+            </a:r>
             <a:endParaRPr lang="en-US" dirty="0"/>
           </a:p>
         </p:txBody>
@@ -15441,7 +15193,7 @@
         <p:spPr>
           <a:xfrm>
             <a:off x="457200" y="762000"/>
-            <a:ext cx="7467600" cy="5711952"/>
+            <a:ext cx="7696200" cy="6096000"/>
           </a:xfrm>
         </p:spPr>
         <p:txBody>
@@ -15827,7 +15579,12 @@
             <p:ph sz="quarter" idx="1"/>
           </p:nvPr>
         </p:nvSpPr>
-        <p:spPr/>
+        <p:spPr>
+          <a:xfrm>
+            <a:off x="533400" y="914400"/>
+            <a:ext cx="7467600" cy="4873752"/>
+          </a:xfrm>
+        </p:spPr>
         <p:txBody>
           <a:bodyPr/>
           <a:lstStyle/>
@@ -16683,7 +16440,7 @@
           <p:cNvPr id="2" name="Title 1">
             <a:extLst>
               <a:ext uri="{FF2B5EF4-FFF2-40B4-BE49-F238E27FC236}">
-                <a16:creationId xmlns="" xmlns:a16="http://schemas.microsoft.com/office/drawing/2014/main" id="{A63CFFD3-91D1-DFAB-FC36-F4D245C0D4D4}"/>
+                <a16:creationId xmlns:a16="http://schemas.microsoft.com/office/drawing/2014/main" xmlns="" id="{A63CFFD3-91D1-DFAB-FC36-F4D245C0D4D4}"/>
               </a:ext>
             </a:extLst>
           </p:cNvPr>
@@ -16711,7 +16468,7 @@
           <p:cNvPr id="3" name="Content Placeholder 2">
             <a:extLst>
               <a:ext uri="{FF2B5EF4-FFF2-40B4-BE49-F238E27FC236}">
-                <a16:creationId xmlns="" xmlns:a16="http://schemas.microsoft.com/office/drawing/2014/main" id="{94ACE853-1F29-D234-5256-6B1FC83ACABB}"/>
+                <a16:creationId xmlns:a16="http://schemas.microsoft.com/office/drawing/2014/main" xmlns="" id="{94ACE853-1F29-D234-5256-6B1FC83ACABB}"/>
               </a:ext>
             </a:extLst>
           </p:cNvPr>
@@ -16751,7 +16508,7 @@
           <p:cNvPr id="4" name="Slide Number Placeholder 3">
             <a:extLst>
               <a:ext uri="{FF2B5EF4-FFF2-40B4-BE49-F238E27FC236}">
-                <a16:creationId xmlns="" xmlns:a16="http://schemas.microsoft.com/office/drawing/2014/main" id="{4FA14DCE-48EE-AD2A-E2AC-2D659F6BFDAB}"/>
+                <a16:creationId xmlns:a16="http://schemas.microsoft.com/office/drawing/2014/main" xmlns="" id="{4FA14DCE-48EE-AD2A-E2AC-2D659F6BFDAB}"/>
               </a:ext>
             </a:extLst>
           </p:cNvPr>
@@ -16779,7 +16536,7 @@
     </p:spTree>
     <p:extLst>
       <p:ext uri="{BB962C8B-B14F-4D97-AF65-F5344CB8AC3E}">
-        <p14:creationId xmlns:p14="http://schemas.microsoft.com/office/powerpoint/2010/main" xmlns="" val="1111593529"/>
+        <p14:creationId xmlns="" xmlns:p14="http://schemas.microsoft.com/office/powerpoint/2010/main" val="1111593529"/>
       </p:ext>
     </p:extLst>
   </p:cSld>
@@ -16821,7 +16578,7 @@
           <p:cNvPr id="2" name="Title 1">
             <a:extLst>
               <a:ext uri="{FF2B5EF4-FFF2-40B4-BE49-F238E27FC236}">
-                <a16:creationId xmlns="" xmlns:a16="http://schemas.microsoft.com/office/drawing/2014/main" id="{F7D12C22-A4AC-F285-F760-80D1C293BA1B}"/>
+                <a16:creationId xmlns:a16="http://schemas.microsoft.com/office/drawing/2014/main" xmlns="" id="{F7D12C22-A4AC-F285-F760-80D1C293BA1B}"/>
               </a:ext>
             </a:extLst>
           </p:cNvPr>
@@ -16850,7 +16607,7 @@
           <p:cNvPr id="3" name="Content Placeholder 2">
             <a:extLst>
               <a:ext uri="{FF2B5EF4-FFF2-40B4-BE49-F238E27FC236}">
-                <a16:creationId xmlns="" xmlns:a16="http://schemas.microsoft.com/office/drawing/2014/main" id="{701CAA77-8315-30CB-D8BF-273DA2324BBA}"/>
+                <a16:creationId xmlns:a16="http://schemas.microsoft.com/office/drawing/2014/main" xmlns="" id="{701CAA77-8315-30CB-D8BF-273DA2324BBA}"/>
               </a:ext>
             </a:extLst>
           </p:cNvPr>
@@ -16919,7 +16676,7 @@
           <p:cNvPr id="4" name="Slide Number Placeholder 3">
             <a:extLst>
               <a:ext uri="{FF2B5EF4-FFF2-40B4-BE49-F238E27FC236}">
-                <a16:creationId xmlns="" xmlns:a16="http://schemas.microsoft.com/office/drawing/2014/main" id="{7C49075E-D1AC-B16F-F26F-B856EED64D7E}"/>
+                <a16:creationId xmlns:a16="http://schemas.microsoft.com/office/drawing/2014/main" xmlns="" id="{7C49075E-D1AC-B16F-F26F-B856EED64D7E}"/>
               </a:ext>
             </a:extLst>
           </p:cNvPr>
@@ -16947,7 +16704,7 @@
     </p:spTree>
     <p:extLst>
       <p:ext uri="{BB962C8B-B14F-4D97-AF65-F5344CB8AC3E}">
-        <p14:creationId xmlns:p14="http://schemas.microsoft.com/office/powerpoint/2010/main" xmlns="" val="3500549097"/>
+        <p14:creationId xmlns="" xmlns:p14="http://schemas.microsoft.com/office/powerpoint/2010/main" val="3500549097"/>
       </p:ext>
     </p:extLst>
   </p:cSld>
@@ -16989,7 +16746,7 @@
           <p:cNvPr id="2" name="Title 1">
             <a:extLst>
               <a:ext uri="{FF2B5EF4-FFF2-40B4-BE49-F238E27FC236}">
-                <a16:creationId xmlns="" xmlns:a16="http://schemas.microsoft.com/office/drawing/2014/main" id="{2DCE5216-922A-9C02-445D-595512945017}"/>
+                <a16:creationId xmlns:a16="http://schemas.microsoft.com/office/drawing/2014/main" xmlns="" id="{2DCE5216-922A-9C02-445D-595512945017}"/>
               </a:ext>
             </a:extLst>
           </p:cNvPr>
@@ -17028,7 +16785,7 @@
           <p:cNvPr id="3" name="Content Placeholder 2">
             <a:extLst>
               <a:ext uri="{FF2B5EF4-FFF2-40B4-BE49-F238E27FC236}">
-                <a16:creationId xmlns="" xmlns:a16="http://schemas.microsoft.com/office/drawing/2014/main" id="{B91B9185-57E4-828D-C15E-FA39D37918D7}"/>
+                <a16:creationId xmlns:a16="http://schemas.microsoft.com/office/drawing/2014/main" xmlns="" id="{B91B9185-57E4-828D-C15E-FA39D37918D7}"/>
               </a:ext>
             </a:extLst>
           </p:cNvPr>
@@ -17221,7 +16978,7 @@
           <p:cNvPr id="4" name="Slide Number Placeholder 3">
             <a:extLst>
               <a:ext uri="{FF2B5EF4-FFF2-40B4-BE49-F238E27FC236}">
-                <a16:creationId xmlns="" xmlns:a16="http://schemas.microsoft.com/office/drawing/2014/main" id="{9DA06D31-898B-92DA-1FC2-9367F8710CDA}"/>
+                <a16:creationId xmlns:a16="http://schemas.microsoft.com/office/drawing/2014/main" xmlns="" id="{9DA06D31-898B-92DA-1FC2-9367F8710CDA}"/>
               </a:ext>
             </a:extLst>
           </p:cNvPr>
@@ -17249,7 +17006,7 @@
     </p:spTree>
     <p:extLst>
       <p:ext uri="{BB962C8B-B14F-4D97-AF65-F5344CB8AC3E}">
-        <p14:creationId xmlns:p14="http://schemas.microsoft.com/office/powerpoint/2010/main" xmlns="" val="589225380"/>
+        <p14:creationId xmlns="" xmlns:p14="http://schemas.microsoft.com/office/powerpoint/2010/main" val="589225380"/>
       </p:ext>
     </p:extLst>
   </p:cSld>
@@ -17291,7 +17048,7 @@
           <p:cNvPr id="2" name="Title 1">
             <a:extLst>
               <a:ext uri="{FF2B5EF4-FFF2-40B4-BE49-F238E27FC236}">
-                <a16:creationId xmlns="" xmlns:a16="http://schemas.microsoft.com/office/drawing/2014/main" id="{9ACECE5D-53E6-314F-1FB5-3BC453F7C0D4}"/>
+                <a16:creationId xmlns:a16="http://schemas.microsoft.com/office/drawing/2014/main" xmlns="" id="{9ACECE5D-53E6-314F-1FB5-3BC453F7C0D4}"/>
               </a:ext>
             </a:extLst>
           </p:cNvPr>
@@ -17338,7 +17095,7 @@
           <p:cNvPr id="3" name="Content Placeholder 2">
             <a:extLst>
               <a:ext uri="{FF2B5EF4-FFF2-40B4-BE49-F238E27FC236}">
-                <a16:creationId xmlns="" xmlns:a16="http://schemas.microsoft.com/office/drawing/2014/main" id="{2629B9CE-6CA4-6DBB-7157-6EF8D3A5DD3B}"/>
+                <a16:creationId xmlns:a16="http://schemas.microsoft.com/office/drawing/2014/main" xmlns="" id="{2629B9CE-6CA4-6DBB-7157-6EF8D3A5DD3B}"/>
               </a:ext>
             </a:extLst>
           </p:cNvPr>
@@ -17404,7 +17161,7 @@
           <p:cNvPr id="4" name="Slide Number Placeholder 3">
             <a:extLst>
               <a:ext uri="{FF2B5EF4-FFF2-40B4-BE49-F238E27FC236}">
-                <a16:creationId xmlns="" xmlns:a16="http://schemas.microsoft.com/office/drawing/2014/main" id="{1158613F-E939-5B8D-8A10-91123902E97E}"/>
+                <a16:creationId xmlns:a16="http://schemas.microsoft.com/office/drawing/2014/main" xmlns="" id="{1158613F-E939-5B8D-8A10-91123902E97E}"/>
               </a:ext>
             </a:extLst>
           </p:cNvPr>
@@ -17432,7 +17189,7 @@
     </p:spTree>
     <p:extLst>
       <p:ext uri="{BB962C8B-B14F-4D97-AF65-F5344CB8AC3E}">
-        <p14:creationId xmlns:p14="http://schemas.microsoft.com/office/powerpoint/2010/main" xmlns="" val="2423041203"/>
+        <p14:creationId xmlns="" xmlns:p14="http://schemas.microsoft.com/office/powerpoint/2010/main" val="2423041203"/>
       </p:ext>
     </p:extLst>
   </p:cSld>
@@ -17474,7 +17231,7 @@
           <p:cNvPr id="2" name="Title 1">
             <a:extLst>
               <a:ext uri="{FF2B5EF4-FFF2-40B4-BE49-F238E27FC236}">
-                <a16:creationId xmlns="" xmlns:a16="http://schemas.microsoft.com/office/drawing/2014/main" id="{721F1561-1926-A269-7D29-FD61B7B18FE3}"/>
+                <a16:creationId xmlns:a16="http://schemas.microsoft.com/office/drawing/2014/main" xmlns="" id="{721F1561-1926-A269-7D29-FD61B7B18FE3}"/>
               </a:ext>
             </a:extLst>
           </p:cNvPr>
@@ -17521,7 +17278,7 @@
           <p:cNvPr id="3" name="Content Placeholder 2">
             <a:extLst>
               <a:ext uri="{FF2B5EF4-FFF2-40B4-BE49-F238E27FC236}">
-                <a16:creationId xmlns="" xmlns:a16="http://schemas.microsoft.com/office/drawing/2014/main" id="{0777572D-4B76-5D99-4EED-ABB08E1F3DF7}"/>
+                <a16:creationId xmlns:a16="http://schemas.microsoft.com/office/drawing/2014/main" xmlns="" id="{0777572D-4B76-5D99-4EED-ABB08E1F3DF7}"/>
               </a:ext>
             </a:extLst>
           </p:cNvPr>
@@ -17628,7 +17385,7 @@
           <p:cNvPr id="4" name="Slide Number Placeholder 3">
             <a:extLst>
               <a:ext uri="{FF2B5EF4-FFF2-40B4-BE49-F238E27FC236}">
-                <a16:creationId xmlns="" xmlns:a16="http://schemas.microsoft.com/office/drawing/2014/main" id="{BA17EC5C-E07C-9F47-0ABD-1E2511BDB297}"/>
+                <a16:creationId xmlns:a16="http://schemas.microsoft.com/office/drawing/2014/main" xmlns="" id="{BA17EC5C-E07C-9F47-0ABD-1E2511BDB297}"/>
               </a:ext>
             </a:extLst>
           </p:cNvPr>
@@ -17656,7 +17413,7 @@
     </p:spTree>
     <p:extLst>
       <p:ext uri="{BB962C8B-B14F-4D97-AF65-F5344CB8AC3E}">
-        <p14:creationId xmlns:p14="http://schemas.microsoft.com/office/powerpoint/2010/main" xmlns="" val="2811407254"/>
+        <p14:creationId xmlns="" xmlns:p14="http://schemas.microsoft.com/office/powerpoint/2010/main" val="2811407254"/>
       </p:ext>
     </p:extLst>
   </p:cSld>
@@ -17716,36 +17473,40 @@
           <a:lstStyle/>
           <a:p>
             <a:r>
-              <a:rPr lang="en-US" b="1" dirty="0" err="1"/>
+              <a:rPr lang="en-US" sz="2800" b="1" dirty="0" err="1"/>
               <a:t>numpy.array</a:t>
             </a:r>
             <a:r>
+              <a:rPr lang="en-US" sz="2800" b="1" dirty="0"/>
+              <a:t>(object, </a:t>
+            </a:r>
+            <a:r>
+              <a:rPr lang="en-US" sz="2800" b="1" dirty="0" err="1"/>
+              <a:t>dtype</a:t>
+            </a:r>
+            <a:r>
+              <a:rPr lang="en-US" sz="2800" b="1" dirty="0"/>
+              <a:t> = None, copy = True, order = None, </a:t>
+            </a:r>
+            <a:r>
+              <a:rPr lang="en-US" sz="2800" b="1" dirty="0" err="1"/>
+              <a:t>subok</a:t>
+            </a:r>
+            <a:r>
+              <a:rPr lang="en-US" sz="2800" b="1" dirty="0"/>
+              <a:t> = False, </a:t>
+            </a:r>
+            <a:r>
+              <a:rPr lang="en-US" sz="2800" b="1" dirty="0" err="1"/>
+              <a:t>ndmin</a:t>
+            </a:r>
+            <a:r>
+              <a:rPr lang="en-US" sz="2800" b="1" dirty="0"/>
+              <a:t> = 0)</a:t>
+            </a:r>
+            <a:r>
               <a:rPr lang="en-US" b="1" dirty="0"/>
-              <a:t>(object, </a:t>
-            </a:r>
-            <a:r>
-              <a:rPr lang="en-US" b="1" dirty="0" err="1"/>
-              <a:t>dtype</a:t>
-            </a:r>
-            <a:r>
-              <a:rPr lang="en-US" b="1" dirty="0"/>
-              <a:t> = None, copy = True, order = None, </a:t>
-            </a:r>
-            <a:r>
-              <a:rPr lang="en-US" b="1" dirty="0" err="1"/>
-              <a:t>subok</a:t>
-            </a:r>
-            <a:r>
-              <a:rPr lang="en-US" b="1" dirty="0"/>
-              <a:t> = False, </a:t>
-            </a:r>
-            <a:r>
-              <a:rPr lang="en-US" b="1" dirty="0" err="1"/>
-              <a:t>ndmin</a:t>
-            </a:r>
-            <a:r>
-              <a:rPr lang="en-US" b="1" dirty="0"/>
-              <a:t> = 0)</a:t>
+              <a:t/>
             </a:r>
             <a:br>
               <a:rPr lang="en-US" b="1" dirty="0"/>
@@ -17772,8 +17533,8 @@
         </p:blipFill>
         <p:spPr bwMode="auto">
           <a:xfrm>
-            <a:off x="457200" y="3134991"/>
-            <a:ext cx="7467600" cy="1804042"/>
+            <a:off x="304800" y="2057400"/>
+            <a:ext cx="8516343" cy="2286000"/>
           </a:xfrm>
           <a:prstGeom prst="rect">
             <a:avLst/>
@@ -17852,7 +17613,7 @@
           <p:cNvPr id="2" name="Title 1">
             <a:extLst>
               <a:ext uri="{FF2B5EF4-FFF2-40B4-BE49-F238E27FC236}">
-                <a16:creationId xmlns="" xmlns:a16="http://schemas.microsoft.com/office/drawing/2014/main" id="{5449B8E5-8BFB-044B-0839-2A5A0D2D47D2}"/>
+                <a16:creationId xmlns:a16="http://schemas.microsoft.com/office/drawing/2014/main" xmlns="" id="{5449B8E5-8BFB-044B-0839-2A5A0D2D47D2}"/>
               </a:ext>
             </a:extLst>
           </p:cNvPr>
@@ -17863,7 +17624,12 @@
             <p:ph type="ctrTitle"/>
           </p:nvPr>
         </p:nvSpPr>
-        <p:spPr/>
+        <p:spPr>
+          <a:xfrm>
+            <a:off x="1676400" y="381000"/>
+            <a:ext cx="6172200" cy="1894362"/>
+          </a:xfrm>
+        </p:spPr>
         <p:txBody>
           <a:bodyPr/>
           <a:lstStyle/>
@@ -17884,7 +17650,7 @@
           <p:cNvPr id="3" name="Subtitle 2">
             <a:extLst>
               <a:ext uri="{FF2B5EF4-FFF2-40B4-BE49-F238E27FC236}">
-                <a16:creationId xmlns="" xmlns:a16="http://schemas.microsoft.com/office/drawing/2014/main" id="{A734D08B-AFE2-EE8D-E061-3D4B955BCD9C}"/>
+                <a16:creationId xmlns:a16="http://schemas.microsoft.com/office/drawing/2014/main" xmlns="" id="{A734D08B-AFE2-EE8D-E061-3D4B955BCD9C}"/>
               </a:ext>
             </a:extLst>
           </p:cNvPr>
@@ -17913,7 +17679,7 @@
           <p:cNvPr id="4" name="Slide Number Placeholder 3">
             <a:extLst>
               <a:ext uri="{FF2B5EF4-FFF2-40B4-BE49-F238E27FC236}">
-                <a16:creationId xmlns="" xmlns:a16="http://schemas.microsoft.com/office/drawing/2014/main" id="{BC61B923-219D-ACBF-1069-CA2A4B7FDB0A}"/>
+                <a16:creationId xmlns:a16="http://schemas.microsoft.com/office/drawing/2014/main" xmlns="" id="{BC61B923-219D-ACBF-1069-CA2A4B7FDB0A}"/>
               </a:ext>
             </a:extLst>
           </p:cNvPr>
@@ -17950,7 +17716,7 @@
           <a:blip r:embed="rId2">
             <a:extLst>
               <a:ext uri="{28A0092B-C50C-407E-A947-70E740481C1C}">
-                <a14:useLocalDpi xmlns:a14="http://schemas.microsoft.com/office/drawing/2010/main" xmlns="" val="0"/>
+                <a14:useLocalDpi xmlns="" xmlns:a14="http://schemas.microsoft.com/office/drawing/2010/main" val="0"/>
               </a:ext>
             </a:extLst>
           </a:blip>
@@ -17961,7 +17727,7 @@
         </p:blipFill>
         <p:spPr bwMode="auto">
           <a:xfrm>
-            <a:off x="2590800" y="30480"/>
+            <a:off x="2286000" y="1828800"/>
             <a:ext cx="3883025" cy="3883025"/>
           </a:xfrm>
           <a:prstGeom prst="rect">
@@ -17970,7 +17736,7 @@
           <a:noFill/>
           <a:extLst>
             <a:ext uri="{909E8E84-426E-40DD-AFC4-6F175D3DCCD1}">
-              <a14:hiddenFill xmlns:a14="http://schemas.microsoft.com/office/drawing/2010/main" xmlns="">
+              <a14:hiddenFill xmlns="" xmlns:a14="http://schemas.microsoft.com/office/drawing/2010/main">
                 <a:solidFill>
                   <a:srgbClr val="FFFFFF"/>
                 </a:solidFill>
@@ -17982,7 +17748,7 @@
     </p:spTree>
     <p:extLst>
       <p:ext uri="{BB962C8B-B14F-4D97-AF65-F5344CB8AC3E}">
-        <p14:creationId xmlns:p14="http://schemas.microsoft.com/office/powerpoint/2010/main" xmlns="" val="2311633851"/>
+        <p14:creationId xmlns="" xmlns:p14="http://schemas.microsoft.com/office/powerpoint/2010/main" val="2311633851"/>
       </p:ext>
     </p:extLst>
   </p:cSld>
@@ -18024,7 +17790,7 @@
           <p:cNvPr id="2" name="Title 1">
             <a:extLst>
               <a:ext uri="{FF2B5EF4-FFF2-40B4-BE49-F238E27FC236}">
-                <a16:creationId xmlns="" xmlns:a16="http://schemas.microsoft.com/office/drawing/2014/main" id="{8969B7ED-032C-201A-C311-0330BE88EF31}"/>
+                <a16:creationId xmlns:a16="http://schemas.microsoft.com/office/drawing/2014/main" xmlns="" id="{8969B7ED-032C-201A-C311-0330BE88EF31}"/>
               </a:ext>
             </a:extLst>
           </p:cNvPr>
@@ -18053,7 +17819,7 @@
           <p:cNvPr id="3" name="Content Placeholder 2">
             <a:extLst>
               <a:ext uri="{FF2B5EF4-FFF2-40B4-BE49-F238E27FC236}">
-                <a16:creationId xmlns="" xmlns:a16="http://schemas.microsoft.com/office/drawing/2014/main" id="{3224D49F-451E-D0B3-6B4C-4CF71535FD29}"/>
+                <a16:creationId xmlns:a16="http://schemas.microsoft.com/office/drawing/2014/main" xmlns="" id="{3224D49F-451E-D0B3-6B4C-4CF71535FD29}"/>
               </a:ext>
             </a:extLst>
           </p:cNvPr>
@@ -18181,7 +17947,7 @@
           <p:cNvPr id="4" name="Slide Number Placeholder 3">
             <a:extLst>
               <a:ext uri="{FF2B5EF4-FFF2-40B4-BE49-F238E27FC236}">
-                <a16:creationId xmlns="" xmlns:a16="http://schemas.microsoft.com/office/drawing/2014/main" id="{51A10F0F-E2BC-9BF6-C664-CBF3E3DAF006}"/>
+                <a16:creationId xmlns:a16="http://schemas.microsoft.com/office/drawing/2014/main" xmlns="" id="{51A10F0F-E2BC-9BF6-C664-CBF3E3DAF006}"/>
               </a:ext>
             </a:extLst>
           </p:cNvPr>
@@ -18209,7 +17975,7 @@
     </p:spTree>
     <p:extLst>
       <p:ext uri="{BB962C8B-B14F-4D97-AF65-F5344CB8AC3E}">
-        <p14:creationId xmlns:p14="http://schemas.microsoft.com/office/powerpoint/2010/main" xmlns="" val="2661190586"/>
+        <p14:creationId xmlns="" xmlns:p14="http://schemas.microsoft.com/office/powerpoint/2010/main" val="2661190586"/>
       </p:ext>
     </p:extLst>
   </p:cSld>
@@ -18251,7 +18017,7 @@
           <p:cNvPr id="2" name="Title 1">
             <a:extLst>
               <a:ext uri="{FF2B5EF4-FFF2-40B4-BE49-F238E27FC236}">
-                <a16:creationId xmlns="" xmlns:a16="http://schemas.microsoft.com/office/drawing/2014/main" id="{4C3AF399-B815-8A52-5410-7B83720B0717}"/>
+                <a16:creationId xmlns:a16="http://schemas.microsoft.com/office/drawing/2014/main" xmlns="" id="{4C3AF399-B815-8A52-5410-7B83720B0717}"/>
               </a:ext>
             </a:extLst>
           </p:cNvPr>
@@ -18284,7 +18050,7 @@
           <p:cNvPr id="5" name="Content Placeholder 4">
             <a:extLst>
               <a:ext uri="{FF2B5EF4-FFF2-40B4-BE49-F238E27FC236}">
-                <a16:creationId xmlns="" xmlns:a16="http://schemas.microsoft.com/office/drawing/2014/main" id="{67C17FB9-A3B1-1C74-F019-D71923344868}"/>
+                <a16:creationId xmlns:a16="http://schemas.microsoft.com/office/drawing/2014/main" xmlns="" id="{67C17FB9-A3B1-1C74-F019-D71923344868}"/>
               </a:ext>
             </a:extLst>
           </p:cNvPr>
@@ -18295,7 +18061,7 @@
             <p:ph sz="quarter" idx="1"/>
             <p:extLst>
               <p:ext uri="{D42A27DB-BD31-4B8C-83A1-F6EECF244321}">
-                <p14:modId xmlns:p14="http://schemas.microsoft.com/office/powerpoint/2010/main" xmlns="" val="3182147997"/>
+                <p14:modId xmlns="" xmlns:p14="http://schemas.microsoft.com/office/powerpoint/2010/main" val="3182147997"/>
               </p:ext>
             </p:extLst>
           </p:nvPr>
@@ -18312,7 +18078,7 @@
                 <a:gridCol w="5162741">
                   <a:extLst>
                     <a:ext uri="{9D8B030D-6E8A-4147-A177-3AD203B41FA5}">
-                      <a16:colId xmlns="" xmlns:a16="http://schemas.microsoft.com/office/drawing/2014/main" val="1924135745"/>
+                      <a16:colId xmlns:a16="http://schemas.microsoft.com/office/drawing/2014/main" xmlns="" val="1924135745"/>
                     </a:ext>
                   </a:extLst>
                 </a:gridCol>
@@ -18606,7 +18372,7 @@
                 </a:tc>
                 <a:extLst>
                   <a:ext uri="{0D108BD9-81ED-4DB2-BD59-A6C34878D82A}">
-                    <a16:rowId xmlns="" xmlns:a16="http://schemas.microsoft.com/office/drawing/2014/main" val="1332729004"/>
+                    <a16:rowId xmlns:a16="http://schemas.microsoft.com/office/drawing/2014/main" xmlns="" val="1332729004"/>
                   </a:ext>
                 </a:extLst>
               </a:tr>
@@ -18619,7 +18385,7 @@
           <p:cNvPr id="4" name="Slide Number Placeholder 3">
             <a:extLst>
               <a:ext uri="{FF2B5EF4-FFF2-40B4-BE49-F238E27FC236}">
-                <a16:creationId xmlns="" xmlns:a16="http://schemas.microsoft.com/office/drawing/2014/main" id="{ABCC1D52-7B38-344D-037E-493AB638AE28}"/>
+                <a16:creationId xmlns:a16="http://schemas.microsoft.com/office/drawing/2014/main" xmlns="" id="{ABCC1D52-7B38-344D-037E-493AB638AE28}"/>
               </a:ext>
             </a:extLst>
           </p:cNvPr>
@@ -18649,7 +18415,7 @@
           <p:cNvPr id="7" name="Rectangle 3">
             <a:extLst>
               <a:ext uri="{FF2B5EF4-FFF2-40B4-BE49-F238E27FC236}">
-                <a16:creationId xmlns="" xmlns:a16="http://schemas.microsoft.com/office/drawing/2014/main" id="{006DC80A-81AD-5F17-50EB-79A3FFBCC92B}"/>
+                <a16:creationId xmlns:a16="http://schemas.microsoft.com/office/drawing/2014/main" xmlns="" id="{006DC80A-81AD-5F17-50EB-79A3FFBCC92B}"/>
               </a:ext>
             </a:extLst>
           </p:cNvPr>
@@ -18675,7 +18441,7 @@
           <a:effectLst/>
           <a:extLst>
             <a:ext uri="{91240B29-F687-4F45-9708-019B960494DF}">
-              <a14:hiddenLine xmlns:a14="http://schemas.microsoft.com/office/drawing/2010/main" xmlns="" w="9525">
+              <a14:hiddenLine xmlns="" xmlns:a14="http://schemas.microsoft.com/office/drawing/2010/main" w="9525">
                 <a:solidFill>
                   <a:schemeClr val="tx1"/>
                 </a:solidFill>
@@ -18685,7 +18451,7 @@
               </a14:hiddenLine>
             </a:ext>
             <a:ext uri="{AF507438-7753-43E0-B8FC-AC1667EBCBE1}">
-              <a14:hiddenEffects xmlns:a14="http://schemas.microsoft.com/office/drawing/2010/main" xmlns="">
+              <a14:hiddenEffects xmlns="" xmlns:a14="http://schemas.microsoft.com/office/drawing/2010/main">
                 <a:effectLst>
                   <a:outerShdw dist="35921" dir="2700000" algn="ctr" rotWithShape="0">
                     <a:schemeClr val="bg2"/>
@@ -18713,7 +18479,7 @@
           <p:cNvPr id="9" name="Picture 8">
             <a:extLst>
               <a:ext uri="{FF2B5EF4-FFF2-40B4-BE49-F238E27FC236}">
-                <a16:creationId xmlns="" xmlns:a16="http://schemas.microsoft.com/office/drawing/2014/main" id="{0857BAFD-A396-D2CD-7D02-DBC150B03FA4}"/>
+                <a16:creationId xmlns:a16="http://schemas.microsoft.com/office/drawing/2014/main" xmlns="" id="{0857BAFD-A396-D2CD-7D02-DBC150B03FA4}"/>
               </a:ext>
             </a:extLst>
           </p:cNvPr>
@@ -18741,7 +18507,7 @@
     </p:spTree>
     <p:extLst>
       <p:ext uri="{BB962C8B-B14F-4D97-AF65-F5344CB8AC3E}">
-        <p14:creationId xmlns:p14="http://schemas.microsoft.com/office/powerpoint/2010/main" xmlns="" val="2095393497"/>
+        <p14:creationId xmlns="" xmlns:p14="http://schemas.microsoft.com/office/powerpoint/2010/main" val="2095393497"/>
       </p:ext>
     </p:extLst>
   </p:cSld>
@@ -18783,7 +18549,7 @@
           <p:cNvPr id="2" name="Title 1">
             <a:extLst>
               <a:ext uri="{FF2B5EF4-FFF2-40B4-BE49-F238E27FC236}">
-                <a16:creationId xmlns="" xmlns:a16="http://schemas.microsoft.com/office/drawing/2014/main" id="{B61B7619-4840-1E27-55E7-569724911044}"/>
+                <a16:creationId xmlns:a16="http://schemas.microsoft.com/office/drawing/2014/main" xmlns="" id="{B61B7619-4840-1E27-55E7-569724911044}"/>
               </a:ext>
             </a:extLst>
           </p:cNvPr>
@@ -18818,7 +18584,7 @@
           <p:cNvPr id="5" name="Content Placeholder 4">
             <a:extLst>
               <a:ext uri="{FF2B5EF4-FFF2-40B4-BE49-F238E27FC236}">
-                <a16:creationId xmlns="" xmlns:a16="http://schemas.microsoft.com/office/drawing/2014/main" id="{2F498973-4EB1-AF99-872D-C82D8C87EE19}"/>
+                <a16:creationId xmlns:a16="http://schemas.microsoft.com/office/drawing/2014/main" xmlns="" id="{2F498973-4EB1-AF99-872D-C82D8C87EE19}"/>
               </a:ext>
             </a:extLst>
           </p:cNvPr>
@@ -18829,7 +18595,7 @@
             <p:ph sz="quarter" idx="1"/>
             <p:extLst>
               <p:ext uri="{D42A27DB-BD31-4B8C-83A1-F6EECF244321}">
-                <p14:modId xmlns:p14="http://schemas.microsoft.com/office/powerpoint/2010/main" xmlns="" val="527749876"/>
+                <p14:modId xmlns="" xmlns:p14="http://schemas.microsoft.com/office/powerpoint/2010/main" val="527749876"/>
               </p:ext>
             </p:extLst>
           </p:nvPr>
@@ -18846,7 +18612,7 @@
                 <a:gridCol w="5391532">
                   <a:extLst>
                     <a:ext uri="{9D8B030D-6E8A-4147-A177-3AD203B41FA5}">
-                      <a16:colId xmlns="" xmlns:a16="http://schemas.microsoft.com/office/drawing/2014/main" val="4264022271"/>
+                      <a16:colId xmlns:a16="http://schemas.microsoft.com/office/drawing/2014/main" xmlns="" val="4264022271"/>
                     </a:ext>
                   </a:extLst>
                 </a:gridCol>
@@ -18881,7 +18647,7 @@
                 </a:tc>
                 <a:extLst>
                   <a:ext uri="{0D108BD9-81ED-4DB2-BD59-A6C34878D82A}">
-                    <a16:rowId xmlns="" xmlns:a16="http://schemas.microsoft.com/office/drawing/2014/main" val="2193001768"/>
+                    <a16:rowId xmlns:a16="http://schemas.microsoft.com/office/drawing/2014/main" xmlns="" val="2193001768"/>
                   </a:ext>
                 </a:extLst>
               </a:tr>
@@ -18894,7 +18660,7 @@
           <p:cNvPr id="4" name="Slide Number Placeholder 3">
             <a:extLst>
               <a:ext uri="{FF2B5EF4-FFF2-40B4-BE49-F238E27FC236}">
-                <a16:creationId xmlns="" xmlns:a16="http://schemas.microsoft.com/office/drawing/2014/main" id="{91BDFF58-9D2C-7E03-0B61-ECAF8C86D913}"/>
+                <a16:creationId xmlns:a16="http://schemas.microsoft.com/office/drawing/2014/main" xmlns="" id="{91BDFF58-9D2C-7E03-0B61-ECAF8C86D913}"/>
               </a:ext>
             </a:extLst>
           </p:cNvPr>
@@ -18924,7 +18690,7 @@
           <p:cNvPr id="7" name="Rectangle 3">
             <a:extLst>
               <a:ext uri="{FF2B5EF4-FFF2-40B4-BE49-F238E27FC236}">
-                <a16:creationId xmlns="" xmlns:a16="http://schemas.microsoft.com/office/drawing/2014/main" id="{58D38597-723A-4C92-E5E7-50A9EE0C442C}"/>
+                <a16:creationId xmlns:a16="http://schemas.microsoft.com/office/drawing/2014/main" xmlns="" id="{58D38597-723A-4C92-E5E7-50A9EE0C442C}"/>
               </a:ext>
             </a:extLst>
           </p:cNvPr>
@@ -18950,7 +18716,7 @@
           <a:effectLst/>
           <a:extLst>
             <a:ext uri="{91240B29-F687-4F45-9708-019B960494DF}">
-              <a14:hiddenLine xmlns:a14="http://schemas.microsoft.com/office/drawing/2010/main" xmlns="" w="9525">
+              <a14:hiddenLine xmlns="" xmlns:a14="http://schemas.microsoft.com/office/drawing/2010/main" w="9525">
                 <a:solidFill>
                   <a:schemeClr val="tx1"/>
                 </a:solidFill>
@@ -18960,7 +18726,7 @@
               </a14:hiddenLine>
             </a:ext>
             <a:ext uri="{AF507438-7753-43E0-B8FC-AC1667EBCBE1}">
-              <a14:hiddenEffects xmlns:a14="http://schemas.microsoft.com/office/drawing/2010/main" xmlns="">
+              <a14:hiddenEffects xmlns="" xmlns:a14="http://schemas.microsoft.com/office/drawing/2010/main">
                 <a:effectLst>
                   <a:outerShdw dist="35921" dir="2700000" algn="ctr" rotWithShape="0">
                     <a:schemeClr val="bg2"/>
@@ -18988,7 +18754,7 @@
           <p:cNvPr id="8" name="Rectangle 4">
             <a:extLst>
               <a:ext uri="{FF2B5EF4-FFF2-40B4-BE49-F238E27FC236}">
-                <a16:creationId xmlns="" xmlns:a16="http://schemas.microsoft.com/office/drawing/2014/main" id="{1969DC21-FF1C-9356-7BA5-36F74D5B02EC}"/>
+                <a16:creationId xmlns:a16="http://schemas.microsoft.com/office/drawing/2014/main" xmlns="" id="{1969DC21-FF1C-9356-7BA5-36F74D5B02EC}"/>
               </a:ext>
             </a:extLst>
           </p:cNvPr>
@@ -19012,14 +18778,14 @@
           <a:effectLst/>
           <a:extLst>
             <a:ext uri="{909E8E84-426E-40DD-AFC4-6F175D3DCCD1}">
-              <a14:hiddenFill xmlns:a14="http://schemas.microsoft.com/office/drawing/2010/main" xmlns="">
+              <a14:hiddenFill xmlns="" xmlns:a14="http://schemas.microsoft.com/office/drawing/2010/main">
                 <a:solidFill>
                   <a:schemeClr val="accent1"/>
                 </a:solidFill>
               </a14:hiddenFill>
             </a:ext>
             <a:ext uri="{91240B29-F687-4F45-9708-019B960494DF}">
-              <a14:hiddenLine xmlns:a14="http://schemas.microsoft.com/office/drawing/2010/main" xmlns="" w="9525">
+              <a14:hiddenLine xmlns="" xmlns:a14="http://schemas.microsoft.com/office/drawing/2010/main" w="9525">
                 <a:solidFill>
                   <a:schemeClr val="tx1"/>
                 </a:solidFill>
@@ -19029,7 +18795,7 @@
               </a14:hiddenLine>
             </a:ext>
             <a:ext uri="{AF507438-7753-43E0-B8FC-AC1667EBCBE1}">
-              <a14:hiddenEffects xmlns:a14="http://schemas.microsoft.com/office/drawing/2010/main" xmlns="">
+              <a14:hiddenEffects xmlns="" xmlns:a14="http://schemas.microsoft.com/office/drawing/2010/main">
                 <a:effectLst>
                   <a:outerShdw dist="35921" dir="2700000" algn="ctr" rotWithShape="0">
                     <a:schemeClr val="bg2"/>
@@ -21013,7 +20779,7 @@
     </p:spTree>
     <p:extLst>
       <p:ext uri="{BB962C8B-B14F-4D97-AF65-F5344CB8AC3E}">
-        <p14:creationId xmlns:p14="http://schemas.microsoft.com/office/powerpoint/2010/main" xmlns="" val="3110119979"/>
+        <p14:creationId xmlns="" xmlns:p14="http://schemas.microsoft.com/office/powerpoint/2010/main" val="3110119979"/>
       </p:ext>
     </p:extLst>
   </p:cSld>
@@ -21055,7 +20821,7 @@
           <p:cNvPr id="2" name="Title 1">
             <a:extLst>
               <a:ext uri="{FF2B5EF4-FFF2-40B4-BE49-F238E27FC236}">
-                <a16:creationId xmlns="" xmlns:a16="http://schemas.microsoft.com/office/drawing/2014/main" id="{FEB4C414-2D29-4EF4-12CA-D0AB1B54D68F}"/>
+                <a16:creationId xmlns:a16="http://schemas.microsoft.com/office/drawing/2014/main" xmlns="" id="{FEB4C414-2D29-4EF4-12CA-D0AB1B54D68F}"/>
               </a:ext>
             </a:extLst>
           </p:cNvPr>
@@ -21088,7 +20854,7 @@
           <p:cNvPr id="6" name="Content Placeholder 5">
             <a:extLst>
               <a:ext uri="{FF2B5EF4-FFF2-40B4-BE49-F238E27FC236}">
-                <a16:creationId xmlns="" xmlns:a16="http://schemas.microsoft.com/office/drawing/2014/main" id="{AFBA3B2E-E54C-7290-B368-5DB719167CEC}"/>
+                <a16:creationId xmlns:a16="http://schemas.microsoft.com/office/drawing/2014/main" xmlns="" id="{AFBA3B2E-E54C-7290-B368-5DB719167CEC}"/>
               </a:ext>
             </a:extLst>
           </p:cNvPr>
@@ -21117,7 +20883,7 @@
           <p:cNvPr id="4" name="Slide Number Placeholder 3">
             <a:extLst>
               <a:ext uri="{FF2B5EF4-FFF2-40B4-BE49-F238E27FC236}">
-                <a16:creationId xmlns="" xmlns:a16="http://schemas.microsoft.com/office/drawing/2014/main" id="{90C51534-62D1-81B2-4136-24A0232DF1F1}"/>
+                <a16:creationId xmlns:a16="http://schemas.microsoft.com/office/drawing/2014/main" xmlns="" id="{90C51534-62D1-81B2-4136-24A0232DF1F1}"/>
               </a:ext>
             </a:extLst>
           </p:cNvPr>
@@ -21145,7 +20911,7 @@
     </p:spTree>
     <p:extLst>
       <p:ext uri="{BB962C8B-B14F-4D97-AF65-F5344CB8AC3E}">
-        <p14:creationId xmlns:p14="http://schemas.microsoft.com/office/powerpoint/2010/main" xmlns="" val="1500051179"/>
+        <p14:creationId xmlns="" xmlns:p14="http://schemas.microsoft.com/office/powerpoint/2010/main" val="1500051179"/>
       </p:ext>
     </p:extLst>
   </p:cSld>
@@ -21187,7 +20953,7 @@
           <p:cNvPr id="2" name="Title 1">
             <a:extLst>
               <a:ext uri="{FF2B5EF4-FFF2-40B4-BE49-F238E27FC236}">
-                <a16:creationId xmlns="" xmlns:a16="http://schemas.microsoft.com/office/drawing/2014/main" id="{4C72DCB0-08C9-12EA-7119-64D7C2782D71}"/>
+                <a16:creationId xmlns:a16="http://schemas.microsoft.com/office/drawing/2014/main" xmlns="" id="{4C72DCB0-08C9-12EA-7119-64D7C2782D71}"/>
               </a:ext>
             </a:extLst>
           </p:cNvPr>
@@ -21222,7 +20988,7 @@
           <p:cNvPr id="4" name="Slide Number Placeholder 3">
             <a:extLst>
               <a:ext uri="{FF2B5EF4-FFF2-40B4-BE49-F238E27FC236}">
-                <a16:creationId xmlns="" xmlns:a16="http://schemas.microsoft.com/office/drawing/2014/main" id="{22CB754F-C65C-F718-6CC5-78CD966AA1DC}"/>
+                <a16:creationId xmlns:a16="http://schemas.microsoft.com/office/drawing/2014/main" xmlns="" id="{22CB754F-C65C-F718-6CC5-78CD966AA1DC}"/>
               </a:ext>
             </a:extLst>
           </p:cNvPr>
@@ -21252,7 +21018,7 @@
           <p:cNvPr id="5" name="Rectangle 2">
             <a:extLst>
               <a:ext uri="{FF2B5EF4-FFF2-40B4-BE49-F238E27FC236}">
-                <a16:creationId xmlns="" xmlns:a16="http://schemas.microsoft.com/office/drawing/2014/main" id="{B8B5C399-FA98-C896-77A9-440FA4929DD9}"/>
+                <a16:creationId xmlns:a16="http://schemas.microsoft.com/office/drawing/2014/main" xmlns="" id="{B8B5C399-FA98-C896-77A9-440FA4929DD9}"/>
               </a:ext>
             </a:extLst>
           </p:cNvPr>
@@ -21278,14 +21044,14 @@
           <a:effectLst/>
           <a:extLst>
             <a:ext uri="{909E8E84-426E-40DD-AFC4-6F175D3DCCD1}">
-              <a14:hiddenFill xmlns:a14="http://schemas.microsoft.com/office/drawing/2010/main" xmlns="">
+              <a14:hiddenFill xmlns="" xmlns:a14="http://schemas.microsoft.com/office/drawing/2010/main">
                 <a:solidFill>
                   <a:schemeClr val="accent1"/>
                 </a:solidFill>
               </a14:hiddenFill>
             </a:ext>
             <a:ext uri="{91240B29-F687-4F45-9708-019B960494DF}">
-              <a14:hiddenLine xmlns:a14="http://schemas.microsoft.com/office/drawing/2010/main" xmlns="" w="9525">
+              <a14:hiddenLine xmlns="" xmlns:a14="http://schemas.microsoft.com/office/drawing/2010/main" w="9525">
                 <a:solidFill>
                   <a:schemeClr val="tx1"/>
                 </a:solidFill>
@@ -21295,7 +21061,7 @@
               </a14:hiddenLine>
             </a:ext>
             <a:ext uri="{AF507438-7753-43E0-B8FC-AC1667EBCBE1}">
-              <a14:hiddenEffects xmlns:a14="http://schemas.microsoft.com/office/drawing/2010/main" xmlns="">
+              <a14:hiddenEffects xmlns="" xmlns:a14="http://schemas.microsoft.com/office/drawing/2010/main">
                 <a:effectLst>
                   <a:outerShdw dist="35921" dir="2700000" algn="ctr" rotWithShape="0">
                     <a:schemeClr val="bg2"/>
@@ -23355,7 +23121,7 @@
     </p:spTree>
     <p:extLst>
       <p:ext uri="{BB962C8B-B14F-4D97-AF65-F5344CB8AC3E}">
-        <p14:creationId xmlns:p14="http://schemas.microsoft.com/office/powerpoint/2010/main" xmlns="" val="2560600133"/>
+        <p14:creationId xmlns="" xmlns:p14="http://schemas.microsoft.com/office/powerpoint/2010/main" val="2560600133"/>
       </p:ext>
     </p:extLst>
   </p:cSld>
@@ -23397,7 +23163,7 @@
           <p:cNvPr id="2" name="Title 1">
             <a:extLst>
               <a:ext uri="{FF2B5EF4-FFF2-40B4-BE49-F238E27FC236}">
-                <a16:creationId xmlns="" xmlns:a16="http://schemas.microsoft.com/office/drawing/2014/main" id="{93301647-8762-C105-56EA-594F97E20F89}"/>
+                <a16:creationId xmlns:a16="http://schemas.microsoft.com/office/drawing/2014/main" xmlns="" id="{93301647-8762-C105-56EA-594F97E20F89}"/>
               </a:ext>
             </a:extLst>
           </p:cNvPr>
@@ -23425,7 +23191,7 @@
           <p:cNvPr id="6" name="Content Placeholder 5">
             <a:extLst>
               <a:ext uri="{FF2B5EF4-FFF2-40B4-BE49-F238E27FC236}">
-                <a16:creationId xmlns="" xmlns:a16="http://schemas.microsoft.com/office/drawing/2014/main" id="{0DA2378B-CDFB-C115-93F6-5C4A82894B7C}"/>
+                <a16:creationId xmlns:a16="http://schemas.microsoft.com/office/drawing/2014/main" xmlns="" id="{0DA2378B-CDFB-C115-93F6-5C4A82894B7C}"/>
               </a:ext>
             </a:extLst>
           </p:cNvPr>
@@ -23454,7 +23220,7 @@
           <p:cNvPr id="4" name="Slide Number Placeholder 3">
             <a:extLst>
               <a:ext uri="{FF2B5EF4-FFF2-40B4-BE49-F238E27FC236}">
-                <a16:creationId xmlns="" xmlns:a16="http://schemas.microsoft.com/office/drawing/2014/main" id="{9D4C71D4-EB45-80AB-19E7-BADA81BB2E04}"/>
+                <a16:creationId xmlns:a16="http://schemas.microsoft.com/office/drawing/2014/main" xmlns="" id="{9D4C71D4-EB45-80AB-19E7-BADA81BB2E04}"/>
               </a:ext>
             </a:extLst>
           </p:cNvPr>
@@ -23482,7 +23248,7 @@
     </p:spTree>
     <p:extLst>
       <p:ext uri="{BB962C8B-B14F-4D97-AF65-F5344CB8AC3E}">
-        <p14:creationId xmlns:p14="http://schemas.microsoft.com/office/powerpoint/2010/main" xmlns="" val="3161654906"/>
+        <p14:creationId xmlns="" xmlns:p14="http://schemas.microsoft.com/office/powerpoint/2010/main" val="3161654906"/>
       </p:ext>
     </p:extLst>
   </p:cSld>
@@ -23524,7 +23290,7 @@
           <p:cNvPr id="2" name="Title 1">
             <a:extLst>
               <a:ext uri="{FF2B5EF4-FFF2-40B4-BE49-F238E27FC236}">
-                <a16:creationId xmlns="" xmlns:a16="http://schemas.microsoft.com/office/drawing/2014/main" id="{AA1145F7-09D4-3649-4317-9579ED46F158}"/>
+                <a16:creationId xmlns:a16="http://schemas.microsoft.com/office/drawing/2014/main" xmlns="" id="{AA1145F7-09D4-3649-4317-9579ED46F158}"/>
               </a:ext>
             </a:extLst>
           </p:cNvPr>
@@ -23557,7 +23323,7 @@
           <p:cNvPr id="4" name="Slide Number Placeholder 3">
             <a:extLst>
               <a:ext uri="{FF2B5EF4-FFF2-40B4-BE49-F238E27FC236}">
-                <a16:creationId xmlns="" xmlns:a16="http://schemas.microsoft.com/office/drawing/2014/main" id="{1D9854EF-BDAB-94D0-E78B-969031FD064C}"/>
+                <a16:creationId xmlns:a16="http://schemas.microsoft.com/office/drawing/2014/main" xmlns="" id="{1D9854EF-BDAB-94D0-E78B-969031FD064C}"/>
               </a:ext>
             </a:extLst>
           </p:cNvPr>
@@ -23587,7 +23353,7 @@
           <p:cNvPr id="5" name="Rectangle 2">
             <a:extLst>
               <a:ext uri="{FF2B5EF4-FFF2-40B4-BE49-F238E27FC236}">
-                <a16:creationId xmlns="" xmlns:a16="http://schemas.microsoft.com/office/drawing/2014/main" id="{14D8B1F3-DD1D-35A3-2245-DCB7F29C194E}"/>
+                <a16:creationId xmlns:a16="http://schemas.microsoft.com/office/drawing/2014/main" xmlns="" id="{14D8B1F3-DD1D-35A3-2245-DCB7F29C194E}"/>
               </a:ext>
             </a:extLst>
           </p:cNvPr>
@@ -23613,14 +23379,14 @@
           <a:effectLst/>
           <a:extLst>
             <a:ext uri="{909E8E84-426E-40DD-AFC4-6F175D3DCCD1}">
-              <a14:hiddenFill xmlns:a14="http://schemas.microsoft.com/office/drawing/2010/main" xmlns="">
+              <a14:hiddenFill xmlns="" xmlns:a14="http://schemas.microsoft.com/office/drawing/2010/main">
                 <a:solidFill>
                   <a:schemeClr val="accent1"/>
                 </a:solidFill>
               </a14:hiddenFill>
             </a:ext>
             <a:ext uri="{91240B29-F687-4F45-9708-019B960494DF}">
-              <a14:hiddenLine xmlns:a14="http://schemas.microsoft.com/office/drawing/2010/main" xmlns="" w="9525">
+              <a14:hiddenLine xmlns="" xmlns:a14="http://schemas.microsoft.com/office/drawing/2010/main" w="9525">
                 <a:solidFill>
                   <a:schemeClr val="tx1"/>
                 </a:solidFill>
@@ -23630,7 +23396,7 @@
               </a14:hiddenLine>
             </a:ext>
             <a:ext uri="{AF507438-7753-43E0-B8FC-AC1667EBCBE1}">
-              <a14:hiddenEffects xmlns:a14="http://schemas.microsoft.com/office/drawing/2010/main" xmlns="">
+              <a14:hiddenEffects xmlns="" xmlns:a14="http://schemas.microsoft.com/office/drawing/2010/main">
                 <a:effectLst>
                   <a:outerShdw dist="35921" dir="2700000" algn="ctr" rotWithShape="0">
                     <a:schemeClr val="bg2"/>
@@ -25675,7 +25441,7 @@
     </p:spTree>
     <p:extLst>
       <p:ext uri="{BB962C8B-B14F-4D97-AF65-F5344CB8AC3E}">
-        <p14:creationId xmlns:p14="http://schemas.microsoft.com/office/powerpoint/2010/main" xmlns="" val="3941162094"/>
+        <p14:creationId xmlns="" xmlns:p14="http://schemas.microsoft.com/office/powerpoint/2010/main" val="3941162094"/>
       </p:ext>
     </p:extLst>
   </p:cSld>
@@ -25717,7 +25483,7 @@
           <p:cNvPr id="2" name="Title 1">
             <a:extLst>
               <a:ext uri="{FF2B5EF4-FFF2-40B4-BE49-F238E27FC236}">
-                <a16:creationId xmlns="" xmlns:a16="http://schemas.microsoft.com/office/drawing/2014/main" id="{ADBC9C74-BFF1-19D8-C9C6-C5AE02C8E34B}"/>
+                <a16:creationId xmlns:a16="http://schemas.microsoft.com/office/drawing/2014/main" xmlns="" id="{ADBC9C74-BFF1-19D8-C9C6-C5AE02C8E34B}"/>
               </a:ext>
             </a:extLst>
           </p:cNvPr>
@@ -25745,7 +25511,7 @@
           <p:cNvPr id="6" name="Content Placeholder 5">
             <a:extLst>
               <a:ext uri="{FF2B5EF4-FFF2-40B4-BE49-F238E27FC236}">
-                <a16:creationId xmlns="" xmlns:a16="http://schemas.microsoft.com/office/drawing/2014/main" id="{1D774455-CE27-0EB6-86D6-61697F126081}"/>
+                <a16:creationId xmlns:a16="http://schemas.microsoft.com/office/drawing/2014/main" xmlns="" id="{1D774455-CE27-0EB6-86D6-61697F126081}"/>
               </a:ext>
             </a:extLst>
           </p:cNvPr>
@@ -25774,7 +25540,7 @@
           <p:cNvPr id="4" name="Slide Number Placeholder 3">
             <a:extLst>
               <a:ext uri="{FF2B5EF4-FFF2-40B4-BE49-F238E27FC236}">
-                <a16:creationId xmlns="" xmlns:a16="http://schemas.microsoft.com/office/drawing/2014/main" id="{629B7BA9-4B28-E40F-B6EA-A2047FF319E5}"/>
+                <a16:creationId xmlns:a16="http://schemas.microsoft.com/office/drawing/2014/main" xmlns="" id="{629B7BA9-4B28-E40F-B6EA-A2047FF319E5}"/>
               </a:ext>
             </a:extLst>
           </p:cNvPr>
@@ -25802,7 +25568,7 @@
     </p:spTree>
     <p:extLst>
       <p:ext uri="{BB962C8B-B14F-4D97-AF65-F5344CB8AC3E}">
-        <p14:creationId xmlns:p14="http://schemas.microsoft.com/office/powerpoint/2010/main" xmlns="" val="3565868722"/>
+        <p14:creationId xmlns="" xmlns:p14="http://schemas.microsoft.com/office/powerpoint/2010/main" val="3565868722"/>
       </p:ext>
     </p:extLst>
   </p:cSld>
@@ -25844,7 +25610,7 @@
           <p:cNvPr id="2" name="Title 1">
             <a:extLst>
               <a:ext uri="{FF2B5EF4-FFF2-40B4-BE49-F238E27FC236}">
-                <a16:creationId xmlns="" xmlns:a16="http://schemas.microsoft.com/office/drawing/2014/main" id="{D48CBE34-4CF7-7C3B-FB39-EF9185AA64A0}"/>
+                <a16:creationId xmlns:a16="http://schemas.microsoft.com/office/drawing/2014/main" xmlns="" id="{D48CBE34-4CF7-7C3B-FB39-EF9185AA64A0}"/>
               </a:ext>
             </a:extLst>
           </p:cNvPr>
@@ -25877,7 +25643,7 @@
           <p:cNvPr id="4" name="Slide Number Placeholder 3">
             <a:extLst>
               <a:ext uri="{FF2B5EF4-FFF2-40B4-BE49-F238E27FC236}">
-                <a16:creationId xmlns="" xmlns:a16="http://schemas.microsoft.com/office/drawing/2014/main" id="{26F5498D-D299-D827-66EB-75DB7320A907}"/>
+                <a16:creationId xmlns:a16="http://schemas.microsoft.com/office/drawing/2014/main" xmlns="" id="{26F5498D-D299-D827-66EB-75DB7320A907}"/>
               </a:ext>
             </a:extLst>
           </p:cNvPr>
@@ -25907,7 +25673,7 @@
           <p:cNvPr id="5" name="Rectangle 2">
             <a:extLst>
               <a:ext uri="{FF2B5EF4-FFF2-40B4-BE49-F238E27FC236}">
-                <a16:creationId xmlns="" xmlns:a16="http://schemas.microsoft.com/office/drawing/2014/main" id="{D0BEBF86-36D1-5504-3114-ABBD98057905}"/>
+                <a16:creationId xmlns:a16="http://schemas.microsoft.com/office/drawing/2014/main" xmlns="" id="{D0BEBF86-36D1-5504-3114-ABBD98057905}"/>
               </a:ext>
             </a:extLst>
           </p:cNvPr>
@@ -25933,14 +25699,14 @@
           <a:effectLst/>
           <a:extLst>
             <a:ext uri="{909E8E84-426E-40DD-AFC4-6F175D3DCCD1}">
-              <a14:hiddenFill xmlns:a14="http://schemas.microsoft.com/office/drawing/2010/main" xmlns="">
+              <a14:hiddenFill xmlns="" xmlns:a14="http://schemas.microsoft.com/office/drawing/2010/main">
                 <a:solidFill>
                   <a:schemeClr val="accent1"/>
                 </a:solidFill>
               </a14:hiddenFill>
             </a:ext>
             <a:ext uri="{91240B29-F687-4F45-9708-019B960494DF}">
-              <a14:hiddenLine xmlns:a14="http://schemas.microsoft.com/office/drawing/2010/main" xmlns="" w="9525">
+              <a14:hiddenLine xmlns="" xmlns:a14="http://schemas.microsoft.com/office/drawing/2010/main" w="9525">
                 <a:solidFill>
                   <a:schemeClr val="tx1"/>
                 </a:solidFill>
@@ -25950,7 +25716,7 @@
               </a14:hiddenLine>
             </a:ext>
             <a:ext uri="{AF507438-7753-43E0-B8FC-AC1667EBCBE1}">
-              <a14:hiddenEffects xmlns:a14="http://schemas.microsoft.com/office/drawing/2010/main" xmlns="">
+              <a14:hiddenEffects xmlns="" xmlns:a14="http://schemas.microsoft.com/office/drawing/2010/main">
                 <a:effectLst>
                   <a:outerShdw dist="35921" dir="2700000" algn="ctr" rotWithShape="0">
                     <a:schemeClr val="bg2"/>
@@ -27916,7 +27682,7 @@
     </p:spTree>
     <p:extLst>
       <p:ext uri="{BB962C8B-B14F-4D97-AF65-F5344CB8AC3E}">
-        <p14:creationId xmlns:p14="http://schemas.microsoft.com/office/powerpoint/2010/main" xmlns="" val="966657119"/>
+        <p14:creationId xmlns="" xmlns:p14="http://schemas.microsoft.com/office/powerpoint/2010/main" val="966657119"/>
       </p:ext>
     </p:extLst>
   </p:cSld>
@@ -28248,7 +28014,7 @@
           <p:cNvPr id="2" name="Title 1">
             <a:extLst>
               <a:ext uri="{FF2B5EF4-FFF2-40B4-BE49-F238E27FC236}">
-                <a16:creationId xmlns="" xmlns:a16="http://schemas.microsoft.com/office/drawing/2014/main" id="{5063E125-8D59-D581-54E8-873CE8C6B8DD}"/>
+                <a16:creationId xmlns:a16="http://schemas.microsoft.com/office/drawing/2014/main" xmlns="" id="{5063E125-8D59-D581-54E8-873CE8C6B8DD}"/>
               </a:ext>
             </a:extLst>
           </p:cNvPr>
@@ -28283,7 +28049,7 @@
           <p:cNvPr id="6" name="Content Placeholder 5">
             <a:extLst>
               <a:ext uri="{FF2B5EF4-FFF2-40B4-BE49-F238E27FC236}">
-                <a16:creationId xmlns="" xmlns:a16="http://schemas.microsoft.com/office/drawing/2014/main" id="{934EBA18-B5AD-530D-DE28-33E5C40302EB}"/>
+                <a16:creationId xmlns:a16="http://schemas.microsoft.com/office/drawing/2014/main" xmlns="" id="{934EBA18-B5AD-530D-DE28-33E5C40302EB}"/>
               </a:ext>
             </a:extLst>
           </p:cNvPr>
@@ -28312,7 +28078,7 @@
           <p:cNvPr id="4" name="Slide Number Placeholder 3">
             <a:extLst>
               <a:ext uri="{FF2B5EF4-FFF2-40B4-BE49-F238E27FC236}">
-                <a16:creationId xmlns="" xmlns:a16="http://schemas.microsoft.com/office/drawing/2014/main" id="{05AB8FCD-2A46-402C-E416-12B01F10FA6A}"/>
+                <a16:creationId xmlns:a16="http://schemas.microsoft.com/office/drawing/2014/main" xmlns="" id="{05AB8FCD-2A46-402C-E416-12B01F10FA6A}"/>
               </a:ext>
             </a:extLst>
           </p:cNvPr>
@@ -28342,7 +28108,7 @@
           <p:cNvPr id="8" name="TextBox 7">
             <a:extLst>
               <a:ext uri="{FF2B5EF4-FFF2-40B4-BE49-F238E27FC236}">
-                <a16:creationId xmlns="" xmlns:a16="http://schemas.microsoft.com/office/drawing/2014/main" id="{4DDF6E6A-D3B1-08E5-C275-26CF8D987976}"/>
+                <a16:creationId xmlns:a16="http://schemas.microsoft.com/office/drawing/2014/main" xmlns="" id="{4DDF6E6A-D3B1-08E5-C275-26CF8D987976}"/>
               </a:ext>
             </a:extLst>
           </p:cNvPr>
@@ -28680,7 +28446,7 @@
     </p:spTree>
     <p:extLst>
       <p:ext uri="{BB962C8B-B14F-4D97-AF65-F5344CB8AC3E}">
-        <p14:creationId xmlns:p14="http://schemas.microsoft.com/office/powerpoint/2010/main" xmlns="" val="1562834069"/>
+        <p14:creationId xmlns="" xmlns:p14="http://schemas.microsoft.com/office/powerpoint/2010/main" val="1562834069"/>
       </p:ext>
     </p:extLst>
   </p:cSld>
@@ -28722,7 +28488,7 @@
           <p:cNvPr id="2" name="Title 1">
             <a:extLst>
               <a:ext uri="{FF2B5EF4-FFF2-40B4-BE49-F238E27FC236}">
-                <a16:creationId xmlns="" xmlns:a16="http://schemas.microsoft.com/office/drawing/2014/main" id="{A1CC149F-5D49-0E1C-E56C-67A20437193C}"/>
+                <a16:creationId xmlns:a16="http://schemas.microsoft.com/office/drawing/2014/main" xmlns="" id="{A1CC149F-5D49-0E1C-E56C-67A20437193C}"/>
               </a:ext>
             </a:extLst>
           </p:cNvPr>
@@ -28755,7 +28521,7 @@
           <p:cNvPr id="4" name="Slide Number Placeholder 3">
             <a:extLst>
               <a:ext uri="{FF2B5EF4-FFF2-40B4-BE49-F238E27FC236}">
-                <a16:creationId xmlns="" xmlns:a16="http://schemas.microsoft.com/office/drawing/2014/main" id="{81D73CF4-479B-7072-DD1E-40926B3CA392}"/>
+                <a16:creationId xmlns:a16="http://schemas.microsoft.com/office/drawing/2014/main" xmlns="" id="{81D73CF4-479B-7072-DD1E-40926B3CA392}"/>
               </a:ext>
             </a:extLst>
           </p:cNvPr>
@@ -28785,7 +28551,7 @@
           <p:cNvPr id="6" name="Rectangle 2">
             <a:extLst>
               <a:ext uri="{FF2B5EF4-FFF2-40B4-BE49-F238E27FC236}">
-                <a16:creationId xmlns="" xmlns:a16="http://schemas.microsoft.com/office/drawing/2014/main" id="{95CC2CDD-C2B7-143A-E234-E062C2B30C1B}"/>
+                <a16:creationId xmlns:a16="http://schemas.microsoft.com/office/drawing/2014/main" xmlns="" id="{95CC2CDD-C2B7-143A-E234-E062C2B30C1B}"/>
               </a:ext>
             </a:extLst>
           </p:cNvPr>
@@ -28811,14 +28577,14 @@
           <a:effectLst/>
           <a:extLst>
             <a:ext uri="{909E8E84-426E-40DD-AFC4-6F175D3DCCD1}">
-              <a14:hiddenFill xmlns:a14="http://schemas.microsoft.com/office/drawing/2010/main" xmlns="">
+              <a14:hiddenFill xmlns="" xmlns:a14="http://schemas.microsoft.com/office/drawing/2010/main">
                 <a:solidFill>
                   <a:schemeClr val="accent1"/>
                 </a:solidFill>
               </a14:hiddenFill>
             </a:ext>
             <a:ext uri="{91240B29-F687-4F45-9708-019B960494DF}">
-              <a14:hiddenLine xmlns:a14="http://schemas.microsoft.com/office/drawing/2010/main" xmlns="" w="9525">
+              <a14:hiddenLine xmlns="" xmlns:a14="http://schemas.microsoft.com/office/drawing/2010/main" w="9525">
                 <a:solidFill>
                   <a:schemeClr val="tx1"/>
                 </a:solidFill>
@@ -28828,7 +28594,7 @@
               </a14:hiddenLine>
             </a:ext>
             <a:ext uri="{AF507438-7753-43E0-B8FC-AC1667EBCBE1}">
-              <a14:hiddenEffects xmlns:a14="http://schemas.microsoft.com/office/drawing/2010/main" xmlns="">
+              <a14:hiddenEffects xmlns="" xmlns:a14="http://schemas.microsoft.com/office/drawing/2010/main">
                 <a:effectLst>
                   <a:outerShdw dist="35921" dir="2700000" algn="ctr" rotWithShape="0">
                     <a:schemeClr val="bg2"/>
@@ -30555,7 +30321,7 @@
     </p:spTree>
     <p:extLst>
       <p:ext uri="{BB962C8B-B14F-4D97-AF65-F5344CB8AC3E}">
-        <p14:creationId xmlns:p14="http://schemas.microsoft.com/office/powerpoint/2010/main" xmlns="" val="650241756"/>
+        <p14:creationId xmlns="" xmlns:p14="http://schemas.microsoft.com/office/powerpoint/2010/main" val="650241756"/>
       </p:ext>
     </p:extLst>
   </p:cSld>
@@ -30597,7 +30363,7 @@
           <p:cNvPr id="2" name="Title 1">
             <a:extLst>
               <a:ext uri="{FF2B5EF4-FFF2-40B4-BE49-F238E27FC236}">
-                <a16:creationId xmlns="" xmlns:a16="http://schemas.microsoft.com/office/drawing/2014/main" id="{70314910-E27B-B84B-906A-948A7F11B61E}"/>
+                <a16:creationId xmlns:a16="http://schemas.microsoft.com/office/drawing/2014/main" xmlns="" id="{70314910-E27B-B84B-906A-948A7F11B61E}"/>
               </a:ext>
             </a:extLst>
           </p:cNvPr>
@@ -30632,7 +30398,7 @@
           <p:cNvPr id="4" name="Slide Number Placeholder 3">
             <a:extLst>
               <a:ext uri="{FF2B5EF4-FFF2-40B4-BE49-F238E27FC236}">
-                <a16:creationId xmlns="" xmlns:a16="http://schemas.microsoft.com/office/drawing/2014/main" id="{0CC5C332-D875-2E40-EF96-B60BAD6C40ED}"/>
+                <a16:creationId xmlns:a16="http://schemas.microsoft.com/office/drawing/2014/main" xmlns="" id="{0CC5C332-D875-2E40-EF96-B60BAD6C40ED}"/>
               </a:ext>
             </a:extLst>
           </p:cNvPr>
@@ -30662,7 +30428,7 @@
           <p:cNvPr id="9" name="Content Placeholder 8">
             <a:extLst>
               <a:ext uri="{FF2B5EF4-FFF2-40B4-BE49-F238E27FC236}">
-                <a16:creationId xmlns="" xmlns:a16="http://schemas.microsoft.com/office/drawing/2014/main" id="{E6CB1161-BACE-1BF8-35D3-4E47D908BF28}"/>
+                <a16:creationId xmlns:a16="http://schemas.microsoft.com/office/drawing/2014/main" xmlns="" id="{E6CB1161-BACE-1BF8-35D3-4E47D908BF28}"/>
               </a:ext>
             </a:extLst>
           </p:cNvPr>
@@ -30689,7 +30455,7 @@
     </p:spTree>
     <p:extLst>
       <p:ext uri="{BB962C8B-B14F-4D97-AF65-F5344CB8AC3E}">
-        <p14:creationId xmlns:p14="http://schemas.microsoft.com/office/powerpoint/2010/main" xmlns="" val="3465950877"/>
+        <p14:creationId xmlns="" xmlns:p14="http://schemas.microsoft.com/office/powerpoint/2010/main" val="3465950877"/>
       </p:ext>
     </p:extLst>
   </p:cSld>
@@ -30731,7 +30497,7 @@
           <p:cNvPr id="2" name="Title 1">
             <a:extLst>
               <a:ext uri="{FF2B5EF4-FFF2-40B4-BE49-F238E27FC236}">
-                <a16:creationId xmlns="" xmlns:a16="http://schemas.microsoft.com/office/drawing/2014/main" id="{FE2E5896-1992-0F40-35B9-F5CDDCF57BEC}"/>
+                <a16:creationId xmlns:a16="http://schemas.microsoft.com/office/drawing/2014/main" xmlns="" id="{FE2E5896-1992-0F40-35B9-F5CDDCF57BEC}"/>
               </a:ext>
             </a:extLst>
           </p:cNvPr>
@@ -30764,7 +30530,7 @@
           <p:cNvPr id="4" name="Slide Number Placeholder 3">
             <a:extLst>
               <a:ext uri="{FF2B5EF4-FFF2-40B4-BE49-F238E27FC236}">
-                <a16:creationId xmlns="" xmlns:a16="http://schemas.microsoft.com/office/drawing/2014/main" id="{5ACC1CF0-F1F5-9D2F-8A36-956B0AC2DAA6}"/>
+                <a16:creationId xmlns:a16="http://schemas.microsoft.com/office/drawing/2014/main" xmlns="" id="{5ACC1CF0-F1F5-9D2F-8A36-956B0AC2DAA6}"/>
               </a:ext>
             </a:extLst>
           </p:cNvPr>
@@ -30794,7 +30560,7 @@
           <p:cNvPr id="5" name="Rectangle 2">
             <a:extLst>
               <a:ext uri="{FF2B5EF4-FFF2-40B4-BE49-F238E27FC236}">
-                <a16:creationId xmlns="" xmlns:a16="http://schemas.microsoft.com/office/drawing/2014/main" id="{5FA24598-7827-BAA5-CAA1-7465D53C5900}"/>
+                <a16:creationId xmlns:a16="http://schemas.microsoft.com/office/drawing/2014/main" xmlns="" id="{5FA24598-7827-BAA5-CAA1-7465D53C5900}"/>
               </a:ext>
             </a:extLst>
           </p:cNvPr>
@@ -30820,14 +30586,14 @@
           <a:effectLst/>
           <a:extLst>
             <a:ext uri="{909E8E84-426E-40DD-AFC4-6F175D3DCCD1}">
-              <a14:hiddenFill xmlns:a14="http://schemas.microsoft.com/office/drawing/2010/main" xmlns="">
+              <a14:hiddenFill xmlns="" xmlns:a14="http://schemas.microsoft.com/office/drawing/2010/main">
                 <a:solidFill>
                   <a:schemeClr val="accent1"/>
                 </a:solidFill>
               </a14:hiddenFill>
             </a:ext>
             <a:ext uri="{91240B29-F687-4F45-9708-019B960494DF}">
-              <a14:hiddenLine xmlns:a14="http://schemas.microsoft.com/office/drawing/2010/main" xmlns="" w="9525">
+              <a14:hiddenLine xmlns="" xmlns:a14="http://schemas.microsoft.com/office/drawing/2010/main" w="9525">
                 <a:solidFill>
                   <a:schemeClr val="tx1"/>
                 </a:solidFill>
@@ -30837,7 +30603,7 @@
               </a14:hiddenLine>
             </a:ext>
             <a:ext uri="{AF507438-7753-43E0-B8FC-AC1667EBCBE1}">
-              <a14:hiddenEffects xmlns:a14="http://schemas.microsoft.com/office/drawing/2010/main" xmlns="">
+              <a14:hiddenEffects xmlns="" xmlns:a14="http://schemas.microsoft.com/office/drawing/2010/main">
                 <a:effectLst>
                   <a:outerShdw dist="35921" dir="2700000" algn="ctr" rotWithShape="0">
                     <a:schemeClr val="bg2"/>
@@ -31886,7 +31652,7 @@
     </p:spTree>
     <p:extLst>
       <p:ext uri="{BB962C8B-B14F-4D97-AF65-F5344CB8AC3E}">
-        <p14:creationId xmlns:p14="http://schemas.microsoft.com/office/powerpoint/2010/main" xmlns="" val="1678775255"/>
+        <p14:creationId xmlns="" xmlns:p14="http://schemas.microsoft.com/office/powerpoint/2010/main" val="1678775255"/>
       </p:ext>
     </p:extLst>
   </p:cSld>
@@ -31928,7 +31694,7 @@
           <p:cNvPr id="2" name="Title 1">
             <a:extLst>
               <a:ext uri="{FF2B5EF4-FFF2-40B4-BE49-F238E27FC236}">
-                <a16:creationId xmlns="" xmlns:a16="http://schemas.microsoft.com/office/drawing/2014/main" id="{3A5014A6-8D59-B62A-CD41-FE7FECEF84C2}"/>
+                <a16:creationId xmlns:a16="http://schemas.microsoft.com/office/drawing/2014/main" xmlns="" id="{3A5014A6-8D59-B62A-CD41-FE7FECEF84C2}"/>
               </a:ext>
             </a:extLst>
           </p:cNvPr>
@@ -31961,7 +31727,7 @@
           <p:cNvPr id="6" name="Content Placeholder 5">
             <a:extLst>
               <a:ext uri="{FF2B5EF4-FFF2-40B4-BE49-F238E27FC236}">
-                <a16:creationId xmlns="" xmlns:a16="http://schemas.microsoft.com/office/drawing/2014/main" id="{CE617953-6F25-A1D9-90C2-14D9E6404DF8}"/>
+                <a16:creationId xmlns:a16="http://schemas.microsoft.com/office/drawing/2014/main" xmlns="" id="{CE617953-6F25-A1D9-90C2-14D9E6404DF8}"/>
               </a:ext>
             </a:extLst>
           </p:cNvPr>
@@ -31990,7 +31756,7 @@
           <p:cNvPr id="4" name="Slide Number Placeholder 3">
             <a:extLst>
               <a:ext uri="{FF2B5EF4-FFF2-40B4-BE49-F238E27FC236}">
-                <a16:creationId xmlns="" xmlns:a16="http://schemas.microsoft.com/office/drawing/2014/main" id="{AC636E0C-9D67-1830-AC57-18C97C08C2BC}"/>
+                <a16:creationId xmlns:a16="http://schemas.microsoft.com/office/drawing/2014/main" xmlns="" id="{AC636E0C-9D67-1830-AC57-18C97C08C2BC}"/>
               </a:ext>
             </a:extLst>
           </p:cNvPr>
@@ -32020,7 +31786,7 @@
           <p:cNvPr id="8" name="TextBox 7">
             <a:extLst>
               <a:ext uri="{FF2B5EF4-FFF2-40B4-BE49-F238E27FC236}">
-                <a16:creationId xmlns="" xmlns:a16="http://schemas.microsoft.com/office/drawing/2014/main" id="{BF9C4440-13B2-046E-B3D3-22FF65590D4B}"/>
+                <a16:creationId xmlns:a16="http://schemas.microsoft.com/office/drawing/2014/main" xmlns="" id="{BF9C4440-13B2-046E-B3D3-22FF65590D4B}"/>
               </a:ext>
             </a:extLst>
           </p:cNvPr>
@@ -32235,7 +32001,7 @@
     </p:spTree>
     <p:extLst>
       <p:ext uri="{BB962C8B-B14F-4D97-AF65-F5344CB8AC3E}">
-        <p14:creationId xmlns:p14="http://schemas.microsoft.com/office/powerpoint/2010/main" xmlns="" val="3106994763"/>
+        <p14:creationId xmlns="" xmlns:p14="http://schemas.microsoft.com/office/powerpoint/2010/main" val="3106994763"/>
       </p:ext>
     </p:extLst>
   </p:cSld>
@@ -32256,350 +32022,6 @@
 </file>
 
 <file path=ppt/slides/slide65.xml><?xml version="1.0" encoding="utf-8"?>
-<p:sld xmlns:a="http://schemas.openxmlformats.org/drawingml/2006/main" xmlns:r="http://schemas.openxmlformats.org/officeDocument/2006/relationships" xmlns:p="http://schemas.openxmlformats.org/presentationml/2006/main">
-  <p:cSld>
-    <p:spTree>
-      <p:nvGrpSpPr>
-        <p:cNvPr id="1" name="Shape 228"/>
-        <p:cNvGrpSpPr/>
-        <p:nvPr/>
-      </p:nvGrpSpPr>
-      <p:grpSpPr>
-        <a:xfrm>
-          <a:off x="0" y="0"/>
-          <a:ext cx="0" cy="0"/>
-          <a:chOff x="0" y="0"/>
-          <a:chExt cx="0" cy="0"/>
-        </a:xfrm>
-      </p:grpSpPr>
-      <p:sp>
-        <p:nvSpPr>
-          <p:cNvPr id="229" name="Google Shape;229;p26"/>
-          <p:cNvSpPr txBox="1">
-            <a:spLocks noGrp="1"/>
-          </p:cNvSpPr>
-          <p:nvPr>
-            <p:ph type="title"/>
-          </p:nvPr>
-        </p:nvSpPr>
-        <p:spPr>
-          <a:xfrm>
-            <a:off x="869819" y="380999"/>
-            <a:ext cx="7467600" cy="1089507"/>
-          </a:xfrm>
-          <a:prstGeom prst="rect">
-            <a:avLst/>
-          </a:prstGeom>
-        </p:spPr>
-        <p:txBody>
-          <a:bodyPr spcFirstLastPara="1" vert="horz" wrap="square" lIns="91425" tIns="91425" rIns="91425" bIns="91425" anchor="ctr" anchorCtr="0">
-            <a:noAutofit/>
-          </a:bodyPr>
-          <a:lstStyle/>
-          <a:p>
-            <a:pPr lvl="0" algn="ctr"/>
-            <a:r>
-              <a:rPr lang="en-US" sz="2400" dirty="0" smtClean="0">
-                <a:solidFill>
-                  <a:srgbClr val="2C363A"/>
-                </a:solidFill>
-              </a:rPr>
-              <a:t>Assignment</a:t>
-            </a:r>
-            <a:endParaRPr sz="2400" dirty="0">
-              <a:solidFill>
-                <a:schemeClr val="accent2"/>
-              </a:solidFill>
-            </a:endParaRPr>
-          </a:p>
-        </p:txBody>
-      </p:sp>
-      <p:sp>
-        <p:nvSpPr>
-          <p:cNvPr id="230" name="Google Shape;230;p26"/>
-          <p:cNvSpPr txBox="1">
-            <a:spLocks noGrp="1"/>
-          </p:cNvSpPr>
-          <p:nvPr>
-            <p:ph type="sldNum" sz="quarter" idx="15"/>
-          </p:nvPr>
-        </p:nvSpPr>
-        <p:spPr>
-          <a:prstGeom prst="rect">
-            <a:avLst/>
-          </a:prstGeom>
-        </p:spPr>
-        <p:txBody>
-          <a:bodyPr spcFirstLastPara="1" vert="horz" wrap="square" lIns="91425" tIns="91425" rIns="91425" bIns="91425" anchor="t" anchorCtr="0">
-            <a:noAutofit/>
-          </a:bodyPr>
-          <a:lstStyle/>
-          <a:p>
-            <a:pPr algn="r"/>
-            <a:fld id="{00000000-1234-1234-1234-123412341234}" type="slidenum">
-              <a:rPr lang="en"/>
-              <a:pPr algn="r"/>
-              <a:t>65</a:t>
-            </a:fld>
-            <a:endParaRPr/>
-          </a:p>
-        </p:txBody>
-      </p:sp>
-      <p:sp>
-        <p:nvSpPr>
-          <p:cNvPr id="2" name="Rectangle 1"/>
-          <p:cNvSpPr/>
-          <p:nvPr/>
-        </p:nvSpPr>
-        <p:spPr>
-          <a:xfrm>
-            <a:off x="304800" y="1263028"/>
-            <a:ext cx="8433816" cy="1569660"/>
-          </a:xfrm>
-          <a:prstGeom prst="rect">
-            <a:avLst/>
-          </a:prstGeom>
-        </p:spPr>
-        <p:txBody>
-          <a:bodyPr wrap="square">
-            <a:spAutoFit/>
-          </a:bodyPr>
-          <a:lstStyle/>
-          <a:p>
-            <a:pPr marL="285750" indent="-285750">
-              <a:buFont typeface="Arial" panose="020B0604020202020204" pitchFamily="34" charset="0"/>
-              <a:buChar char="•"/>
-            </a:pPr>
-            <a:r>
-              <a:rPr lang="en-US" dirty="0"/>
-              <a:t>In this assignment you'll train several models and evaluate how effectively they predict instances of fraud</a:t>
-            </a:r>
-            <a:r>
-              <a:rPr lang="en-US" dirty="0" smtClean="0"/>
-              <a:t>.</a:t>
-            </a:r>
-          </a:p>
-          <a:p>
-            <a:pPr marL="342900" indent="-342900">
-              <a:buFont typeface="Arial" panose="020B0604020202020204" pitchFamily="34" charset="0"/>
-              <a:buChar char="•"/>
-            </a:pPr>
-            <a:endParaRPr lang="en-US" sz="2000" b="1" dirty="0" smtClean="0">
-              <a:solidFill>
-                <a:schemeClr val="accent2"/>
-              </a:solidFill>
-            </a:endParaRPr>
-          </a:p>
-          <a:p>
-            <a:r>
-              <a:rPr lang="en-US" sz="2000" b="1" dirty="0" smtClean="0">
-                <a:solidFill>
-                  <a:schemeClr val="accent2"/>
-                </a:solidFill>
-              </a:rPr>
-              <a:t>Ref: https</a:t>
-            </a:r>
-            <a:r>
-              <a:rPr lang="en-US" sz="2000" b="1" dirty="0">
-                <a:solidFill>
-                  <a:schemeClr val="accent2"/>
-                </a:solidFill>
-              </a:rPr>
-              <a:t>://github.com/amirkeren/applied-machine-learning-in-python/blob/master/Assignment%2B3.ipynb</a:t>
-            </a:r>
-            <a:endParaRPr lang="en-US" sz="2400" b="1" dirty="0">
-              <a:solidFill>
-                <a:schemeClr val="accent2"/>
-              </a:solidFill>
-            </a:endParaRPr>
-          </a:p>
-        </p:txBody>
-      </p:sp>
-    </p:spTree>
-    <p:extLst>
-      <p:ext uri="{BB962C8B-B14F-4D97-AF65-F5344CB8AC3E}">
-        <p14:creationId xmlns:p14="http://schemas.microsoft.com/office/powerpoint/2010/main" xmlns="" val="160138387"/>
-      </p:ext>
-    </p:extLst>
-  </p:cSld>
-  <p:clrMapOvr>
-    <a:masterClrMapping/>
-  </p:clrMapOvr>
-  <p:transition>
-    <p:wipe dir="d"/>
-  </p:transition>
-  <p:timing>
-    <p:tnLst>
-      <p:par>
-        <p:cTn id="1" dur="indefinite" restart="never" nodeType="tmRoot"/>
-      </p:par>
-    </p:tnLst>
-  </p:timing>
-</p:sld>
-</file>
-
-<file path=ppt/slides/slide66.xml><?xml version="1.0" encoding="utf-8"?>
-<p:sld xmlns:a="http://schemas.openxmlformats.org/drawingml/2006/main" xmlns:r="http://schemas.openxmlformats.org/officeDocument/2006/relationships" xmlns:p="http://schemas.openxmlformats.org/presentationml/2006/main">
-  <p:cSld>
-    <p:spTree>
-      <p:nvGrpSpPr>
-        <p:cNvPr id="1" name="Shape 228"/>
-        <p:cNvGrpSpPr/>
-        <p:nvPr/>
-      </p:nvGrpSpPr>
-      <p:grpSpPr>
-        <a:xfrm>
-          <a:off x="0" y="0"/>
-          <a:ext cx="0" cy="0"/>
-          <a:chOff x="0" y="0"/>
-          <a:chExt cx="0" cy="0"/>
-        </a:xfrm>
-      </p:grpSpPr>
-      <p:sp>
-        <p:nvSpPr>
-          <p:cNvPr id="229" name="Google Shape;229;p26"/>
-          <p:cNvSpPr txBox="1">
-            <a:spLocks noGrp="1"/>
-          </p:cNvSpPr>
-          <p:nvPr>
-            <p:ph type="title"/>
-          </p:nvPr>
-        </p:nvSpPr>
-        <p:spPr>
-          <a:xfrm>
-            <a:off x="869819" y="380999"/>
-            <a:ext cx="7467600" cy="1089507"/>
-          </a:xfrm>
-          <a:prstGeom prst="rect">
-            <a:avLst/>
-          </a:prstGeom>
-        </p:spPr>
-        <p:txBody>
-          <a:bodyPr spcFirstLastPara="1" vert="horz" wrap="square" lIns="91425" tIns="91425" rIns="91425" bIns="91425" anchor="ctr" anchorCtr="0">
-            <a:noAutofit/>
-          </a:bodyPr>
-          <a:lstStyle/>
-          <a:p>
-            <a:pPr lvl="0" algn="ctr"/>
-            <a:r>
-              <a:rPr lang="en-US" sz="2400" dirty="0">
-                <a:solidFill>
-                  <a:srgbClr val="2C363A"/>
-                </a:solidFill>
-              </a:rPr>
-              <a:t>Code for the presentation can be found here</a:t>
-            </a:r>
-            <a:endParaRPr sz="2400" dirty="0">
-              <a:solidFill>
-                <a:schemeClr val="accent2"/>
-              </a:solidFill>
-            </a:endParaRPr>
-          </a:p>
-        </p:txBody>
-      </p:sp>
-      <p:sp>
-        <p:nvSpPr>
-          <p:cNvPr id="230" name="Google Shape;230;p26"/>
-          <p:cNvSpPr txBox="1">
-            <a:spLocks noGrp="1"/>
-          </p:cNvSpPr>
-          <p:nvPr>
-            <p:ph type="sldNum" sz="quarter" idx="15"/>
-          </p:nvPr>
-        </p:nvSpPr>
-        <p:spPr>
-          <a:prstGeom prst="rect">
-            <a:avLst/>
-          </a:prstGeom>
-        </p:spPr>
-        <p:txBody>
-          <a:bodyPr spcFirstLastPara="1" vert="horz" wrap="square" lIns="91425" tIns="91425" rIns="91425" bIns="91425" anchor="t" anchorCtr="0">
-            <a:noAutofit/>
-          </a:bodyPr>
-          <a:lstStyle/>
-          <a:p>
-            <a:pPr algn="r"/>
-            <a:fld id="{00000000-1234-1234-1234-123412341234}" type="slidenum">
-              <a:rPr lang="en"/>
-              <a:pPr algn="r"/>
-              <a:t>66</a:t>
-            </a:fld>
-            <a:endParaRPr/>
-          </a:p>
-        </p:txBody>
-      </p:sp>
-      <p:sp>
-        <p:nvSpPr>
-          <p:cNvPr id="2" name="Rectangle 1"/>
-          <p:cNvSpPr/>
-          <p:nvPr/>
-        </p:nvSpPr>
-        <p:spPr>
-          <a:xfrm>
-            <a:off x="228600" y="2667000"/>
-            <a:ext cx="8685391" cy="1138773"/>
-          </a:xfrm>
-          <a:prstGeom prst="rect">
-            <a:avLst/>
-          </a:prstGeom>
-        </p:spPr>
-        <p:txBody>
-          <a:bodyPr wrap="none">
-            <a:spAutoFit/>
-          </a:bodyPr>
-          <a:lstStyle/>
-          <a:p>
-            <a:pPr algn="ctr"/>
-            <a:r>
-              <a:rPr lang="en-US" sz="2000" b="1" dirty="0"/>
-              <a:t>Refer Readme.md of </a:t>
-            </a:r>
-            <a:r>
-              <a:rPr lang="en-US" sz="2000" b="1" dirty="0" err="1"/>
-              <a:t>github</a:t>
-            </a:r>
-            <a:r>
-              <a:rPr lang="en-US" sz="2000" b="1" dirty="0"/>
-              <a:t> repository for list of assignments:</a:t>
-            </a:r>
-          </a:p>
-          <a:p>
-            <a:pPr algn="ctr"/>
-            <a:endParaRPr lang="en-US" sz="2400" b="1" dirty="0"/>
-          </a:p>
-          <a:p>
-            <a:pPr algn="ctr"/>
-            <a:r>
-              <a:rPr lang="en-US" sz="2400" b="1" dirty="0"/>
-              <a:t>https://github.com/tahirmirji/ai_with_python_keonics</a:t>
-            </a:r>
-          </a:p>
-        </p:txBody>
-      </p:sp>
-    </p:spTree>
-    <p:extLst>
-      <p:ext uri="{BB962C8B-B14F-4D97-AF65-F5344CB8AC3E}">
-        <p14:creationId xmlns:p14="http://schemas.microsoft.com/office/powerpoint/2010/main" xmlns="" val="2407997134"/>
-      </p:ext>
-    </p:extLst>
-  </p:cSld>
-  <p:clrMapOvr>
-    <a:masterClrMapping/>
-  </p:clrMapOvr>
-  <p:transition>
-    <p:wipe dir="d"/>
-  </p:transition>
-  <p:timing>
-    <p:tnLst>
-      <p:par>
-        <p:cTn id="1" dur="indefinite" restart="never" nodeType="tmRoot"/>
-      </p:par>
-    </p:tnLst>
-  </p:timing>
-</p:sld>
-</file>
-
-<file path=ppt/slides/slide67.xml><?xml version="1.0" encoding="utf-8"?>
 <p:sld xmlns:a="http://schemas.openxmlformats.org/drawingml/2006/main" xmlns:r="http://schemas.openxmlformats.org/officeDocument/2006/relationships" xmlns:p="http://schemas.openxmlformats.org/presentationml/2006/main">
   <p:cSld>
     <p:spTree>
@@ -32635,7 +32057,7 @@
             <a:fld id="{00000000-1234-1234-1234-123412341234}" type="slidenum">
               <a:rPr lang="en" smtClean="0"/>
               <a:pPr algn="r"/>
-              <a:t>67</a:t>
+              <a:t>65</a:t>
             </a:fld>
             <a:endParaRPr lang="en"/>
           </a:p>
@@ -32690,7 +32112,7 @@
     </p:spTree>
     <p:extLst>
       <p:ext uri="{BB962C8B-B14F-4D97-AF65-F5344CB8AC3E}">
-        <p14:creationId xmlns:p14="http://schemas.microsoft.com/office/powerpoint/2010/main" xmlns="" val="1316773092"/>
+        <p14:creationId xmlns="" xmlns:p14="http://schemas.microsoft.com/office/powerpoint/2010/main" val="1316773092"/>
       </p:ext>
     </p:extLst>
   </p:cSld>
@@ -33413,7 +32835,12 @@
             <p:ph sz="quarter" idx="1"/>
           </p:nvPr>
         </p:nvSpPr>
-        <p:spPr/>
+        <p:spPr>
+          <a:xfrm>
+            <a:off x="533400" y="1146048"/>
+            <a:ext cx="7467600" cy="4873752"/>
+          </a:xfrm>
+        </p:spPr>
         <p:txBody>
           <a:bodyPr>
             <a:normAutofit lnSpcReduction="10000"/>
